--- a/Documentation/Group 9 Large Pitch Presentation.pptx
+++ b/Documentation/Group 9 Large Pitch Presentation.pptx
@@ -121,7 +121,7 @@
 <file path=ppt/revisionInfo.xml><?xml version="1.0" encoding="utf-8"?>
 <p1510:revInfo xmlns:a="http://schemas.openxmlformats.org/drawingml/2006/main" xmlns:r="http://schemas.openxmlformats.org/officeDocument/2006/relationships" xmlns:p1510="http://schemas.microsoft.com/office/powerpoint/2015/10/main">
   <p1510:revLst>
-    <p1510:client id="{BDBD9C68-D8F8-4692-904A-36B6D57149AA}" v="1415" dt="2019-07-02T18:22:12.942"/>
+    <p1510:client id="{BDBD9C68-D8F8-4692-904A-36B6D57149AA}" v="1482" dt="2019-07-02T18:37:12.834"/>
   </p1510:revLst>
 </p1510:revInfo>
 </file>
@@ -131,7 +131,7 @@
   <pc:docChgLst>
     <pc:chgData name="Joseph Hill" userId="3ae9f572-e702-4d01-8281-3d92502275bb" providerId="ADAL" clId="{BDBD9C68-D8F8-4692-904A-36B6D57149AA}"/>
     <pc:docChg chg="undo custSel mod modSld modMainMaster">
-      <pc:chgData name="Joseph Hill" userId="3ae9f572-e702-4d01-8281-3d92502275bb" providerId="ADAL" clId="{BDBD9C68-D8F8-4692-904A-36B6D57149AA}" dt="2019-07-02T18:22:12.942" v="1414" actId="20577"/>
+      <pc:chgData name="Joseph Hill" userId="3ae9f572-e702-4d01-8281-3d92502275bb" providerId="ADAL" clId="{BDBD9C68-D8F8-4692-904A-36B6D57149AA}" dt="2019-07-02T18:37:12.834" v="1481" actId="20577"/>
       <pc:docMkLst>
         <pc:docMk/>
       </pc:docMkLst>
@@ -710,13 +710,13 @@
         </pc:spChg>
       </pc:sldChg>
       <pc:sldChg chg="modSp">
-        <pc:chgData name="Joseph Hill" userId="3ae9f572-e702-4d01-8281-3d92502275bb" providerId="ADAL" clId="{BDBD9C68-D8F8-4692-904A-36B6D57149AA}" dt="2019-07-02T18:16:09.294" v="1357" actId="20577"/>
+        <pc:chgData name="Joseph Hill" userId="3ae9f572-e702-4d01-8281-3d92502275bb" providerId="ADAL" clId="{BDBD9C68-D8F8-4692-904A-36B6D57149AA}" dt="2019-07-02T18:37:12.834" v="1481" actId="20577"/>
         <pc:sldMkLst>
           <pc:docMk/>
           <pc:sldMk cId="2096254347" sldId="266"/>
         </pc:sldMkLst>
         <pc:spChg chg="mod">
-          <ac:chgData name="Joseph Hill" userId="3ae9f572-e702-4d01-8281-3d92502275bb" providerId="ADAL" clId="{BDBD9C68-D8F8-4692-904A-36B6D57149AA}" dt="2019-07-02T18:16:09.294" v="1357" actId="20577"/>
+          <ac:chgData name="Joseph Hill" userId="3ae9f572-e702-4d01-8281-3d92502275bb" providerId="ADAL" clId="{BDBD9C68-D8F8-4692-904A-36B6D57149AA}" dt="2019-07-02T18:37:12.834" v="1481" actId="20577"/>
           <ac:spMkLst>
             <pc:docMk/>
             <pc:sldMk cId="2096254347" sldId="266"/>
@@ -6867,14 +6867,22 @@
           <a:p>
             <a:r>
               <a:rPr lang="en-US" dirty="0"/>
-              <a:t>Advertisements</a:t>
+              <a:t>Advertisements for popular upcoming events</a:t>
             </a:r>
           </a:p>
           <a:p>
             <a:r>
               <a:rPr lang="en-US" dirty="0"/>
-              <a:t>Event insurance</a:t>
-            </a:r>
+              <a:t>Booking service, </a:t>
+            </a:r>
+            <a:r>
+              <a:rPr lang="en-US"/>
+              <a:t>event insurance</a:t>
+            </a:r>
+            <a:endParaRPr lang="en-US" dirty="0"/>
+          </a:p>
+          <a:p>
+            <a:endParaRPr lang="en-US" dirty="0"/>
           </a:p>
           <a:p>
             <a:endParaRPr lang="en-US" dirty="0"/>
@@ -8261,13 +8269,8 @@
           <a:p>
             <a:r>
               <a:rPr lang="en-US" dirty="0"/>
-              <a:t>Postman – </a:t>
-            </a:r>
-            <a:r>
-              <a:rPr lang="en-US"/>
-              <a:t>API testing</a:t>
-            </a:r>
-            <a:endParaRPr lang="en-US" dirty="0"/>
+              <a:t>Postman – API testing</a:t>
+            </a:r>
           </a:p>
         </p:txBody>
       </p:sp>

--- a/Documentation/Group 9 Large Pitch Presentation.pptx
+++ b/Documentation/Group 9 Large Pitch Presentation.pptx
@@ -17,6 +17,7 @@
     <p:sldId id="265" r:id="rId11"/>
     <p:sldId id="267" r:id="rId12"/>
     <p:sldId id="266" r:id="rId13"/>
+    <p:sldId id="268" r:id="rId14"/>
   </p:sldIdLst>
   <p:sldSz cx="12192000" cy="6858000"/>
   <p:notesSz cx="6858000" cy="9144000"/>
@@ -115,6 +116,11 @@
       </a:defRPr>
     </a:lvl9pPr>
   </p:defaultTextStyle>
+  <p:extLst>
+    <p:ext uri="{EFAFB233-063F-42B5-8137-9DF3F51BA10A}">
+      <p15:sldGuideLst xmlns:p15="http://schemas.microsoft.com/office/powerpoint/2012/main"/>
+    </p:ext>
+  </p:extLst>
 </p:presentation>
 </file>
 
@@ -122,6 +128,7 @@
 <p1510:revInfo xmlns:a="http://schemas.openxmlformats.org/drawingml/2006/main" xmlns:r="http://schemas.openxmlformats.org/officeDocument/2006/relationships" xmlns:p1510="http://schemas.microsoft.com/office/powerpoint/2015/10/main">
   <p1510:revLst>
     <p1510:client id="{BDBD9C68-D8F8-4692-904A-36B6D57149AA}" v="1482" dt="2019-07-02T18:37:12.834"/>
+    <p1510:client id="{DC210106-0DF9-4E68-B26D-8AE21F8CD1DF}" v="133" dt="2019-07-02T18:49:15.725"/>
   </p1510:revLst>
 </p1510:revInfo>
 </file>
@@ -900,6 +907,69 @@
       </pc:sldMasterChg>
     </pc:docChg>
   </pc:docChgLst>
+  <pc:docChgLst>
+    <pc:chgData name="Joseph Hill" userId="3ae9f572-e702-4d01-8281-3d92502275bb" providerId="ADAL" clId="{DC210106-0DF9-4E68-B26D-8AE21F8CD1DF}"/>
+    <pc:docChg chg="custSel modSld">
+      <pc:chgData name="Joseph Hill" userId="3ae9f572-e702-4d01-8281-3d92502275bb" providerId="ADAL" clId="{DC210106-0DF9-4E68-B26D-8AE21F8CD1DF}" dt="2019-07-02T18:49:15.725" v="132" actId="1076"/>
+      <pc:docMkLst>
+        <pc:docMk/>
+      </pc:docMkLst>
+      <pc:sldChg chg="modSp">
+        <pc:chgData name="Joseph Hill" userId="3ae9f572-e702-4d01-8281-3d92502275bb" providerId="ADAL" clId="{DC210106-0DF9-4E68-B26D-8AE21F8CD1DF}" dt="2019-07-02T18:48:21.058" v="73" actId="20577"/>
+        <pc:sldMkLst>
+          <pc:docMk/>
+          <pc:sldMk cId="2176276898" sldId="262"/>
+        </pc:sldMkLst>
+        <pc:spChg chg="mod">
+          <ac:chgData name="Joseph Hill" userId="3ae9f572-e702-4d01-8281-3d92502275bb" providerId="ADAL" clId="{DC210106-0DF9-4E68-B26D-8AE21F8CD1DF}" dt="2019-07-02T18:48:21.058" v="73" actId="20577"/>
+          <ac:spMkLst>
+            <pc:docMk/>
+            <pc:sldMk cId="2176276898" sldId="262"/>
+            <ac:spMk id="3" creationId="{5F9AC01E-6943-477B-AA4A-B1FD37E4804B}"/>
+          </ac:spMkLst>
+        </pc:spChg>
+      </pc:sldChg>
+      <pc:sldChg chg="addSp delSp modSp">
+        <pc:chgData name="Joseph Hill" userId="3ae9f572-e702-4d01-8281-3d92502275bb" providerId="ADAL" clId="{DC210106-0DF9-4E68-B26D-8AE21F8CD1DF}" dt="2019-07-02T18:49:15.725" v="132" actId="1076"/>
+        <pc:sldMkLst>
+          <pc:docMk/>
+          <pc:sldMk cId="1301264682" sldId="265"/>
+        </pc:sldMkLst>
+        <pc:spChg chg="mod">
+          <ac:chgData name="Joseph Hill" userId="3ae9f572-e702-4d01-8281-3d92502275bb" providerId="ADAL" clId="{DC210106-0DF9-4E68-B26D-8AE21F8CD1DF}" dt="2019-07-02T18:49:04.340" v="130" actId="20577"/>
+          <ac:spMkLst>
+            <pc:docMk/>
+            <pc:sldMk cId="1301264682" sldId="265"/>
+            <ac:spMk id="3" creationId="{C72731A9-861F-4CAF-8ACF-2D82EFAE939E}"/>
+          </ac:spMkLst>
+        </pc:spChg>
+        <pc:graphicFrameChg chg="add del mod">
+          <ac:chgData name="Joseph Hill" userId="3ae9f572-e702-4d01-8281-3d92502275bb" providerId="ADAL" clId="{DC210106-0DF9-4E68-B26D-8AE21F8CD1DF}" dt="2019-07-02T18:43:46.357" v="2"/>
+          <ac:graphicFrameMkLst>
+            <pc:docMk/>
+            <pc:sldMk cId="1301264682" sldId="265"/>
+            <ac:graphicFrameMk id="4" creationId="{A4D6C32F-165E-4F81-8F2E-64E6446AFCE6}"/>
+          </ac:graphicFrameMkLst>
+        </pc:graphicFrameChg>
+        <pc:picChg chg="add mod">
+          <ac:chgData name="Joseph Hill" userId="3ae9f572-e702-4d01-8281-3d92502275bb" providerId="ADAL" clId="{DC210106-0DF9-4E68-B26D-8AE21F8CD1DF}" dt="2019-07-02T18:49:09.940" v="131" actId="1076"/>
+          <ac:picMkLst>
+            <pc:docMk/>
+            <pc:sldMk cId="1301264682" sldId="265"/>
+            <ac:picMk id="6" creationId="{7F9F282B-3F5F-46C9-8D6C-364678ECA48B}"/>
+          </ac:picMkLst>
+        </pc:picChg>
+        <pc:picChg chg="add mod">
+          <ac:chgData name="Joseph Hill" userId="3ae9f572-e702-4d01-8281-3d92502275bb" providerId="ADAL" clId="{DC210106-0DF9-4E68-B26D-8AE21F8CD1DF}" dt="2019-07-02T18:49:15.725" v="132" actId="1076"/>
+          <ac:picMkLst>
+            <pc:docMk/>
+            <pc:sldMk cId="1301264682" sldId="265"/>
+            <ac:picMk id="8" creationId="{56D505A8-55CA-4640-90EF-FF60FAB71D15}"/>
+          </ac:picMkLst>
+        </pc:picChg>
+      </pc:sldChg>
+    </pc:docChg>
+  </pc:docChgLst>
 </pc:chgInfo>
 </file>
 
@@ -1190,7 +1260,7 @@
           <a:p>
             <a:fld id="{24F0BF33-E0C3-43DE-88E9-21DEDB3A7435}" type="datetimeFigureOut">
               <a:rPr lang="en-US" smtClean="0"/>
-              <a:t>6/30/2019</a:t>
+              <a:t>7/2/2019</a:t>
             </a:fld>
             <a:endParaRPr lang="en-US"/>
           </a:p>
@@ -1508,7 +1578,7 @@
           <a:p>
             <a:fld id="{24F0BF33-E0C3-43DE-88E9-21DEDB3A7435}" type="datetimeFigureOut">
               <a:rPr lang="en-US" smtClean="0"/>
-              <a:t>6/30/2019</a:t>
+              <a:t>7/2/2019</a:t>
             </a:fld>
             <a:endParaRPr lang="en-US"/>
           </a:p>
@@ -1996,7 +2066,7 @@
           <a:p>
             <a:fld id="{24F0BF33-E0C3-43DE-88E9-21DEDB3A7435}" type="datetimeFigureOut">
               <a:rPr lang="en-US" smtClean="0"/>
-              <a:t>6/30/2019</a:t>
+              <a:t>7/2/2019</a:t>
             </a:fld>
             <a:endParaRPr lang="en-US"/>
           </a:p>
@@ -2365,7 +2435,7 @@
           <a:p>
             <a:fld id="{24F0BF33-E0C3-43DE-88E9-21DEDB3A7435}" type="datetimeFigureOut">
               <a:rPr lang="en-US" smtClean="0"/>
-              <a:t>6/30/2019</a:t>
+              <a:t>7/2/2019</a:t>
             </a:fld>
             <a:endParaRPr lang="en-US"/>
           </a:p>
@@ -2638,7 +2708,7 @@
           <a:p>
             <a:fld id="{24F0BF33-E0C3-43DE-88E9-21DEDB3A7435}" type="datetimeFigureOut">
               <a:rPr lang="en-US" smtClean="0"/>
-              <a:t>6/30/2019</a:t>
+              <a:t>7/2/2019</a:t>
             </a:fld>
             <a:endParaRPr lang="en-US"/>
           </a:p>
@@ -2923,7 +2993,7 @@
           <a:p>
             <a:fld id="{24F0BF33-E0C3-43DE-88E9-21DEDB3A7435}" type="datetimeFigureOut">
               <a:rPr lang="en-US" smtClean="0"/>
-              <a:t>6/30/2019</a:t>
+              <a:t>7/2/2019</a:t>
             </a:fld>
             <a:endParaRPr lang="en-US"/>
           </a:p>
@@ -3206,7 +3276,7 @@
           <a:p>
             <a:fld id="{24F0BF33-E0C3-43DE-88E9-21DEDB3A7435}" type="datetimeFigureOut">
               <a:rPr lang="en-US" smtClean="0"/>
-              <a:t>6/30/2019</a:t>
+              <a:t>7/2/2019</a:t>
             </a:fld>
             <a:endParaRPr lang="en-US"/>
           </a:p>
@@ -3549,7 +3619,7 @@
           <a:p>
             <a:fld id="{24F0BF33-E0C3-43DE-88E9-21DEDB3A7435}" type="datetimeFigureOut">
               <a:rPr lang="en-US" smtClean="0"/>
-              <a:t>6/30/2019</a:t>
+              <a:t>7/2/2019</a:t>
             </a:fld>
             <a:endParaRPr lang="en-US"/>
           </a:p>
@@ -3888,7 +3958,7 @@
           <a:p>
             <a:fld id="{24F0BF33-E0C3-43DE-88E9-21DEDB3A7435}" type="datetimeFigureOut">
               <a:rPr lang="en-US" smtClean="0"/>
-              <a:t>6/30/2019</a:t>
+              <a:t>7/2/2019</a:t>
             </a:fld>
             <a:endParaRPr lang="en-US"/>
           </a:p>
@@ -4365,7 +4435,7 @@
           <a:p>
             <a:fld id="{24F0BF33-E0C3-43DE-88E9-21DEDB3A7435}" type="datetimeFigureOut">
               <a:rPr lang="en-US" smtClean="0"/>
-              <a:t>6/30/2019</a:t>
+              <a:t>7/2/2019</a:t>
             </a:fld>
             <a:endParaRPr lang="en-US"/>
           </a:p>
@@ -4586,7 +4656,7 @@
           <a:p>
             <a:fld id="{24F0BF33-E0C3-43DE-88E9-21DEDB3A7435}" type="datetimeFigureOut">
               <a:rPr lang="en-US" smtClean="0"/>
-              <a:t>6/30/2019</a:t>
+              <a:t>7/2/2019</a:t>
             </a:fld>
             <a:endParaRPr lang="en-US"/>
           </a:p>
@@ -4681,7 +4751,7 @@
           <a:p>
             <a:fld id="{24F0BF33-E0C3-43DE-88E9-21DEDB3A7435}" type="datetimeFigureOut">
               <a:rPr lang="en-US" smtClean="0"/>
-              <a:t>6/30/2019</a:t>
+              <a:t>7/2/2019</a:t>
             </a:fld>
             <a:endParaRPr lang="en-US"/>
           </a:p>
@@ -5148,7 +5218,7 @@
           <a:p>
             <a:fld id="{24F0BF33-E0C3-43DE-88E9-21DEDB3A7435}" type="datetimeFigureOut">
               <a:rPr lang="en-US" smtClean="0"/>
-              <a:t>6/30/2019</a:t>
+              <a:t>7/2/2019</a:t>
             </a:fld>
             <a:endParaRPr lang="en-US"/>
           </a:p>
@@ -5461,7 +5531,7 @@
           <a:p>
             <a:fld id="{24F0BF33-E0C3-43DE-88E9-21DEDB3A7435}" type="datetimeFigureOut">
               <a:rPr lang="en-US" smtClean="0"/>
-              <a:t>6/30/2019</a:t>
+              <a:t>7/2/2019</a:t>
             </a:fld>
             <a:endParaRPr lang="en-US"/>
           </a:p>
@@ -5731,7 +5801,7 @@
           <a:p>
             <a:fld id="{24F0BF33-E0C3-43DE-88E9-21DEDB3A7435}" type="datetimeFigureOut">
               <a:rPr lang="en-US" smtClean="0"/>
-              <a:t>6/30/2019</a:t>
+              <a:t>7/2/2019</a:t>
             </a:fld>
             <a:endParaRPr lang="en-US"/>
           </a:p>
@@ -6644,6 +6714,15 @@
           <a:p>
             <a:r>
               <a:rPr lang="en-US" dirty="0"/>
+              <a:t>Dart – programming language for Flutter </a:t>
+            </a:r>
+          </a:p>
+          <a:p>
+            <a:endParaRPr lang="en-US" dirty="0"/>
+          </a:p>
+          <a:p>
+            <a:r>
+              <a:rPr lang="en-US" dirty="0"/>
               <a:t>Target Mobile OS - Android</a:t>
             </a:r>
           </a:p>
@@ -6652,6 +6731,78 @@
           </a:p>
         </p:txBody>
       </p:sp>
+      <p:pic>
+        <p:nvPicPr>
+          <p:cNvPr id="6" name="Picture 5">
+            <a:extLst>
+              <a:ext uri="{FF2B5EF4-FFF2-40B4-BE49-F238E27FC236}">
+                <a16:creationId xmlns:a16="http://schemas.microsoft.com/office/drawing/2014/main" id="{7F9F282B-3F5F-46C9-8D6C-364678ECA48B}"/>
+              </a:ext>
+            </a:extLst>
+          </p:cNvPr>
+          <p:cNvPicPr>
+            <a:picLocks noChangeAspect="1"/>
+          </p:cNvPicPr>
+          <p:nvPr/>
+        </p:nvPicPr>
+        <p:blipFill>
+          <a:blip r:embed="rId2">
+            <a:extLst>
+              <a:ext uri="{28A0092B-C50C-407E-A947-70E740481C1C}">
+                <a14:useLocalDpi xmlns:a14="http://schemas.microsoft.com/office/drawing/2010/main" val="0"/>
+              </a:ext>
+            </a:extLst>
+          </a:blip>
+          <a:stretch>
+            <a:fillRect/>
+          </a:stretch>
+        </p:blipFill>
+        <p:spPr>
+          <a:xfrm>
+            <a:off x="7243443" y="2412682"/>
+            <a:ext cx="2032635" cy="1016318"/>
+          </a:xfrm>
+          <a:prstGeom prst="rect">
+            <a:avLst/>
+          </a:prstGeom>
+        </p:spPr>
+      </p:pic>
+      <p:pic>
+        <p:nvPicPr>
+          <p:cNvPr id="8" name="Picture 7">
+            <a:extLst>
+              <a:ext uri="{FF2B5EF4-FFF2-40B4-BE49-F238E27FC236}">
+                <a16:creationId xmlns:a16="http://schemas.microsoft.com/office/drawing/2014/main" id="{56D505A8-55CA-4640-90EF-FF60FAB71D15}"/>
+              </a:ext>
+            </a:extLst>
+          </p:cNvPr>
+          <p:cNvPicPr>
+            <a:picLocks noChangeAspect="1"/>
+          </p:cNvPicPr>
+          <p:nvPr/>
+        </p:nvPicPr>
+        <p:blipFill>
+          <a:blip r:embed="rId3">
+            <a:extLst>
+              <a:ext uri="{28A0092B-C50C-407E-A947-70E740481C1C}">
+                <a14:useLocalDpi xmlns:a14="http://schemas.microsoft.com/office/drawing/2010/main" val="0"/>
+              </a:ext>
+            </a:extLst>
+          </a:blip>
+          <a:stretch>
+            <a:fillRect/>
+          </a:stretch>
+        </p:blipFill>
+        <p:spPr>
+          <a:xfrm>
+            <a:off x="7243443" y="4090736"/>
+            <a:ext cx="2032635" cy="919480"/>
+          </a:xfrm>
+          <a:prstGeom prst="rect">
+            <a:avLst/>
+          </a:prstGeom>
+        </p:spPr>
+      </p:pic>
     </p:spTree>
     <p:extLst>
       <p:ext uri="{BB962C8B-B14F-4D97-AF65-F5344CB8AC3E}">
@@ -6898,6 +7049,517 @@
   </p:cSld>
   <p:clrMapOvr>
     <a:masterClrMapping/>
+  </p:clrMapOvr>
+</p:sld>
+</file>
+
+<file path=ppt/slides/slide13.xml><?xml version="1.0" encoding="utf-8"?>
+<p:sld xmlns:a="http://schemas.openxmlformats.org/drawingml/2006/main" xmlns:r="http://schemas.openxmlformats.org/officeDocument/2006/relationships" xmlns:p="http://schemas.openxmlformats.org/presentationml/2006/main">
+  <p:cSld>
+    <p:bg>
+      <p:bgPr>
+        <a:solidFill>
+          <a:schemeClr val="bg1"/>
+        </a:solidFill>
+        <a:effectLst/>
+      </p:bgPr>
+    </p:bg>
+    <p:spTree>
+      <p:nvGrpSpPr>
+        <p:cNvPr id="1" name=""/>
+        <p:cNvGrpSpPr/>
+        <p:nvPr/>
+      </p:nvGrpSpPr>
+      <p:grpSpPr>
+        <a:xfrm>
+          <a:off x="0" y="0"/>
+          <a:ext cx="0" cy="0"/>
+          <a:chOff x="0" y="0"/>
+          <a:chExt cx="0" cy="0"/>
+        </a:xfrm>
+      </p:grpSpPr>
+      <p:sp>
+        <p:nvSpPr>
+          <p:cNvPr id="10" name="Freeform 6">
+            <a:extLst>
+              <a:ext uri="{FF2B5EF4-FFF2-40B4-BE49-F238E27FC236}">
+                <a16:creationId xmlns:a16="http://schemas.microsoft.com/office/drawing/2014/main" id="{133F8CB7-795C-4272-9073-64D8CF97F220}"/>
+              </a:ext>
+              <a:ext uri="{C183D7F6-B498-43B3-948B-1728B52AA6E4}">
+                <adec:decorative xmlns:adec="http://schemas.microsoft.com/office/drawing/2017/decorative" val="1"/>
+              </a:ext>
+            </a:extLst>
+          </p:cNvPr>
+          <p:cNvSpPr>
+            <a:spLocks noGrp="1" noRot="1" noChangeAspect="1" noMove="1" noResize="1" noEditPoints="1" noAdjustHandles="1" noChangeArrowheads="1" noChangeShapeType="1" noTextEdit="1"/>
+          </p:cNvSpPr>
+          <p:nvPr>
+            <p:extLst>
+              <p:ext uri="{386F3935-93C4-4BCD-93E2-E3B085C9AB24}">
+                <p16:designElem xmlns:p16="http://schemas.microsoft.com/office/powerpoint/2015/main" val="1"/>
+              </p:ext>
+            </p:extLst>
+          </p:nvPr>
+        </p:nvSpPr>
+        <p:spPr bwMode="auto">
+          <a:xfrm>
+            <a:off x="0" y="-3175"/>
+            <a:ext cx="12192000" cy="5203825"/>
+          </a:xfrm>
+          <a:custGeom>
+            <a:avLst/>
+            <a:gdLst/>
+            <a:ahLst/>
+            <a:cxnLst/>
+            <a:rect l="0" t="0" r="r" b="b"/>
+            <a:pathLst>
+              <a:path w="5760" h="3278">
+                <a:moveTo>
+                  <a:pt x="5760" y="0"/>
+                </a:moveTo>
+                <a:lnTo>
+                  <a:pt x="0" y="0"/>
+                </a:lnTo>
+                <a:lnTo>
+                  <a:pt x="0" y="3090"/>
+                </a:lnTo>
+                <a:lnTo>
+                  <a:pt x="943" y="3090"/>
+                </a:lnTo>
+                <a:lnTo>
+                  <a:pt x="1123" y="3270"/>
+                </a:lnTo>
+                <a:lnTo>
+                  <a:pt x="1123" y="3270"/>
+                </a:lnTo>
+                <a:lnTo>
+                  <a:pt x="1127" y="3272"/>
+                </a:lnTo>
+                <a:lnTo>
+                  <a:pt x="1133" y="3275"/>
+                </a:lnTo>
+                <a:lnTo>
+                  <a:pt x="1139" y="3278"/>
+                </a:lnTo>
+                <a:lnTo>
+                  <a:pt x="1144" y="3278"/>
+                </a:lnTo>
+                <a:lnTo>
+                  <a:pt x="1150" y="3278"/>
+                </a:lnTo>
+                <a:lnTo>
+                  <a:pt x="1155" y="3275"/>
+                </a:lnTo>
+                <a:lnTo>
+                  <a:pt x="1161" y="3272"/>
+                </a:lnTo>
+                <a:lnTo>
+                  <a:pt x="1165" y="3270"/>
+                </a:lnTo>
+                <a:lnTo>
+                  <a:pt x="1345" y="3090"/>
+                </a:lnTo>
+                <a:lnTo>
+                  <a:pt x="5760" y="3090"/>
+                </a:lnTo>
+                <a:lnTo>
+                  <a:pt x="5760" y="0"/>
+                </a:lnTo>
+                <a:close/>
+              </a:path>
+            </a:pathLst>
+          </a:custGeom>
+          <a:ln/>
+          <a:effectLst/>
+          <a:extLst>
+            <a:ext uri="{91240B29-F687-4f45-9708-019B960494DF}">
+              <a14:hiddenLine xmlns:a14="http://schemas.microsoft.com/office/drawing/2010/main" xmlns:p14="http://schemas.microsoft.com/office/powerpoint/2010/main" xmlns:a16="http://schemas.microsoft.com/office/drawing/2014/main" xmlns="" w="9525">
+                <a:solidFill>
+                  <a:srgbClr val="000000"/>
+                </a:solidFill>
+                <a:round/>
+                <a:headEnd/>
+                <a:tailEnd/>
+              </a14:hiddenLine>
+            </a:ext>
+          </a:extLst>
+        </p:spPr>
+        <p:style>
+          <a:lnRef idx="1">
+            <a:schemeClr val="accent1"/>
+          </a:lnRef>
+          <a:fillRef idx="3">
+            <a:schemeClr val="accent1"/>
+          </a:fillRef>
+          <a:effectRef idx="2">
+            <a:schemeClr val="accent1"/>
+          </a:effectRef>
+          <a:fontRef idx="minor">
+            <a:schemeClr val="lt1"/>
+          </a:fontRef>
+        </p:style>
+      </p:sp>
+      <p:sp>
+        <p:nvSpPr>
+          <p:cNvPr id="12" name="Rectangle 11">
+            <a:extLst>
+              <a:ext uri="{FF2B5EF4-FFF2-40B4-BE49-F238E27FC236}">
+                <a16:creationId xmlns:a16="http://schemas.microsoft.com/office/drawing/2014/main" id="{B7743172-17A8-4FA4-8434-B813E03B7665}"/>
+              </a:ext>
+              <a:ext uri="{C183D7F6-B498-43B3-948B-1728B52AA6E4}">
+                <adec:decorative xmlns:adec="http://schemas.microsoft.com/office/drawing/2017/decorative" val="1"/>
+              </a:ext>
+            </a:extLst>
+          </p:cNvPr>
+          <p:cNvSpPr>
+            <a:spLocks noGrp="1" noRot="1" noChangeAspect="1" noMove="1" noResize="1" noEditPoints="1" noAdjustHandles="1" noChangeArrowheads="1" noChangeShapeType="1" noTextEdit="1"/>
+          </p:cNvSpPr>
+          <p:nvPr>
+            <p:extLst>
+              <p:ext uri="{386F3935-93C4-4BCD-93E2-E3B085C9AB24}">
+                <p16:designElem xmlns:p16="http://schemas.microsoft.com/office/powerpoint/2015/main" val="1"/>
+              </p:ext>
+            </p:extLst>
+          </p:nvPr>
+        </p:nvSpPr>
+        <p:spPr>
+          <a:xfrm>
+            <a:off x="0" y="0"/>
+            <a:ext cx="12192000" cy="6858000"/>
+          </a:xfrm>
+          <a:prstGeom prst="rect">
+            <a:avLst/>
+          </a:prstGeom>
+          <a:solidFill>
+            <a:schemeClr val="bg1"/>
+          </a:solidFill>
+          <a:ln>
+            <a:noFill/>
+          </a:ln>
+        </p:spPr>
+        <p:style>
+          <a:lnRef idx="2">
+            <a:schemeClr val="accent1">
+              <a:shade val="50000"/>
+            </a:schemeClr>
+          </a:lnRef>
+          <a:fillRef idx="1">
+            <a:schemeClr val="accent1"/>
+          </a:fillRef>
+          <a:effectRef idx="0">
+            <a:schemeClr val="accent1"/>
+          </a:effectRef>
+          <a:fontRef idx="minor">
+            <a:schemeClr val="lt1"/>
+          </a:fontRef>
+        </p:style>
+        <p:txBody>
+          <a:bodyPr rtlCol="0" anchor="ctr"/>
+          <a:lstStyle/>
+          <a:p>
+            <a:pPr algn="ctr"/>
+            <a:endParaRPr lang="en-US"/>
+          </a:p>
+        </p:txBody>
+      </p:sp>
+      <p:sp>
+        <p:nvSpPr>
+          <p:cNvPr id="14" name="Freeform 23">
+            <a:extLst>
+              <a:ext uri="{FF2B5EF4-FFF2-40B4-BE49-F238E27FC236}">
+                <a16:creationId xmlns:a16="http://schemas.microsoft.com/office/drawing/2014/main" id="{4CE1233C-FD2F-489E-BFDE-086F5FED6491}"/>
+              </a:ext>
+              <a:ext uri="{C183D7F6-B498-43B3-948B-1728B52AA6E4}">
+                <adec:decorative xmlns:adec="http://schemas.microsoft.com/office/drawing/2017/decorative" val="1"/>
+              </a:ext>
+            </a:extLst>
+          </p:cNvPr>
+          <p:cNvSpPr>
+            <a:spLocks noGrp="1" noRot="1" noChangeAspect="1" noMove="1" noResize="1" noEditPoints="1" noAdjustHandles="1" noChangeArrowheads="1" noChangeShapeType="1" noTextEdit="1"/>
+          </p:cNvSpPr>
+          <p:nvPr>
+            <p:extLst>
+              <p:ext uri="{386F3935-93C4-4BCD-93E2-E3B085C9AB24}">
+                <p16:designElem xmlns:p16="http://schemas.microsoft.com/office/powerpoint/2015/main" val="1"/>
+              </p:ext>
+            </p:extLst>
+          </p:nvPr>
+        </p:nvSpPr>
+        <p:spPr bwMode="white">
+          <a:xfrm>
+            <a:off x="0" y="0"/>
+            <a:ext cx="4637005" cy="6858000"/>
+          </a:xfrm>
+          <a:custGeom>
+            <a:avLst/>
+            <a:gdLst>
+              <a:gd name="connsiteX0" fmla="*/ 0 w 4637005"/>
+              <a:gd name="connsiteY0" fmla="*/ 0 h 6858000"/>
+              <a:gd name="connsiteX1" fmla="*/ 4637005 w 4637005"/>
+              <a:gd name="connsiteY1" fmla="*/ 0 h 6858000"/>
+              <a:gd name="connsiteX2" fmla="*/ 4637005 w 4637005"/>
+              <a:gd name="connsiteY2" fmla="*/ 1900238 h 6858000"/>
+              <a:gd name="connsiteX3" fmla="*/ 4266589 w 4637005"/>
+              <a:gd name="connsiteY3" fmla="*/ 2178050 h 6858000"/>
+              <a:gd name="connsiteX4" fmla="*/ 4262355 w 4637005"/>
+              <a:gd name="connsiteY4" fmla="*/ 2184400 h 6858000"/>
+              <a:gd name="connsiteX5" fmla="*/ 4256005 w 4637005"/>
+              <a:gd name="connsiteY5" fmla="*/ 2193925 h 6858000"/>
+              <a:gd name="connsiteX6" fmla="*/ 4249655 w 4637005"/>
+              <a:gd name="connsiteY6" fmla="*/ 2201863 h 6858000"/>
+              <a:gd name="connsiteX7" fmla="*/ 4249655 w 4637005"/>
+              <a:gd name="connsiteY7" fmla="*/ 2211388 h 6858000"/>
+              <a:gd name="connsiteX8" fmla="*/ 4249655 w 4637005"/>
+              <a:gd name="connsiteY8" fmla="*/ 2220913 h 6858000"/>
+              <a:gd name="connsiteX9" fmla="*/ 4256005 w 4637005"/>
+              <a:gd name="connsiteY9" fmla="*/ 2228850 h 6858000"/>
+              <a:gd name="connsiteX10" fmla="*/ 4262355 w 4637005"/>
+              <a:gd name="connsiteY10" fmla="*/ 2238375 h 6858000"/>
+              <a:gd name="connsiteX11" fmla="*/ 4266589 w 4637005"/>
+              <a:gd name="connsiteY11" fmla="*/ 2244725 h 6858000"/>
+              <a:gd name="connsiteX12" fmla="*/ 4637005 w 4637005"/>
+              <a:gd name="connsiteY12" fmla="*/ 2522538 h 6858000"/>
+              <a:gd name="connsiteX13" fmla="*/ 4637005 w 4637005"/>
+              <a:gd name="connsiteY13" fmla="*/ 6858000 h 6858000"/>
+              <a:gd name="connsiteX14" fmla="*/ 0 w 4637005"/>
+              <a:gd name="connsiteY14" fmla="*/ 6858000 h 6858000"/>
+            </a:gdLst>
+            <a:ahLst/>
+            <a:cxnLst>
+              <a:cxn ang="0">
+                <a:pos x="connsiteX0" y="connsiteY0"/>
+              </a:cxn>
+              <a:cxn ang="0">
+                <a:pos x="connsiteX1" y="connsiteY1"/>
+              </a:cxn>
+              <a:cxn ang="0">
+                <a:pos x="connsiteX2" y="connsiteY2"/>
+              </a:cxn>
+              <a:cxn ang="0">
+                <a:pos x="connsiteX3" y="connsiteY3"/>
+              </a:cxn>
+              <a:cxn ang="0">
+                <a:pos x="connsiteX4" y="connsiteY4"/>
+              </a:cxn>
+              <a:cxn ang="0">
+                <a:pos x="connsiteX5" y="connsiteY5"/>
+              </a:cxn>
+              <a:cxn ang="0">
+                <a:pos x="connsiteX6" y="connsiteY6"/>
+              </a:cxn>
+              <a:cxn ang="0">
+                <a:pos x="connsiteX7" y="connsiteY7"/>
+              </a:cxn>
+              <a:cxn ang="0">
+                <a:pos x="connsiteX8" y="connsiteY8"/>
+              </a:cxn>
+              <a:cxn ang="0">
+                <a:pos x="connsiteX9" y="connsiteY9"/>
+              </a:cxn>
+              <a:cxn ang="0">
+                <a:pos x="connsiteX10" y="connsiteY10"/>
+              </a:cxn>
+              <a:cxn ang="0">
+                <a:pos x="connsiteX11" y="connsiteY11"/>
+              </a:cxn>
+              <a:cxn ang="0">
+                <a:pos x="connsiteX12" y="connsiteY12"/>
+              </a:cxn>
+              <a:cxn ang="0">
+                <a:pos x="connsiteX13" y="connsiteY13"/>
+              </a:cxn>
+              <a:cxn ang="0">
+                <a:pos x="connsiteX14" y="connsiteY14"/>
+              </a:cxn>
+            </a:cxnLst>
+            <a:rect l="l" t="t" r="r" b="b"/>
+            <a:pathLst>
+              <a:path w="4637005" h="6858000">
+                <a:moveTo>
+                  <a:pt x="0" y="0"/>
+                </a:moveTo>
+                <a:lnTo>
+                  <a:pt x="4637005" y="0"/>
+                </a:lnTo>
+                <a:lnTo>
+                  <a:pt x="4637005" y="1900238"/>
+                </a:lnTo>
+                <a:lnTo>
+                  <a:pt x="4266589" y="2178050"/>
+                </a:lnTo>
+                <a:lnTo>
+                  <a:pt x="4262355" y="2184400"/>
+                </a:lnTo>
+                <a:lnTo>
+                  <a:pt x="4256005" y="2193925"/>
+                </a:lnTo>
+                <a:lnTo>
+                  <a:pt x="4249655" y="2201863"/>
+                </a:lnTo>
+                <a:lnTo>
+                  <a:pt x="4249655" y="2211388"/>
+                </a:lnTo>
+                <a:lnTo>
+                  <a:pt x="4249655" y="2220913"/>
+                </a:lnTo>
+                <a:lnTo>
+                  <a:pt x="4256005" y="2228850"/>
+                </a:lnTo>
+                <a:lnTo>
+                  <a:pt x="4262355" y="2238375"/>
+                </a:lnTo>
+                <a:lnTo>
+                  <a:pt x="4266589" y="2244725"/>
+                </a:lnTo>
+                <a:lnTo>
+                  <a:pt x="4637005" y="2522538"/>
+                </a:lnTo>
+                <a:lnTo>
+                  <a:pt x="4637005" y="6858000"/>
+                </a:lnTo>
+                <a:lnTo>
+                  <a:pt x="0" y="6858000"/>
+                </a:lnTo>
+                <a:close/>
+              </a:path>
+            </a:pathLst>
+          </a:custGeom>
+          <a:blipFill>
+            <a:blip r:embed="rId2">
+              <a:duotone>
+                <a:schemeClr val="accent1">
+                  <a:tint val="98000"/>
+                  <a:lumMod val="102000"/>
+                </a:schemeClr>
+                <a:schemeClr val="accent1">
+                  <a:shade val="98000"/>
+                  <a:lumMod val="98000"/>
+                </a:schemeClr>
+              </a:duotone>
+            </a:blip>
+            <a:tile tx="0" ty="0" sx="100000" sy="100000" flip="none" algn="tl"/>
+          </a:blipFill>
+          <a:ln>
+            <a:headEnd/>
+            <a:tailEnd/>
+          </a:ln>
+        </p:spPr>
+        <p:style>
+          <a:lnRef idx="1">
+            <a:schemeClr val="accent1"/>
+          </a:lnRef>
+          <a:fillRef idx="3">
+            <a:schemeClr val="accent1"/>
+          </a:fillRef>
+          <a:effectRef idx="2">
+            <a:schemeClr val="accent1"/>
+          </a:effectRef>
+          <a:fontRef idx="minor">
+            <a:schemeClr val="lt1"/>
+          </a:fontRef>
+        </p:style>
+        <p:txBody>
+          <a:bodyPr wrap="square" rtlCol="0" anchor="ctr">
+            <a:noAutofit/>
+          </a:bodyPr>
+          <a:lstStyle/>
+          <a:p>
+            <a:pPr algn="ctr"/>
+            <a:endParaRPr lang="en-US"/>
+          </a:p>
+        </p:txBody>
+      </p:sp>
+      <p:sp>
+        <p:nvSpPr>
+          <p:cNvPr id="2" name="Title 1">
+            <a:extLst>
+              <a:ext uri="{FF2B5EF4-FFF2-40B4-BE49-F238E27FC236}">
+                <a16:creationId xmlns:a16="http://schemas.microsoft.com/office/drawing/2014/main" id="{A8567FDE-8EF9-4272-A6FD-F807C08B932C}"/>
+              </a:ext>
+            </a:extLst>
+          </p:cNvPr>
+          <p:cNvSpPr>
+            <a:spLocks noGrp="1"/>
+          </p:cNvSpPr>
+          <p:nvPr>
+            <p:ph type="title"/>
+          </p:nvPr>
+        </p:nvSpPr>
+        <p:spPr>
+          <a:xfrm>
+            <a:off x="451514" y="1800225"/>
+            <a:ext cx="3444211" cy="4241136"/>
+          </a:xfrm>
+        </p:spPr>
+        <p:txBody>
+          <a:bodyPr vert="horz" lIns="91440" tIns="45720" rIns="91440" bIns="45720" rtlCol="0" anchor="t">
+            <a:normAutofit/>
+          </a:bodyPr>
+          <a:lstStyle/>
+          <a:p>
+            <a:r>
+              <a:rPr lang="en-US" sz="4400"/>
+              <a:t>Questions?</a:t>
+            </a:r>
+          </a:p>
+        </p:txBody>
+      </p:sp>
+      <p:pic>
+        <p:nvPicPr>
+          <p:cNvPr id="7" name="Graphic 6" descr="Questions">
+            <a:extLst>
+              <a:ext uri="{FF2B5EF4-FFF2-40B4-BE49-F238E27FC236}">
+                <a16:creationId xmlns:a16="http://schemas.microsoft.com/office/drawing/2014/main" id="{AB069338-0EF0-44D2-9A13-502363118678}"/>
+              </a:ext>
+            </a:extLst>
+          </p:cNvPr>
+          <p:cNvPicPr>
+            <a:picLocks noChangeAspect="1"/>
+          </p:cNvPicPr>
+          <p:nvPr/>
+        </p:nvPicPr>
+        <p:blipFill>
+          <a:blip r:embed="rId3">
+            <a:extLst>
+              <a:ext uri="{28A0092B-C50C-407E-A947-70E740481C1C}">
+                <a14:useLocalDpi xmlns:a14="http://schemas.microsoft.com/office/drawing/2010/main" val="0"/>
+              </a:ext>
+              <a:ext uri="{96DAC541-7B7A-43D3-8B79-37D633B846F1}">
+                <asvg:svgBlip xmlns:asvg="http://schemas.microsoft.com/office/drawing/2016/SVG/main" r:embed="rId4"/>
+              </a:ext>
+            </a:extLst>
+          </a:blip>
+          <a:stretch>
+            <a:fillRect/>
+          </a:stretch>
+        </p:blipFill>
+        <p:spPr>
+          <a:xfrm>
+            <a:off x="5715554" y="643465"/>
+            <a:ext cx="5397897" cy="5397897"/>
+          </a:xfrm>
+          <a:prstGeom prst="roundRect">
+            <a:avLst>
+              <a:gd name="adj" fmla="val 3876"/>
+            </a:avLst>
+          </a:prstGeom>
+          <a:ln>
+            <a:solidFill>
+              <a:schemeClr val="accent1"/>
+            </a:solidFill>
+          </a:ln>
+          <a:effectLst/>
+        </p:spPr>
+      </p:pic>
+    </p:spTree>
+    <p:extLst>
+      <p:ext uri="{BB962C8B-B14F-4D97-AF65-F5344CB8AC3E}">
+        <p14:creationId xmlns:p14="http://schemas.microsoft.com/office/powerpoint/2010/main" val="3073755241"/>
+      </p:ext>
+    </p:extLst>
+  </p:cSld>
+  <p:clrMapOvr>
+    <a:overrideClrMapping bg1="lt1" tx1="dk1" bg2="lt2" tx2="dk2" accent1="accent1" accent2="accent2" accent3="accent3" accent4="accent4" accent5="accent5" accent6="accent6" hlink="hlink" folHlink="folHlink"/>
   </p:clrMapOvr>
 </p:sld>
 </file>
@@ -8886,13 +9548,13 @@
           <a:p>
             <a:r>
               <a:rPr lang="en-US" dirty="0"/>
-              <a:t>bcrypt.js – hash and salt passwords</a:t>
+              <a:t>Bcrypt.js – hash and salt passwords</a:t>
             </a:r>
           </a:p>
           <a:p>
             <a:r>
               <a:rPr lang="en-US" dirty="0" err="1"/>
-              <a:t>axios</a:t>
+              <a:t>Axios</a:t>
             </a:r>
             <a:r>
               <a:rPr lang="en-US" dirty="0"/>
@@ -8902,7 +9564,13 @@
           <a:p>
             <a:r>
               <a:rPr lang="en-US" dirty="0"/>
-              <a:t>passport.js – authentication with Facebook, Google+ LinkedIn</a:t>
+              <a:t>Passport.js – authentication with Facebook, Google+ LinkedIn</a:t>
+            </a:r>
+          </a:p>
+          <a:p>
+            <a:r>
+              <a:rPr lang="en-US" dirty="0"/>
+              <a:t>Mocha.js – JavaScript test framework</a:t>
             </a:r>
           </a:p>
         </p:txBody>

--- a/Documentation/Group 9 Large Pitch Presentation.pptx
+++ b/Documentation/Group 9 Large Pitch Presentation.pptx
@@ -128,7 +128,7 @@
 <p1510:revInfo xmlns:a="http://schemas.openxmlformats.org/drawingml/2006/main" xmlns:r="http://schemas.openxmlformats.org/officeDocument/2006/relationships" xmlns:p1510="http://schemas.microsoft.com/office/powerpoint/2015/10/main">
   <p1510:revLst>
     <p1510:client id="{BDBD9C68-D8F8-4692-904A-36B6D57149AA}" v="1482" dt="2019-07-02T18:37:12.834"/>
-    <p1510:client id="{DC210106-0DF9-4E68-B26D-8AE21F8CD1DF}" v="133" dt="2019-07-02T18:49:15.725"/>
+    <p1510:client id="{DC210106-0DF9-4E68-B26D-8AE21F8CD1DF}" v="264" dt="2019-07-02T19:13:11.611"/>
   </p1510:revLst>
 </p1510:revInfo>
 </file>
@@ -909,11 +909,320 @@
   </pc:docChgLst>
   <pc:docChgLst>
     <pc:chgData name="Joseph Hill" userId="3ae9f572-e702-4d01-8281-3d92502275bb" providerId="ADAL" clId="{DC210106-0DF9-4E68-B26D-8AE21F8CD1DF}"/>
-    <pc:docChg chg="custSel modSld">
-      <pc:chgData name="Joseph Hill" userId="3ae9f572-e702-4d01-8281-3d92502275bb" providerId="ADAL" clId="{DC210106-0DF9-4E68-B26D-8AE21F8CD1DF}" dt="2019-07-02T18:49:15.725" v="132" actId="1076"/>
+    <pc:docChg chg="undo custSel mod modSld">
+      <pc:chgData name="Joseph Hill" userId="3ae9f572-e702-4d01-8281-3d92502275bb" providerId="ADAL" clId="{DC210106-0DF9-4E68-B26D-8AE21F8CD1DF}" dt="2019-07-02T19:13:11.610" v="263" actId="207"/>
       <pc:docMkLst>
         <pc:docMk/>
       </pc:docMkLst>
+      <pc:sldChg chg="addSp delSp modSp mod setBg setClrOvrMap">
+        <pc:chgData name="Joseph Hill" userId="3ae9f572-e702-4d01-8281-3d92502275bb" providerId="ADAL" clId="{DC210106-0DF9-4E68-B26D-8AE21F8CD1DF}" dt="2019-07-02T19:13:11.610" v="263" actId="207"/>
+        <pc:sldMkLst>
+          <pc:docMk/>
+          <pc:sldMk cId="3967015226" sldId="257"/>
+        </pc:sldMkLst>
+        <pc:spChg chg="mod">
+          <ac:chgData name="Joseph Hill" userId="3ae9f572-e702-4d01-8281-3d92502275bb" providerId="ADAL" clId="{DC210106-0DF9-4E68-B26D-8AE21F8CD1DF}" dt="2019-07-02T19:11:52.692" v="259" actId="26606"/>
+          <ac:spMkLst>
+            <pc:docMk/>
+            <pc:sldMk cId="3967015226" sldId="257"/>
+            <ac:spMk id="2" creationId="{AAC87FC6-5FD8-491C-9A9B-9A8081FB7A0F}"/>
+          </ac:spMkLst>
+        </pc:spChg>
+        <pc:spChg chg="add del mod">
+          <ac:chgData name="Joseph Hill" userId="3ae9f572-e702-4d01-8281-3d92502275bb" providerId="ADAL" clId="{DC210106-0DF9-4E68-B26D-8AE21F8CD1DF}" dt="2019-07-02T19:11:52.692" v="259" actId="26606"/>
+          <ac:spMkLst>
+            <pc:docMk/>
+            <pc:sldMk cId="3967015226" sldId="257"/>
+            <ac:spMk id="3" creationId="{7172BEFF-EA94-4F9F-BB61-6E18EAF5F890}"/>
+          </ac:spMkLst>
+        </pc:spChg>
+        <pc:spChg chg="add del">
+          <ac:chgData name="Joseph Hill" userId="3ae9f572-e702-4d01-8281-3d92502275bb" providerId="ADAL" clId="{DC210106-0DF9-4E68-B26D-8AE21F8CD1DF}" dt="2019-07-02T19:11:52.692" v="259" actId="26606"/>
+          <ac:spMkLst>
+            <pc:docMk/>
+            <pc:sldMk cId="3967015226" sldId="257"/>
+            <ac:spMk id="8" creationId="{089A69AF-D57B-49B4-886C-D4A5DC194421}"/>
+          </ac:spMkLst>
+        </pc:spChg>
+        <pc:spChg chg="add del">
+          <ac:chgData name="Joseph Hill" userId="3ae9f572-e702-4d01-8281-3d92502275bb" providerId="ADAL" clId="{DC210106-0DF9-4E68-B26D-8AE21F8CD1DF}" dt="2019-07-02T19:11:52.692" v="259" actId="26606"/>
+          <ac:spMkLst>
+            <pc:docMk/>
+            <pc:sldMk cId="3967015226" sldId="257"/>
+            <ac:spMk id="10" creationId="{CABDC08D-6093-4397-92D4-54D00E2BB1C2}"/>
+          </ac:spMkLst>
+        </pc:spChg>
+        <pc:spChg chg="add del">
+          <ac:chgData name="Joseph Hill" userId="3ae9f572-e702-4d01-8281-3d92502275bb" providerId="ADAL" clId="{DC210106-0DF9-4E68-B26D-8AE21F8CD1DF}" dt="2019-07-02T19:11:25.351" v="250" actId="26606"/>
+          <ac:spMkLst>
+            <pc:docMk/>
+            <pc:sldMk cId="3967015226" sldId="257"/>
+            <ac:spMk id="15" creationId="{35C44DBB-AD7C-4682-B258-6367305D207B}"/>
+          </ac:spMkLst>
+        </pc:spChg>
+        <pc:spChg chg="add del">
+          <ac:chgData name="Joseph Hill" userId="3ae9f572-e702-4d01-8281-3d92502275bb" providerId="ADAL" clId="{DC210106-0DF9-4E68-B26D-8AE21F8CD1DF}" dt="2019-07-02T18:51:37.493" v="134" actId="26606"/>
+          <ac:spMkLst>
+            <pc:docMk/>
+            <pc:sldMk cId="3967015226" sldId="257"/>
+            <ac:spMk id="17" creationId="{056824CE-083D-4ED5-94A5-655345BBE75E}"/>
+          </ac:spMkLst>
+        </pc:spChg>
+        <pc:spChg chg="add del">
+          <ac:chgData name="Joseph Hill" userId="3ae9f572-e702-4d01-8281-3d92502275bb" providerId="ADAL" clId="{DC210106-0DF9-4E68-B26D-8AE21F8CD1DF}" dt="2019-07-02T19:11:29.656" v="252" actId="26606"/>
+          <ac:spMkLst>
+            <pc:docMk/>
+            <pc:sldMk cId="3967015226" sldId="257"/>
+            <ac:spMk id="18" creationId="{B2B82547-2424-4E7A-A98B-75206EE73028}"/>
+          </ac:spMkLst>
+        </pc:spChg>
+        <pc:spChg chg="add del">
+          <ac:chgData name="Joseph Hill" userId="3ae9f572-e702-4d01-8281-3d92502275bb" providerId="ADAL" clId="{DC210106-0DF9-4E68-B26D-8AE21F8CD1DF}" dt="2019-07-02T18:51:37.493" v="134" actId="26606"/>
+          <ac:spMkLst>
+            <pc:docMk/>
+            <pc:sldMk cId="3967015226" sldId="257"/>
+            <ac:spMk id="19" creationId="{0785D83B-2124-40CD-9E29-811BC2B7CE64}"/>
+          </ac:spMkLst>
+        </pc:spChg>
+        <pc:spChg chg="add del">
+          <ac:chgData name="Joseph Hill" userId="3ae9f572-e702-4d01-8281-3d92502275bb" providerId="ADAL" clId="{DC210106-0DF9-4E68-B26D-8AE21F8CD1DF}" dt="2019-07-02T19:11:29.656" v="252" actId="26606"/>
+          <ac:spMkLst>
+            <pc:docMk/>
+            <pc:sldMk cId="3967015226" sldId="257"/>
+            <ac:spMk id="20" creationId="{5109BC2F-9616-4D7D-9E98-57898009A828}"/>
+          </ac:spMkLst>
+        </pc:spChg>
+        <pc:spChg chg="add del">
+          <ac:chgData name="Joseph Hill" userId="3ae9f572-e702-4d01-8281-3d92502275bb" providerId="ADAL" clId="{DC210106-0DF9-4E68-B26D-8AE21F8CD1DF}" dt="2019-07-02T18:51:39.911" v="136" actId="26606"/>
+          <ac:spMkLst>
+            <pc:docMk/>
+            <pc:sldMk cId="3967015226" sldId="257"/>
+            <ac:spMk id="21" creationId="{B2B82547-2424-4E7A-A98B-75206EE73028}"/>
+          </ac:spMkLst>
+        </pc:spChg>
+        <pc:spChg chg="add del">
+          <ac:chgData name="Joseph Hill" userId="3ae9f572-e702-4d01-8281-3d92502275bb" providerId="ADAL" clId="{DC210106-0DF9-4E68-B26D-8AE21F8CD1DF}" dt="2019-07-02T18:51:39.911" v="136" actId="26606"/>
+          <ac:spMkLst>
+            <pc:docMk/>
+            <pc:sldMk cId="3967015226" sldId="257"/>
+            <ac:spMk id="22" creationId="{5109BC2F-9616-4D7D-9E98-57898009A828}"/>
+          </ac:spMkLst>
+        </pc:spChg>
+        <pc:spChg chg="add del">
+          <ac:chgData name="Joseph Hill" userId="3ae9f572-e702-4d01-8281-3d92502275bb" providerId="ADAL" clId="{DC210106-0DF9-4E68-B26D-8AE21F8CD1DF}" dt="2019-07-02T19:11:33.315" v="254" actId="26606"/>
+          <ac:spMkLst>
+            <pc:docMk/>
+            <pc:sldMk cId="3967015226" sldId="257"/>
+            <ac:spMk id="26" creationId="{B2B82547-2424-4E7A-A98B-75206EE73028}"/>
+          </ac:spMkLst>
+        </pc:spChg>
+        <pc:spChg chg="add del">
+          <ac:chgData name="Joseph Hill" userId="3ae9f572-e702-4d01-8281-3d92502275bb" providerId="ADAL" clId="{DC210106-0DF9-4E68-B26D-8AE21F8CD1DF}" dt="2019-07-02T19:11:33.315" v="254" actId="26606"/>
+          <ac:spMkLst>
+            <pc:docMk/>
+            <pc:sldMk cId="3967015226" sldId="257"/>
+            <ac:spMk id="27" creationId="{5109BC2F-9616-4D7D-9E98-57898009A828}"/>
+          </ac:spMkLst>
+        </pc:spChg>
+        <pc:spChg chg="add del">
+          <ac:chgData name="Joseph Hill" userId="3ae9f572-e702-4d01-8281-3d92502275bb" providerId="ADAL" clId="{DC210106-0DF9-4E68-B26D-8AE21F8CD1DF}" dt="2019-07-02T19:11:38.919" v="256" actId="26606"/>
+          <ac:spMkLst>
+            <pc:docMk/>
+            <pc:sldMk cId="3967015226" sldId="257"/>
+            <ac:spMk id="30" creationId="{A3322B77-FA16-4D4E-BAA6-811C61DB3E85}"/>
+          </ac:spMkLst>
+        </pc:spChg>
+        <pc:spChg chg="add del">
+          <ac:chgData name="Joseph Hill" userId="3ae9f572-e702-4d01-8281-3d92502275bb" providerId="ADAL" clId="{DC210106-0DF9-4E68-B26D-8AE21F8CD1DF}" dt="2019-07-02T19:11:38.919" v="256" actId="26606"/>
+          <ac:spMkLst>
+            <pc:docMk/>
+            <pc:sldMk cId="3967015226" sldId="257"/>
+            <ac:spMk id="31" creationId="{CA6EF34F-3BAD-4CD8-B05E-03BA773AE864}"/>
+          </ac:spMkLst>
+        </pc:spChg>
+        <pc:spChg chg="add del">
+          <ac:chgData name="Joseph Hill" userId="3ae9f572-e702-4d01-8281-3d92502275bb" providerId="ADAL" clId="{DC210106-0DF9-4E68-B26D-8AE21F8CD1DF}" dt="2019-07-02T19:11:52.633" v="258" actId="26606"/>
+          <ac:spMkLst>
+            <pc:docMk/>
+            <pc:sldMk cId="3967015226" sldId="257"/>
+            <ac:spMk id="34" creationId="{EDBEF9FA-A845-4375-A380-B3613CF94099}"/>
+          </ac:spMkLst>
+        </pc:spChg>
+        <pc:spChg chg="add del">
+          <ac:chgData name="Joseph Hill" userId="3ae9f572-e702-4d01-8281-3d92502275bb" providerId="ADAL" clId="{DC210106-0DF9-4E68-B26D-8AE21F8CD1DF}" dt="2019-07-02T19:11:52.633" v="258" actId="26606"/>
+          <ac:spMkLst>
+            <pc:docMk/>
+            <pc:sldMk cId="3967015226" sldId="257"/>
+            <ac:spMk id="35" creationId="{939EF7E0-60F4-4B9E-A661-BE91AA9D6C2E}"/>
+          </ac:spMkLst>
+        </pc:spChg>
+        <pc:spChg chg="add del">
+          <ac:chgData name="Joseph Hill" userId="3ae9f572-e702-4d01-8281-3d92502275bb" providerId="ADAL" clId="{DC210106-0DF9-4E68-B26D-8AE21F8CD1DF}" dt="2019-07-02T19:12:23.958" v="260" actId="26606"/>
+          <ac:spMkLst>
+            <pc:docMk/>
+            <pc:sldMk cId="3967015226" sldId="257"/>
+            <ac:spMk id="38" creationId="{056824CE-083D-4ED5-94A5-655345BBE75E}"/>
+          </ac:spMkLst>
+        </pc:spChg>
+        <pc:spChg chg="add del">
+          <ac:chgData name="Joseph Hill" userId="3ae9f572-e702-4d01-8281-3d92502275bb" providerId="ADAL" clId="{DC210106-0DF9-4E68-B26D-8AE21F8CD1DF}" dt="2019-07-02T19:12:23.958" v="260" actId="26606"/>
+          <ac:spMkLst>
+            <pc:docMk/>
+            <pc:sldMk cId="3967015226" sldId="257"/>
+            <ac:spMk id="39" creationId="{0785D83B-2124-40CD-9E29-811BC2B7CE64}"/>
+          </ac:spMkLst>
+        </pc:spChg>
+        <pc:graphicFrameChg chg="add del">
+          <ac:chgData name="Joseph Hill" userId="3ae9f572-e702-4d01-8281-3d92502275bb" providerId="ADAL" clId="{DC210106-0DF9-4E68-B26D-8AE21F8CD1DF}" dt="2019-07-02T18:51:37.493" v="134" actId="26606"/>
+          <ac:graphicFrameMkLst>
+            <pc:docMk/>
+            <pc:sldMk cId="3967015226" sldId="257"/>
+            <ac:graphicFrameMk id="12" creationId="{5E6B8EAD-2748-46D4-8C81-40C880ADB5CC}"/>
+          </ac:graphicFrameMkLst>
+        </pc:graphicFrameChg>
+        <pc:graphicFrameChg chg="add del">
+          <ac:chgData name="Joseph Hill" userId="3ae9f572-e702-4d01-8281-3d92502275bb" providerId="ADAL" clId="{DC210106-0DF9-4E68-B26D-8AE21F8CD1DF}" dt="2019-07-02T18:51:39.911" v="136" actId="26606"/>
+          <ac:graphicFrameMkLst>
+            <pc:docMk/>
+            <pc:sldMk cId="3967015226" sldId="257"/>
+            <ac:graphicFrameMk id="23" creationId="{278D85AB-3558-4A96-81DA-CEB018ABD409}"/>
+          </ac:graphicFrameMkLst>
+        </pc:graphicFrameChg>
+        <pc:graphicFrameChg chg="add del">
+          <ac:chgData name="Joseph Hill" userId="3ae9f572-e702-4d01-8281-3d92502275bb" providerId="ADAL" clId="{DC210106-0DF9-4E68-B26D-8AE21F8CD1DF}" dt="2019-07-02T19:11:29.656" v="252" actId="26606"/>
+          <ac:graphicFrameMkLst>
+            <pc:docMk/>
+            <pc:sldMk cId="3967015226" sldId="257"/>
+            <ac:graphicFrameMk id="24" creationId="{37A82577-CEDC-4A22-869D-0A66E4484943}"/>
+          </ac:graphicFrameMkLst>
+        </pc:graphicFrameChg>
+        <pc:graphicFrameChg chg="add del">
+          <ac:chgData name="Joseph Hill" userId="3ae9f572-e702-4d01-8281-3d92502275bb" providerId="ADAL" clId="{DC210106-0DF9-4E68-B26D-8AE21F8CD1DF}" dt="2019-07-02T19:11:33.315" v="254" actId="26606"/>
+          <ac:graphicFrameMkLst>
+            <pc:docMk/>
+            <pc:sldMk cId="3967015226" sldId="257"/>
+            <ac:graphicFrameMk id="28" creationId="{1EDF6C3D-7D45-4EC0-B08B-0435CFA653FF}"/>
+          </ac:graphicFrameMkLst>
+        </pc:graphicFrameChg>
+        <pc:graphicFrameChg chg="add del">
+          <ac:chgData name="Joseph Hill" userId="3ae9f572-e702-4d01-8281-3d92502275bb" providerId="ADAL" clId="{DC210106-0DF9-4E68-B26D-8AE21F8CD1DF}" dt="2019-07-02T19:11:38.919" v="256" actId="26606"/>
+          <ac:graphicFrameMkLst>
+            <pc:docMk/>
+            <pc:sldMk cId="3967015226" sldId="257"/>
+            <ac:graphicFrameMk id="32" creationId="{2A0F6A3C-50E3-4ABC-BA5D-1FA3876568C6}"/>
+          </ac:graphicFrameMkLst>
+        </pc:graphicFrameChg>
+        <pc:graphicFrameChg chg="add del">
+          <ac:chgData name="Joseph Hill" userId="3ae9f572-e702-4d01-8281-3d92502275bb" providerId="ADAL" clId="{DC210106-0DF9-4E68-B26D-8AE21F8CD1DF}" dt="2019-07-02T19:11:52.633" v="258" actId="26606"/>
+          <ac:graphicFrameMkLst>
+            <pc:docMk/>
+            <pc:sldMk cId="3967015226" sldId="257"/>
+            <ac:graphicFrameMk id="36" creationId="{73F87FEC-13A3-46B8-9662-1E303A99E0F2}"/>
+          </ac:graphicFrameMkLst>
+        </pc:graphicFrameChg>
+        <pc:graphicFrameChg chg="add mod modGraphic">
+          <ac:chgData name="Joseph Hill" userId="3ae9f572-e702-4d01-8281-3d92502275bb" providerId="ADAL" clId="{DC210106-0DF9-4E68-B26D-8AE21F8CD1DF}" dt="2019-07-02T19:13:11.610" v="263" actId="207"/>
+          <ac:graphicFrameMkLst>
+            <pc:docMk/>
+            <pc:sldMk cId="3967015226" sldId="257"/>
+            <ac:graphicFrameMk id="40" creationId="{A9F8A1E4-80EB-4A3A-8F38-2DCD52F2805B}"/>
+          </ac:graphicFrameMkLst>
+        </pc:graphicFrameChg>
+        <pc:cxnChg chg="add del">
+          <ac:chgData name="Joseph Hill" userId="3ae9f572-e702-4d01-8281-3d92502275bb" providerId="ADAL" clId="{DC210106-0DF9-4E68-B26D-8AE21F8CD1DF}" dt="2019-07-02T19:11:25.351" v="250" actId="26606"/>
+          <ac:cxnSpMkLst>
+            <pc:docMk/>
+            <pc:sldMk cId="3967015226" sldId="257"/>
+            <ac:cxnSpMk id="13" creationId="{A1CED323-FAF0-4E0B-8717-FC1F468A28FE}"/>
+          </ac:cxnSpMkLst>
+        </pc:cxnChg>
+      </pc:sldChg>
+      <pc:sldChg chg="modSp">
+        <pc:chgData name="Joseph Hill" userId="3ae9f572-e702-4d01-8281-3d92502275bb" providerId="ADAL" clId="{DC210106-0DF9-4E68-B26D-8AE21F8CD1DF}" dt="2019-07-02T18:54:54.987" v="198" actId="20577"/>
+        <pc:sldMkLst>
+          <pc:docMk/>
+          <pc:sldMk cId="1113767207" sldId="258"/>
+        </pc:sldMkLst>
+        <pc:spChg chg="mod">
+          <ac:chgData name="Joseph Hill" userId="3ae9f572-e702-4d01-8281-3d92502275bb" providerId="ADAL" clId="{DC210106-0DF9-4E68-B26D-8AE21F8CD1DF}" dt="2019-07-02T18:54:54.987" v="198" actId="20577"/>
+          <ac:spMkLst>
+            <pc:docMk/>
+            <pc:sldMk cId="1113767207" sldId="258"/>
+            <ac:spMk id="3" creationId="{81E9FFDC-69BE-4D41-B1AD-41C184FBDC20}"/>
+          </ac:spMkLst>
+        </pc:spChg>
+      </pc:sldChg>
+      <pc:sldChg chg="addSp delSp modSp mod setBg setClrOvrMap">
+        <pc:chgData name="Joseph Hill" userId="3ae9f572-e702-4d01-8281-3d92502275bb" providerId="ADAL" clId="{DC210106-0DF9-4E68-B26D-8AE21F8CD1DF}" dt="2019-07-02T18:51:57.221" v="138" actId="26606"/>
+        <pc:sldMkLst>
+          <pc:docMk/>
+          <pc:sldMk cId="2862495603" sldId="260"/>
+        </pc:sldMkLst>
+        <pc:spChg chg="mod">
+          <ac:chgData name="Joseph Hill" userId="3ae9f572-e702-4d01-8281-3d92502275bb" providerId="ADAL" clId="{DC210106-0DF9-4E68-B26D-8AE21F8CD1DF}" dt="2019-07-02T18:51:57.221" v="138" actId="26606"/>
+          <ac:spMkLst>
+            <pc:docMk/>
+            <pc:sldMk cId="2862495603" sldId="260"/>
+            <ac:spMk id="2" creationId="{4B2B31B5-9174-440D-BCB8-3CC9B5B0080E}"/>
+          </ac:spMkLst>
+        </pc:spChg>
+        <pc:spChg chg="add del">
+          <ac:chgData name="Joseph Hill" userId="3ae9f572-e702-4d01-8281-3d92502275bb" providerId="ADAL" clId="{DC210106-0DF9-4E68-B26D-8AE21F8CD1DF}" dt="2019-07-02T18:51:57.221" v="138" actId="26606"/>
+          <ac:spMkLst>
+            <pc:docMk/>
+            <pc:sldMk cId="2862495603" sldId="260"/>
+            <ac:spMk id="20" creationId="{133F8CB7-795C-4272-9073-64D8CF97F220}"/>
+          </ac:spMkLst>
+        </pc:spChg>
+        <pc:spChg chg="add del">
+          <ac:chgData name="Joseph Hill" userId="3ae9f572-e702-4d01-8281-3d92502275bb" providerId="ADAL" clId="{DC210106-0DF9-4E68-B26D-8AE21F8CD1DF}" dt="2019-07-02T18:51:57.221" v="138" actId="26606"/>
+          <ac:spMkLst>
+            <pc:docMk/>
+            <pc:sldMk cId="2862495603" sldId="260"/>
+            <ac:spMk id="22" creationId="{9674F1F8-962D-4FF5-B378-D9D2FFDFD27E}"/>
+          </ac:spMkLst>
+        </pc:spChg>
+        <pc:spChg chg="add del">
+          <ac:chgData name="Joseph Hill" userId="3ae9f572-e702-4d01-8281-3d92502275bb" providerId="ADAL" clId="{DC210106-0DF9-4E68-B26D-8AE21F8CD1DF}" dt="2019-07-02T18:51:57.221" v="138" actId="26606"/>
+          <ac:spMkLst>
+            <pc:docMk/>
+            <pc:sldMk cId="2862495603" sldId="260"/>
+            <ac:spMk id="24" creationId="{C701CDB4-05E2-481A-9165-2455B6FE22A8}"/>
+          </ac:spMkLst>
+        </pc:spChg>
+        <pc:spChg chg="add del">
+          <ac:chgData name="Joseph Hill" userId="3ae9f572-e702-4d01-8281-3d92502275bb" providerId="ADAL" clId="{DC210106-0DF9-4E68-B26D-8AE21F8CD1DF}" dt="2019-07-02T18:51:57.221" v="138" actId="26606"/>
+          <ac:spMkLst>
+            <pc:docMk/>
+            <pc:sldMk cId="2862495603" sldId="260"/>
+            <ac:spMk id="26" creationId="{93C43E0F-EC0A-4928-BA40-42313C09961E}"/>
+          </ac:spMkLst>
+        </pc:spChg>
+        <pc:spChg chg="add del">
+          <ac:chgData name="Joseph Hill" userId="3ae9f572-e702-4d01-8281-3d92502275bb" providerId="ADAL" clId="{DC210106-0DF9-4E68-B26D-8AE21F8CD1DF}" dt="2019-07-02T18:51:57.221" v="138" actId="26606"/>
+          <ac:spMkLst>
+            <pc:docMk/>
+            <pc:sldMk cId="2862495603" sldId="260"/>
+            <ac:spMk id="31" creationId="{133F8CB7-795C-4272-9073-64D8CF97F220}"/>
+          </ac:spMkLst>
+        </pc:spChg>
+        <pc:spChg chg="add del">
+          <ac:chgData name="Joseph Hill" userId="3ae9f572-e702-4d01-8281-3d92502275bb" providerId="ADAL" clId="{DC210106-0DF9-4E68-B26D-8AE21F8CD1DF}" dt="2019-07-02T18:51:57.221" v="138" actId="26606"/>
+          <ac:spMkLst>
+            <pc:docMk/>
+            <pc:sldMk cId="2862495603" sldId="260"/>
+            <ac:spMk id="33" creationId="{7AF0B711-0578-47A6-AB9A-AF422D2535BF}"/>
+          </ac:spMkLst>
+        </pc:spChg>
+        <pc:picChg chg="mod">
+          <ac:chgData name="Joseph Hill" userId="3ae9f572-e702-4d01-8281-3d92502275bb" providerId="ADAL" clId="{DC210106-0DF9-4E68-B26D-8AE21F8CD1DF}" dt="2019-07-02T18:51:57.221" v="138" actId="26606"/>
+          <ac:picMkLst>
+            <pc:docMk/>
+            <pc:sldMk cId="2862495603" sldId="260"/>
+            <ac:picMk id="6" creationId="{D9F3E7A1-2990-4258-95AA-F9999817DDAD}"/>
+          </ac:picMkLst>
+        </pc:picChg>
+      </pc:sldChg>
       <pc:sldChg chg="modSp">
         <pc:chgData name="Joseph Hill" userId="3ae9f572-e702-4d01-8281-3d92502275bb" providerId="ADAL" clId="{DC210106-0DF9-4E68-B26D-8AE21F8CD1DF}" dt="2019-07-02T18:48:21.058" v="73" actId="20577"/>
         <pc:sldMkLst>
@@ -929,14 +1238,37 @@
           </ac:spMkLst>
         </pc:spChg>
       </pc:sldChg>
+      <pc:sldChg chg="modSp">
+        <pc:chgData name="Joseph Hill" userId="3ae9f572-e702-4d01-8281-3d92502275bb" providerId="ADAL" clId="{DC210106-0DF9-4E68-B26D-8AE21F8CD1DF}" dt="2019-07-02T19:00:15.665" v="200" actId="1076"/>
+        <pc:sldMkLst>
+          <pc:docMk/>
+          <pc:sldMk cId="1845916687" sldId="264"/>
+        </pc:sldMkLst>
+        <pc:picChg chg="mod">
+          <ac:chgData name="Joseph Hill" userId="3ae9f572-e702-4d01-8281-3d92502275bb" providerId="ADAL" clId="{DC210106-0DF9-4E68-B26D-8AE21F8CD1DF}" dt="2019-07-02T19:00:12.838" v="199" actId="1076"/>
+          <ac:picMkLst>
+            <pc:docMk/>
+            <pc:sldMk cId="1845916687" sldId="264"/>
+            <ac:picMk id="5" creationId="{D333A18D-08C7-4A31-ADAF-2427D3345BDE}"/>
+          </ac:picMkLst>
+        </pc:picChg>
+        <pc:picChg chg="mod">
+          <ac:chgData name="Joseph Hill" userId="3ae9f572-e702-4d01-8281-3d92502275bb" providerId="ADAL" clId="{DC210106-0DF9-4E68-B26D-8AE21F8CD1DF}" dt="2019-07-02T19:00:15.665" v="200" actId="1076"/>
+          <ac:picMkLst>
+            <pc:docMk/>
+            <pc:sldMk cId="1845916687" sldId="264"/>
+            <ac:picMk id="7" creationId="{23807CC4-D1E1-43BB-B475-957B721AED3C}"/>
+          </ac:picMkLst>
+        </pc:picChg>
+      </pc:sldChg>
       <pc:sldChg chg="addSp delSp modSp">
-        <pc:chgData name="Joseph Hill" userId="3ae9f572-e702-4d01-8281-3d92502275bb" providerId="ADAL" clId="{DC210106-0DF9-4E68-B26D-8AE21F8CD1DF}" dt="2019-07-02T18:49:15.725" v="132" actId="1076"/>
+        <pc:chgData name="Joseph Hill" userId="3ae9f572-e702-4d01-8281-3d92502275bb" providerId="ADAL" clId="{DC210106-0DF9-4E68-B26D-8AE21F8CD1DF}" dt="2019-07-02T19:10:59.356" v="248" actId="1076"/>
         <pc:sldMkLst>
           <pc:docMk/>
           <pc:sldMk cId="1301264682" sldId="265"/>
         </pc:sldMkLst>
         <pc:spChg chg="mod">
-          <ac:chgData name="Joseph Hill" userId="3ae9f572-e702-4d01-8281-3d92502275bb" providerId="ADAL" clId="{DC210106-0DF9-4E68-B26D-8AE21F8CD1DF}" dt="2019-07-02T18:49:04.340" v="130" actId="20577"/>
+          <ac:chgData name="Joseph Hill" userId="3ae9f572-e702-4d01-8281-3d92502275bb" providerId="ADAL" clId="{DC210106-0DF9-4E68-B26D-8AE21F8CD1DF}" dt="2019-07-02T19:05:28.919" v="224" actId="20577"/>
           <ac:spMkLst>
             <pc:docMk/>
             <pc:sldMk cId="1301264682" sldId="265"/>
@@ -951,8 +1283,16 @@
             <ac:graphicFrameMk id="4" creationId="{A4D6C32F-165E-4F81-8F2E-64E6446AFCE6}"/>
           </ac:graphicFrameMkLst>
         </pc:graphicFrameChg>
-        <pc:picChg chg="add mod">
-          <ac:chgData name="Joseph Hill" userId="3ae9f572-e702-4d01-8281-3d92502275bb" providerId="ADAL" clId="{DC210106-0DF9-4E68-B26D-8AE21F8CD1DF}" dt="2019-07-02T18:49:09.940" v="131" actId="1076"/>
+        <pc:picChg chg="add del mod">
+          <ac:chgData name="Joseph Hill" userId="3ae9f572-e702-4d01-8281-3d92502275bb" providerId="ADAL" clId="{DC210106-0DF9-4E68-B26D-8AE21F8CD1DF}" dt="2019-07-02T19:08:19.500" v="230"/>
+          <ac:picMkLst>
+            <pc:docMk/>
+            <pc:sldMk cId="1301264682" sldId="265"/>
+            <ac:picMk id="4" creationId="{70BCF200-DC7A-49F0-AC02-252C2B29519F}"/>
+          </ac:picMkLst>
+        </pc:picChg>
+        <pc:picChg chg="add del mod modCrop">
+          <ac:chgData name="Joseph Hill" userId="3ae9f572-e702-4d01-8281-3d92502275bb" providerId="ADAL" clId="{DC210106-0DF9-4E68-B26D-8AE21F8CD1DF}" dt="2019-07-02T19:07:08.229" v="227"/>
           <ac:picMkLst>
             <pc:docMk/>
             <pc:sldMk cId="1301264682" sldId="265"/>
@@ -960,17 +1300,2808 @@
           </ac:picMkLst>
         </pc:picChg>
         <pc:picChg chg="add mod">
-          <ac:chgData name="Joseph Hill" userId="3ae9f572-e702-4d01-8281-3d92502275bb" providerId="ADAL" clId="{DC210106-0DF9-4E68-B26D-8AE21F8CD1DF}" dt="2019-07-02T18:49:15.725" v="132" actId="1076"/>
+          <ac:chgData name="Joseph Hill" userId="3ae9f572-e702-4d01-8281-3d92502275bb" providerId="ADAL" clId="{DC210106-0DF9-4E68-B26D-8AE21F8CD1DF}" dt="2019-07-02T19:08:47.282" v="235" actId="1076"/>
+          <ac:picMkLst>
+            <pc:docMk/>
+            <pc:sldMk cId="1301264682" sldId="265"/>
+            <ac:picMk id="7" creationId="{1F9F1C95-6AF9-4E60-BB9F-0B1B595AFD19}"/>
+          </ac:picMkLst>
+        </pc:picChg>
+        <pc:picChg chg="add del mod modCrop">
+          <ac:chgData name="Joseph Hill" userId="3ae9f572-e702-4d01-8281-3d92502275bb" providerId="ADAL" clId="{DC210106-0DF9-4E68-B26D-8AE21F8CD1DF}" dt="2019-07-02T19:09:18.653" v="236"/>
           <ac:picMkLst>
             <pc:docMk/>
             <pc:sldMk cId="1301264682" sldId="265"/>
             <ac:picMk id="8" creationId="{56D505A8-55CA-4640-90EF-FF60FAB71D15}"/>
           </ac:picMkLst>
         </pc:picChg>
+        <pc:picChg chg="add del mod">
+          <ac:chgData name="Joseph Hill" userId="3ae9f572-e702-4d01-8281-3d92502275bb" providerId="ADAL" clId="{DC210106-0DF9-4E68-B26D-8AE21F8CD1DF}" dt="2019-07-02T19:10:25.620" v="240"/>
+          <ac:picMkLst>
+            <pc:docMk/>
+            <pc:sldMk cId="1301264682" sldId="265"/>
+            <ac:picMk id="10" creationId="{E619DB1F-6157-4DC1-B0EC-89C7EE6B0317}"/>
+          </ac:picMkLst>
+        </pc:picChg>
+        <pc:picChg chg="add mod">
+          <ac:chgData name="Joseph Hill" userId="3ae9f572-e702-4d01-8281-3d92502275bb" providerId="ADAL" clId="{DC210106-0DF9-4E68-B26D-8AE21F8CD1DF}" dt="2019-07-02T19:10:59.356" v="248" actId="1076"/>
+          <ac:picMkLst>
+            <pc:docMk/>
+            <pc:sldMk cId="1301264682" sldId="265"/>
+            <ac:picMk id="12" creationId="{48F3492E-CFCB-4E56-96E2-EC9C2431D75D}"/>
+          </ac:picMkLst>
+        </pc:picChg>
+      </pc:sldChg>
+      <pc:sldChg chg="modSp">
+        <pc:chgData name="Joseph Hill" userId="3ae9f572-e702-4d01-8281-3d92502275bb" providerId="ADAL" clId="{DC210106-0DF9-4E68-B26D-8AE21F8CD1DF}" dt="2019-07-02T19:02:29.803" v="217" actId="20577"/>
+        <pc:sldMkLst>
+          <pc:docMk/>
+          <pc:sldMk cId="2096254347" sldId="266"/>
+        </pc:sldMkLst>
+        <pc:spChg chg="mod">
+          <ac:chgData name="Joseph Hill" userId="3ae9f572-e702-4d01-8281-3d92502275bb" providerId="ADAL" clId="{DC210106-0DF9-4E68-B26D-8AE21F8CD1DF}" dt="2019-07-02T19:02:29.803" v="217" actId="20577"/>
+          <ac:spMkLst>
+            <pc:docMk/>
+            <pc:sldMk cId="2096254347" sldId="266"/>
+            <ac:spMk id="3" creationId="{91B69FEE-044D-45E9-9F7C-94DBBA9D2D6F}"/>
+          </ac:spMkLst>
+        </pc:spChg>
       </pc:sldChg>
     </pc:docChg>
   </pc:docChgLst>
 </pc:chgInfo>
+</file>
+
+<file path=ppt/diagrams/colors1.xml><?xml version="1.0" encoding="utf-8"?>
+<dgm:colorsDef xmlns:dgm="http://schemas.openxmlformats.org/drawingml/2006/diagram" xmlns:a="http://schemas.openxmlformats.org/drawingml/2006/main" uniqueId="urn:microsoft.com/office/officeart/2005/8/colors/accent2_2">
+  <dgm:title val=""/>
+  <dgm:desc val=""/>
+  <dgm:catLst>
+    <dgm:cat type="accent2" pri="11200"/>
+  </dgm:catLst>
+  <dgm:styleLbl name="node0">
+    <dgm:fillClrLst meth="repeat">
+      <a:schemeClr val="accent2"/>
+    </dgm:fillClrLst>
+    <dgm:linClrLst meth="repeat">
+      <a:schemeClr val="lt1"/>
+    </dgm:linClrLst>
+    <dgm:effectClrLst/>
+    <dgm:txLinClrLst/>
+    <dgm:txFillClrLst/>
+    <dgm:txEffectClrLst/>
+  </dgm:styleLbl>
+  <dgm:styleLbl name="node1">
+    <dgm:fillClrLst meth="repeat">
+      <a:schemeClr val="accent2"/>
+    </dgm:fillClrLst>
+    <dgm:linClrLst meth="repeat">
+      <a:schemeClr val="lt1"/>
+    </dgm:linClrLst>
+    <dgm:effectClrLst/>
+    <dgm:txLinClrLst/>
+    <dgm:txFillClrLst/>
+    <dgm:txEffectClrLst/>
+  </dgm:styleLbl>
+  <dgm:styleLbl name="alignNode1">
+    <dgm:fillClrLst meth="repeat">
+      <a:schemeClr val="accent2"/>
+    </dgm:fillClrLst>
+    <dgm:linClrLst meth="repeat">
+      <a:schemeClr val="accent2"/>
+    </dgm:linClrLst>
+    <dgm:effectClrLst/>
+    <dgm:txLinClrLst/>
+    <dgm:txFillClrLst/>
+    <dgm:txEffectClrLst/>
+  </dgm:styleLbl>
+  <dgm:styleLbl name="lnNode1">
+    <dgm:fillClrLst meth="repeat">
+      <a:schemeClr val="accent2"/>
+    </dgm:fillClrLst>
+    <dgm:linClrLst meth="repeat">
+      <a:schemeClr val="lt1"/>
+    </dgm:linClrLst>
+    <dgm:effectClrLst/>
+    <dgm:txLinClrLst/>
+    <dgm:txFillClrLst/>
+    <dgm:txEffectClrLst/>
+  </dgm:styleLbl>
+  <dgm:styleLbl name="vennNode1">
+    <dgm:fillClrLst meth="repeat">
+      <a:schemeClr val="accent2">
+        <a:alpha val="50000"/>
+      </a:schemeClr>
+    </dgm:fillClrLst>
+    <dgm:linClrLst meth="repeat">
+      <a:schemeClr val="lt1"/>
+    </dgm:linClrLst>
+    <dgm:effectClrLst/>
+    <dgm:txLinClrLst/>
+    <dgm:txFillClrLst/>
+    <dgm:txEffectClrLst/>
+  </dgm:styleLbl>
+  <dgm:styleLbl name="node2">
+    <dgm:fillClrLst meth="repeat">
+      <a:schemeClr val="accent2"/>
+    </dgm:fillClrLst>
+    <dgm:linClrLst meth="repeat">
+      <a:schemeClr val="lt1"/>
+    </dgm:linClrLst>
+    <dgm:effectClrLst/>
+    <dgm:txLinClrLst/>
+    <dgm:txFillClrLst/>
+    <dgm:txEffectClrLst/>
+  </dgm:styleLbl>
+  <dgm:styleLbl name="node3">
+    <dgm:fillClrLst meth="repeat">
+      <a:schemeClr val="accent2"/>
+    </dgm:fillClrLst>
+    <dgm:linClrLst meth="repeat">
+      <a:schemeClr val="lt1"/>
+    </dgm:linClrLst>
+    <dgm:effectClrLst/>
+    <dgm:txLinClrLst/>
+    <dgm:txFillClrLst/>
+    <dgm:txEffectClrLst/>
+  </dgm:styleLbl>
+  <dgm:styleLbl name="node4">
+    <dgm:fillClrLst meth="repeat">
+      <a:schemeClr val="accent2"/>
+    </dgm:fillClrLst>
+    <dgm:linClrLst meth="repeat">
+      <a:schemeClr val="lt1"/>
+    </dgm:linClrLst>
+    <dgm:effectClrLst/>
+    <dgm:txLinClrLst/>
+    <dgm:txFillClrLst/>
+    <dgm:txEffectClrLst/>
+  </dgm:styleLbl>
+  <dgm:styleLbl name="fgImgPlace1">
+    <dgm:fillClrLst meth="repeat">
+      <a:schemeClr val="accent2">
+        <a:tint val="50000"/>
+      </a:schemeClr>
+    </dgm:fillClrLst>
+    <dgm:linClrLst meth="repeat">
+      <a:schemeClr val="lt1"/>
+    </dgm:linClrLst>
+    <dgm:effectClrLst/>
+    <dgm:txLinClrLst/>
+    <dgm:txFillClrLst meth="repeat">
+      <a:schemeClr val="lt1"/>
+    </dgm:txFillClrLst>
+    <dgm:txEffectClrLst/>
+  </dgm:styleLbl>
+  <dgm:styleLbl name="alignImgPlace1">
+    <dgm:fillClrLst meth="repeat">
+      <a:schemeClr val="accent2">
+        <a:tint val="50000"/>
+      </a:schemeClr>
+    </dgm:fillClrLst>
+    <dgm:linClrLst meth="repeat">
+      <a:schemeClr val="lt1"/>
+    </dgm:linClrLst>
+    <dgm:effectClrLst/>
+    <dgm:txLinClrLst/>
+    <dgm:txFillClrLst meth="repeat">
+      <a:schemeClr val="lt1"/>
+    </dgm:txFillClrLst>
+    <dgm:txEffectClrLst/>
+  </dgm:styleLbl>
+  <dgm:styleLbl name="bgImgPlace1">
+    <dgm:fillClrLst meth="repeat">
+      <a:schemeClr val="accent2">
+        <a:tint val="50000"/>
+      </a:schemeClr>
+    </dgm:fillClrLst>
+    <dgm:linClrLst meth="repeat">
+      <a:schemeClr val="lt1"/>
+    </dgm:linClrLst>
+    <dgm:effectClrLst/>
+    <dgm:txLinClrLst/>
+    <dgm:txFillClrLst meth="repeat">
+      <a:schemeClr val="lt1"/>
+    </dgm:txFillClrLst>
+    <dgm:txEffectClrLst/>
+  </dgm:styleLbl>
+  <dgm:styleLbl name="sibTrans2D1">
+    <dgm:fillClrLst meth="repeat">
+      <a:schemeClr val="accent2">
+        <a:tint val="60000"/>
+      </a:schemeClr>
+    </dgm:fillClrLst>
+    <dgm:linClrLst meth="repeat">
+      <a:schemeClr val="accent2">
+        <a:tint val="60000"/>
+      </a:schemeClr>
+    </dgm:linClrLst>
+    <dgm:effectClrLst/>
+    <dgm:txLinClrLst/>
+    <dgm:txFillClrLst/>
+    <dgm:txEffectClrLst/>
+  </dgm:styleLbl>
+  <dgm:styleLbl name="fgSibTrans2D1">
+    <dgm:fillClrLst meth="repeat">
+      <a:schemeClr val="accent2">
+        <a:tint val="60000"/>
+      </a:schemeClr>
+    </dgm:fillClrLst>
+    <dgm:linClrLst meth="repeat">
+      <a:schemeClr val="accent2">
+        <a:tint val="60000"/>
+      </a:schemeClr>
+    </dgm:linClrLst>
+    <dgm:effectClrLst/>
+    <dgm:txLinClrLst/>
+    <dgm:txFillClrLst/>
+    <dgm:txEffectClrLst/>
+  </dgm:styleLbl>
+  <dgm:styleLbl name="bgSibTrans2D1">
+    <dgm:fillClrLst meth="repeat">
+      <a:schemeClr val="accent2">
+        <a:tint val="60000"/>
+      </a:schemeClr>
+    </dgm:fillClrLst>
+    <dgm:linClrLst meth="repeat">
+      <a:schemeClr val="accent2">
+        <a:tint val="60000"/>
+      </a:schemeClr>
+    </dgm:linClrLst>
+    <dgm:effectClrLst/>
+    <dgm:txLinClrLst/>
+    <dgm:txFillClrLst/>
+    <dgm:txEffectClrLst/>
+  </dgm:styleLbl>
+  <dgm:styleLbl name="sibTrans1D1">
+    <dgm:fillClrLst meth="repeat">
+      <a:schemeClr val="accent2"/>
+    </dgm:fillClrLst>
+    <dgm:linClrLst meth="repeat">
+      <a:schemeClr val="accent2"/>
+    </dgm:linClrLst>
+    <dgm:effectClrLst/>
+    <dgm:txLinClrLst/>
+    <dgm:txFillClrLst meth="repeat">
+      <a:schemeClr val="tx1"/>
+    </dgm:txFillClrLst>
+    <dgm:txEffectClrLst/>
+  </dgm:styleLbl>
+  <dgm:styleLbl name="callout">
+    <dgm:fillClrLst meth="repeat">
+      <a:schemeClr val="accent2"/>
+    </dgm:fillClrLst>
+    <dgm:linClrLst meth="repeat">
+      <a:schemeClr val="accent2">
+        <a:tint val="50000"/>
+      </a:schemeClr>
+    </dgm:linClrLst>
+    <dgm:effectClrLst/>
+    <dgm:txLinClrLst/>
+    <dgm:txFillClrLst meth="repeat">
+      <a:schemeClr val="tx1"/>
+    </dgm:txFillClrLst>
+    <dgm:txEffectClrLst/>
+  </dgm:styleLbl>
+  <dgm:styleLbl name="asst0">
+    <dgm:fillClrLst meth="repeat">
+      <a:schemeClr val="accent2"/>
+    </dgm:fillClrLst>
+    <dgm:linClrLst meth="repeat">
+      <a:schemeClr val="lt1"/>
+    </dgm:linClrLst>
+    <dgm:effectClrLst/>
+    <dgm:txLinClrLst/>
+    <dgm:txFillClrLst/>
+    <dgm:txEffectClrLst/>
+  </dgm:styleLbl>
+  <dgm:styleLbl name="asst1">
+    <dgm:fillClrLst meth="repeat">
+      <a:schemeClr val="accent2"/>
+    </dgm:fillClrLst>
+    <dgm:linClrLst meth="repeat">
+      <a:schemeClr val="lt1"/>
+    </dgm:linClrLst>
+    <dgm:effectClrLst/>
+    <dgm:txLinClrLst/>
+    <dgm:txFillClrLst/>
+    <dgm:txEffectClrLst/>
+  </dgm:styleLbl>
+  <dgm:styleLbl name="asst2">
+    <dgm:fillClrLst meth="repeat">
+      <a:schemeClr val="accent2"/>
+    </dgm:fillClrLst>
+    <dgm:linClrLst meth="repeat">
+      <a:schemeClr val="lt1"/>
+    </dgm:linClrLst>
+    <dgm:effectClrLst/>
+    <dgm:txLinClrLst/>
+    <dgm:txFillClrLst/>
+    <dgm:txEffectClrLst/>
+  </dgm:styleLbl>
+  <dgm:styleLbl name="asst3">
+    <dgm:fillClrLst meth="repeat">
+      <a:schemeClr val="accent2"/>
+    </dgm:fillClrLst>
+    <dgm:linClrLst meth="repeat">
+      <a:schemeClr val="lt1"/>
+    </dgm:linClrLst>
+    <dgm:effectClrLst/>
+    <dgm:txLinClrLst/>
+    <dgm:txFillClrLst/>
+    <dgm:txEffectClrLst/>
+  </dgm:styleLbl>
+  <dgm:styleLbl name="asst4">
+    <dgm:fillClrLst meth="repeat">
+      <a:schemeClr val="accent2"/>
+    </dgm:fillClrLst>
+    <dgm:linClrLst meth="repeat">
+      <a:schemeClr val="lt1"/>
+    </dgm:linClrLst>
+    <dgm:effectClrLst/>
+    <dgm:txLinClrLst/>
+    <dgm:txFillClrLst/>
+    <dgm:txEffectClrLst/>
+  </dgm:styleLbl>
+  <dgm:styleLbl name="parChTrans2D1">
+    <dgm:fillClrLst meth="repeat">
+      <a:schemeClr val="accent2">
+        <a:tint val="60000"/>
+      </a:schemeClr>
+    </dgm:fillClrLst>
+    <dgm:linClrLst meth="repeat">
+      <a:schemeClr val="accent2">
+        <a:tint val="60000"/>
+      </a:schemeClr>
+    </dgm:linClrLst>
+    <dgm:effectClrLst/>
+    <dgm:txLinClrLst/>
+    <dgm:txFillClrLst meth="repeat">
+      <a:schemeClr val="lt1"/>
+    </dgm:txFillClrLst>
+    <dgm:txEffectClrLst/>
+  </dgm:styleLbl>
+  <dgm:styleLbl name="parChTrans2D2">
+    <dgm:fillClrLst meth="repeat">
+      <a:schemeClr val="accent2"/>
+    </dgm:fillClrLst>
+    <dgm:linClrLst meth="repeat">
+      <a:schemeClr val="accent2"/>
+    </dgm:linClrLst>
+    <dgm:effectClrLst/>
+    <dgm:txLinClrLst/>
+    <dgm:txFillClrLst meth="repeat">
+      <a:schemeClr val="lt1"/>
+    </dgm:txFillClrLst>
+    <dgm:txEffectClrLst/>
+  </dgm:styleLbl>
+  <dgm:styleLbl name="parChTrans2D3">
+    <dgm:fillClrLst meth="repeat">
+      <a:schemeClr val="accent2"/>
+    </dgm:fillClrLst>
+    <dgm:linClrLst meth="repeat">
+      <a:schemeClr val="accent2"/>
+    </dgm:linClrLst>
+    <dgm:effectClrLst/>
+    <dgm:txLinClrLst/>
+    <dgm:txFillClrLst meth="repeat">
+      <a:schemeClr val="lt1"/>
+    </dgm:txFillClrLst>
+    <dgm:txEffectClrLst/>
+  </dgm:styleLbl>
+  <dgm:styleLbl name="parChTrans2D4">
+    <dgm:fillClrLst meth="repeat">
+      <a:schemeClr val="accent2"/>
+    </dgm:fillClrLst>
+    <dgm:linClrLst meth="repeat">
+      <a:schemeClr val="accent2"/>
+    </dgm:linClrLst>
+    <dgm:effectClrLst/>
+    <dgm:txLinClrLst/>
+    <dgm:txFillClrLst meth="repeat">
+      <a:schemeClr val="lt1"/>
+    </dgm:txFillClrLst>
+    <dgm:txEffectClrLst/>
+  </dgm:styleLbl>
+  <dgm:styleLbl name="parChTrans1D1">
+    <dgm:fillClrLst meth="repeat">
+      <a:schemeClr val="accent2"/>
+    </dgm:fillClrLst>
+    <dgm:linClrLst meth="repeat">
+      <a:schemeClr val="accent2">
+        <a:shade val="60000"/>
+      </a:schemeClr>
+    </dgm:linClrLst>
+    <dgm:effectClrLst/>
+    <dgm:txLinClrLst/>
+    <dgm:txFillClrLst meth="repeat">
+      <a:schemeClr val="tx1"/>
+    </dgm:txFillClrLst>
+    <dgm:txEffectClrLst/>
+  </dgm:styleLbl>
+  <dgm:styleLbl name="parChTrans1D2">
+    <dgm:fillClrLst meth="repeat">
+      <a:schemeClr val="accent2"/>
+    </dgm:fillClrLst>
+    <dgm:linClrLst meth="repeat">
+      <a:schemeClr val="accent2">
+        <a:shade val="60000"/>
+      </a:schemeClr>
+    </dgm:linClrLst>
+    <dgm:effectClrLst/>
+    <dgm:txLinClrLst/>
+    <dgm:txFillClrLst meth="repeat">
+      <a:schemeClr val="tx1"/>
+    </dgm:txFillClrLst>
+    <dgm:txEffectClrLst/>
+  </dgm:styleLbl>
+  <dgm:styleLbl name="parChTrans1D3">
+    <dgm:fillClrLst meth="repeat">
+      <a:schemeClr val="accent2"/>
+    </dgm:fillClrLst>
+    <dgm:linClrLst meth="repeat">
+      <a:schemeClr val="accent2">
+        <a:shade val="80000"/>
+      </a:schemeClr>
+    </dgm:linClrLst>
+    <dgm:effectClrLst/>
+    <dgm:txLinClrLst/>
+    <dgm:txFillClrLst meth="repeat">
+      <a:schemeClr val="tx1"/>
+    </dgm:txFillClrLst>
+    <dgm:txEffectClrLst/>
+  </dgm:styleLbl>
+  <dgm:styleLbl name="parChTrans1D4">
+    <dgm:fillClrLst meth="repeat">
+      <a:schemeClr val="accent2"/>
+    </dgm:fillClrLst>
+    <dgm:linClrLst meth="repeat">
+      <a:schemeClr val="accent2">
+        <a:shade val="80000"/>
+      </a:schemeClr>
+    </dgm:linClrLst>
+    <dgm:effectClrLst/>
+    <dgm:txLinClrLst/>
+    <dgm:txFillClrLst meth="repeat">
+      <a:schemeClr val="tx1"/>
+    </dgm:txFillClrLst>
+    <dgm:txEffectClrLst/>
+  </dgm:styleLbl>
+  <dgm:styleLbl name="fgAcc1">
+    <dgm:fillClrLst meth="repeat">
+      <a:schemeClr val="lt1">
+        <a:alpha val="90000"/>
+      </a:schemeClr>
+    </dgm:fillClrLst>
+    <dgm:linClrLst meth="repeat">
+      <a:schemeClr val="accent2"/>
+    </dgm:linClrLst>
+    <dgm:effectClrLst/>
+    <dgm:txLinClrLst/>
+    <dgm:txFillClrLst meth="repeat">
+      <a:schemeClr val="dk1"/>
+    </dgm:txFillClrLst>
+    <dgm:txEffectClrLst/>
+  </dgm:styleLbl>
+  <dgm:styleLbl name="conFgAcc1">
+    <dgm:fillClrLst meth="repeat">
+      <a:schemeClr val="lt1">
+        <a:alpha val="90000"/>
+      </a:schemeClr>
+    </dgm:fillClrLst>
+    <dgm:linClrLst meth="repeat">
+      <a:schemeClr val="accent2"/>
+    </dgm:linClrLst>
+    <dgm:effectClrLst/>
+    <dgm:txLinClrLst/>
+    <dgm:txFillClrLst meth="repeat">
+      <a:schemeClr val="dk1"/>
+    </dgm:txFillClrLst>
+    <dgm:txEffectClrLst/>
+  </dgm:styleLbl>
+  <dgm:styleLbl name="alignAcc1">
+    <dgm:fillClrLst meth="repeat">
+      <a:schemeClr val="lt1">
+        <a:alpha val="90000"/>
+      </a:schemeClr>
+    </dgm:fillClrLst>
+    <dgm:linClrLst meth="repeat">
+      <a:schemeClr val="accent2"/>
+    </dgm:linClrLst>
+    <dgm:effectClrLst/>
+    <dgm:txLinClrLst/>
+    <dgm:txFillClrLst meth="repeat">
+      <a:schemeClr val="dk1"/>
+    </dgm:txFillClrLst>
+    <dgm:txEffectClrLst/>
+  </dgm:styleLbl>
+  <dgm:styleLbl name="trAlignAcc1">
+    <dgm:fillClrLst meth="repeat">
+      <a:schemeClr val="lt1">
+        <a:alpha val="40000"/>
+      </a:schemeClr>
+    </dgm:fillClrLst>
+    <dgm:linClrLst meth="repeat">
+      <a:schemeClr val="accent2"/>
+    </dgm:linClrLst>
+    <dgm:effectClrLst/>
+    <dgm:txLinClrLst/>
+    <dgm:txFillClrLst meth="repeat">
+      <a:schemeClr val="dk1"/>
+    </dgm:txFillClrLst>
+    <dgm:txEffectClrLst/>
+  </dgm:styleLbl>
+  <dgm:styleLbl name="bgAcc1">
+    <dgm:fillClrLst meth="repeat">
+      <a:schemeClr val="lt1">
+        <a:alpha val="90000"/>
+      </a:schemeClr>
+    </dgm:fillClrLst>
+    <dgm:linClrLst meth="repeat">
+      <a:schemeClr val="accent2"/>
+    </dgm:linClrLst>
+    <dgm:effectClrLst/>
+    <dgm:txLinClrLst/>
+    <dgm:txFillClrLst meth="repeat">
+      <a:schemeClr val="dk1"/>
+    </dgm:txFillClrLst>
+    <dgm:txEffectClrLst/>
+  </dgm:styleLbl>
+  <dgm:styleLbl name="solidFgAcc1">
+    <dgm:fillClrLst meth="repeat">
+      <a:schemeClr val="lt1"/>
+    </dgm:fillClrLst>
+    <dgm:linClrLst meth="repeat">
+      <a:schemeClr val="accent2"/>
+    </dgm:linClrLst>
+    <dgm:effectClrLst/>
+    <dgm:txLinClrLst/>
+    <dgm:txFillClrLst meth="repeat">
+      <a:schemeClr val="dk1"/>
+    </dgm:txFillClrLst>
+    <dgm:txEffectClrLst/>
+  </dgm:styleLbl>
+  <dgm:styleLbl name="solidAlignAcc1">
+    <dgm:fillClrLst meth="repeat">
+      <a:schemeClr val="lt1"/>
+    </dgm:fillClrLst>
+    <dgm:linClrLst meth="repeat">
+      <a:schemeClr val="accent2"/>
+    </dgm:linClrLst>
+    <dgm:effectClrLst/>
+    <dgm:txLinClrLst/>
+    <dgm:txFillClrLst meth="repeat">
+      <a:schemeClr val="dk1"/>
+    </dgm:txFillClrLst>
+    <dgm:txEffectClrLst/>
+  </dgm:styleLbl>
+  <dgm:styleLbl name="solidBgAcc1">
+    <dgm:fillClrLst meth="repeat">
+      <a:schemeClr val="lt1"/>
+    </dgm:fillClrLst>
+    <dgm:linClrLst meth="repeat">
+      <a:schemeClr val="accent2"/>
+    </dgm:linClrLst>
+    <dgm:effectClrLst/>
+    <dgm:txLinClrLst/>
+    <dgm:txFillClrLst meth="repeat">
+      <a:schemeClr val="dk1"/>
+    </dgm:txFillClrLst>
+    <dgm:txEffectClrLst/>
+  </dgm:styleLbl>
+  <dgm:styleLbl name="fgAccFollowNode1">
+    <dgm:fillClrLst meth="repeat">
+      <a:schemeClr val="accent2">
+        <a:alpha val="90000"/>
+        <a:tint val="40000"/>
+      </a:schemeClr>
+    </dgm:fillClrLst>
+    <dgm:linClrLst meth="repeat">
+      <a:schemeClr val="accent2">
+        <a:alpha val="90000"/>
+        <a:tint val="40000"/>
+      </a:schemeClr>
+    </dgm:linClrLst>
+    <dgm:effectClrLst/>
+    <dgm:txLinClrLst/>
+    <dgm:txFillClrLst meth="repeat">
+      <a:schemeClr val="dk1"/>
+    </dgm:txFillClrLst>
+    <dgm:txEffectClrLst/>
+  </dgm:styleLbl>
+  <dgm:styleLbl name="alignAccFollowNode1">
+    <dgm:fillClrLst meth="repeat">
+      <a:schemeClr val="accent2">
+        <a:alpha val="90000"/>
+        <a:tint val="40000"/>
+      </a:schemeClr>
+    </dgm:fillClrLst>
+    <dgm:linClrLst meth="repeat">
+      <a:schemeClr val="accent2">
+        <a:alpha val="90000"/>
+        <a:tint val="40000"/>
+      </a:schemeClr>
+    </dgm:linClrLst>
+    <dgm:effectClrLst/>
+    <dgm:txLinClrLst/>
+    <dgm:txFillClrLst meth="repeat">
+      <a:schemeClr val="dk1"/>
+    </dgm:txFillClrLst>
+    <dgm:txEffectClrLst/>
+  </dgm:styleLbl>
+  <dgm:styleLbl name="bgAccFollowNode1">
+    <dgm:fillClrLst meth="repeat">
+      <a:schemeClr val="accent2">
+        <a:alpha val="90000"/>
+        <a:tint val="40000"/>
+      </a:schemeClr>
+    </dgm:fillClrLst>
+    <dgm:linClrLst meth="repeat">
+      <a:schemeClr val="accent2">
+        <a:alpha val="90000"/>
+        <a:tint val="40000"/>
+      </a:schemeClr>
+    </dgm:linClrLst>
+    <dgm:effectClrLst/>
+    <dgm:txLinClrLst/>
+    <dgm:txFillClrLst meth="repeat">
+      <a:schemeClr val="dk1"/>
+    </dgm:txFillClrLst>
+    <dgm:txEffectClrLst/>
+  </dgm:styleLbl>
+  <dgm:styleLbl name="fgAcc0">
+    <dgm:fillClrLst meth="repeat">
+      <a:schemeClr val="lt1">
+        <a:alpha val="90000"/>
+      </a:schemeClr>
+    </dgm:fillClrLst>
+    <dgm:linClrLst meth="repeat">
+      <a:schemeClr val="accent2"/>
+    </dgm:linClrLst>
+    <dgm:effectClrLst/>
+    <dgm:txLinClrLst/>
+    <dgm:txFillClrLst meth="repeat">
+      <a:schemeClr val="dk1"/>
+    </dgm:txFillClrLst>
+    <dgm:txEffectClrLst/>
+  </dgm:styleLbl>
+  <dgm:styleLbl name="fgAcc2">
+    <dgm:fillClrLst meth="repeat">
+      <a:schemeClr val="lt1">
+        <a:alpha val="90000"/>
+      </a:schemeClr>
+    </dgm:fillClrLst>
+    <dgm:linClrLst meth="repeat">
+      <a:schemeClr val="accent2"/>
+    </dgm:linClrLst>
+    <dgm:effectClrLst/>
+    <dgm:txLinClrLst/>
+    <dgm:txFillClrLst meth="repeat">
+      <a:schemeClr val="dk1"/>
+    </dgm:txFillClrLst>
+    <dgm:txEffectClrLst/>
+  </dgm:styleLbl>
+  <dgm:styleLbl name="fgAcc3">
+    <dgm:fillClrLst meth="repeat">
+      <a:schemeClr val="lt1">
+        <a:alpha val="90000"/>
+      </a:schemeClr>
+    </dgm:fillClrLst>
+    <dgm:linClrLst meth="repeat">
+      <a:schemeClr val="accent2"/>
+    </dgm:linClrLst>
+    <dgm:effectClrLst/>
+    <dgm:txLinClrLst/>
+    <dgm:txFillClrLst meth="repeat">
+      <a:schemeClr val="dk1"/>
+    </dgm:txFillClrLst>
+    <dgm:txEffectClrLst/>
+  </dgm:styleLbl>
+  <dgm:styleLbl name="fgAcc4">
+    <dgm:fillClrLst meth="repeat">
+      <a:schemeClr val="lt1">
+        <a:alpha val="90000"/>
+      </a:schemeClr>
+    </dgm:fillClrLst>
+    <dgm:linClrLst meth="repeat">
+      <a:schemeClr val="accent2"/>
+    </dgm:linClrLst>
+    <dgm:effectClrLst/>
+    <dgm:txLinClrLst/>
+    <dgm:txFillClrLst meth="repeat">
+      <a:schemeClr val="dk1"/>
+    </dgm:txFillClrLst>
+    <dgm:txEffectClrLst/>
+  </dgm:styleLbl>
+  <dgm:styleLbl name="bgShp">
+    <dgm:fillClrLst meth="repeat">
+      <a:schemeClr val="accent2">
+        <a:tint val="40000"/>
+      </a:schemeClr>
+    </dgm:fillClrLst>
+    <dgm:linClrLst meth="repeat">
+      <a:schemeClr val="accent2"/>
+    </dgm:linClrLst>
+    <dgm:effectClrLst/>
+    <dgm:txLinClrLst/>
+    <dgm:txFillClrLst meth="repeat">
+      <a:schemeClr val="dk1"/>
+    </dgm:txFillClrLst>
+    <dgm:txEffectClrLst/>
+  </dgm:styleLbl>
+  <dgm:styleLbl name="dkBgShp">
+    <dgm:fillClrLst meth="repeat">
+      <a:schemeClr val="accent2">
+        <a:shade val="80000"/>
+      </a:schemeClr>
+    </dgm:fillClrLst>
+    <dgm:linClrLst meth="repeat">
+      <a:schemeClr val="accent2"/>
+    </dgm:linClrLst>
+    <dgm:effectClrLst/>
+    <dgm:txLinClrLst/>
+    <dgm:txFillClrLst meth="repeat">
+      <a:schemeClr val="lt1"/>
+    </dgm:txFillClrLst>
+    <dgm:txEffectClrLst/>
+  </dgm:styleLbl>
+  <dgm:styleLbl name="trBgShp">
+    <dgm:fillClrLst meth="repeat">
+      <a:schemeClr val="accent2">
+        <a:tint val="50000"/>
+        <a:alpha val="40000"/>
+      </a:schemeClr>
+    </dgm:fillClrLst>
+    <dgm:linClrLst meth="repeat">
+      <a:schemeClr val="accent2"/>
+    </dgm:linClrLst>
+    <dgm:effectClrLst/>
+    <dgm:txLinClrLst/>
+    <dgm:txFillClrLst meth="repeat">
+      <a:schemeClr val="lt1"/>
+    </dgm:txFillClrLst>
+    <dgm:txEffectClrLst/>
+  </dgm:styleLbl>
+  <dgm:styleLbl name="fgShp">
+    <dgm:fillClrLst meth="repeat">
+      <a:schemeClr val="accent2">
+        <a:tint val="60000"/>
+      </a:schemeClr>
+    </dgm:fillClrLst>
+    <dgm:linClrLst meth="repeat">
+      <a:schemeClr val="lt1"/>
+    </dgm:linClrLst>
+    <dgm:effectClrLst/>
+    <dgm:txLinClrLst/>
+    <dgm:txFillClrLst meth="repeat">
+      <a:schemeClr val="dk1"/>
+    </dgm:txFillClrLst>
+    <dgm:txEffectClrLst/>
+  </dgm:styleLbl>
+  <dgm:styleLbl name="revTx">
+    <dgm:fillClrLst meth="repeat">
+      <a:schemeClr val="lt1">
+        <a:alpha val="0"/>
+      </a:schemeClr>
+    </dgm:fillClrLst>
+    <dgm:linClrLst meth="repeat">
+      <a:schemeClr val="dk1">
+        <a:alpha val="0"/>
+      </a:schemeClr>
+    </dgm:linClrLst>
+    <dgm:effectClrLst/>
+    <dgm:txLinClrLst/>
+    <dgm:txFillClrLst meth="repeat">
+      <a:schemeClr val="tx1"/>
+    </dgm:txFillClrLst>
+    <dgm:txEffectClrLst/>
+  </dgm:styleLbl>
+</dgm:colorsDef>
+</file>
+
+<file path=ppt/diagrams/data1.xml><?xml version="1.0" encoding="utf-8"?>
+<dgm:dataModel xmlns:dgm="http://schemas.openxmlformats.org/drawingml/2006/diagram" xmlns:a="http://schemas.openxmlformats.org/drawingml/2006/main">
+  <dgm:ptLst>
+    <dgm:pt modelId="{884158E4-5B3C-4BF2-8DF8-EAB93E02CAC6}" type="doc">
+      <dgm:prSet loTypeId="urn:microsoft.com/office/officeart/2005/8/layout/default" loCatId="list" qsTypeId="urn:microsoft.com/office/officeart/2005/8/quickstyle/simple5" qsCatId="simple" csTypeId="urn:microsoft.com/office/officeart/2005/8/colors/accent2_2" csCatId="accent2" phldr="1"/>
+      <dgm:spPr/>
+      <dgm:t>
+        <a:bodyPr/>
+        <a:lstStyle/>
+        <a:p>
+          <a:endParaRPr lang="en-US"/>
+        </a:p>
+      </dgm:t>
+    </dgm:pt>
+    <dgm:pt modelId="{CB23EDDF-7552-4E7E-B8AB-2CD907074D1E}">
+      <dgm:prSet/>
+      <dgm:spPr>
+        <a:solidFill>
+          <a:schemeClr val="accent1">
+            <a:lumMod val="75000"/>
+          </a:schemeClr>
+        </a:solidFill>
+      </dgm:spPr>
+      <dgm:t>
+        <a:bodyPr/>
+        <a:lstStyle/>
+        <a:p>
+          <a:r>
+            <a:rPr lang="en-US"/>
+            <a:t>Joseph Hill – Project Manager/Backend</a:t>
+          </a:r>
+        </a:p>
+      </dgm:t>
+    </dgm:pt>
+    <dgm:pt modelId="{CF5211B2-1E0B-4AB2-9EF4-4A386B763606}" type="parTrans" cxnId="{4F9632DF-57CF-498B-B12A-384B7F7BCBBE}">
+      <dgm:prSet/>
+      <dgm:spPr/>
+      <dgm:t>
+        <a:bodyPr/>
+        <a:lstStyle/>
+        <a:p>
+          <a:endParaRPr lang="en-US"/>
+        </a:p>
+      </dgm:t>
+    </dgm:pt>
+    <dgm:pt modelId="{4B36ADF9-C041-4D51-8316-B1D7167B4A7C}" type="sibTrans" cxnId="{4F9632DF-57CF-498B-B12A-384B7F7BCBBE}">
+      <dgm:prSet/>
+      <dgm:spPr/>
+      <dgm:t>
+        <a:bodyPr/>
+        <a:lstStyle/>
+        <a:p>
+          <a:endParaRPr lang="en-US"/>
+        </a:p>
+      </dgm:t>
+    </dgm:pt>
+    <dgm:pt modelId="{B89121C3-6560-43CB-B06C-C1A29572CE76}">
+      <dgm:prSet/>
+      <dgm:spPr>
+        <a:solidFill>
+          <a:schemeClr val="accent1">
+            <a:lumMod val="75000"/>
+          </a:schemeClr>
+        </a:solidFill>
+      </dgm:spPr>
+      <dgm:t>
+        <a:bodyPr/>
+        <a:lstStyle/>
+        <a:p>
+          <a:r>
+            <a:rPr lang="en-US"/>
+            <a:t>Robert Law – Backend</a:t>
+          </a:r>
+        </a:p>
+      </dgm:t>
+    </dgm:pt>
+    <dgm:pt modelId="{EBE48171-EC41-4FD6-9615-11C376A1C4BC}" type="parTrans" cxnId="{D57242E2-AC7A-4D78-9EBE-72B3AE0D1F30}">
+      <dgm:prSet/>
+      <dgm:spPr/>
+      <dgm:t>
+        <a:bodyPr/>
+        <a:lstStyle/>
+        <a:p>
+          <a:endParaRPr lang="en-US"/>
+        </a:p>
+      </dgm:t>
+    </dgm:pt>
+    <dgm:pt modelId="{330351BB-7606-4556-9E7D-6CE70A427EE2}" type="sibTrans" cxnId="{D57242E2-AC7A-4D78-9EBE-72B3AE0D1F30}">
+      <dgm:prSet/>
+      <dgm:spPr/>
+      <dgm:t>
+        <a:bodyPr/>
+        <a:lstStyle/>
+        <a:p>
+          <a:endParaRPr lang="en-US"/>
+        </a:p>
+      </dgm:t>
+    </dgm:pt>
+    <dgm:pt modelId="{229678D1-BD78-47A5-A081-FBD27BA342BC}">
+      <dgm:prSet/>
+      <dgm:spPr>
+        <a:solidFill>
+          <a:schemeClr val="accent1">
+            <a:lumMod val="75000"/>
+          </a:schemeClr>
+        </a:solidFill>
+      </dgm:spPr>
+      <dgm:t>
+        <a:bodyPr/>
+        <a:lstStyle/>
+        <a:p>
+          <a:r>
+            <a:rPr lang="en-US"/>
+            <a:t>Barry Latour – Web Frontend</a:t>
+          </a:r>
+        </a:p>
+      </dgm:t>
+    </dgm:pt>
+    <dgm:pt modelId="{8835035D-1582-435C-8BB7-16858E685CDC}" type="parTrans" cxnId="{CEAE1E4F-C595-45F0-80A9-91AC0766335C}">
+      <dgm:prSet/>
+      <dgm:spPr/>
+      <dgm:t>
+        <a:bodyPr/>
+        <a:lstStyle/>
+        <a:p>
+          <a:endParaRPr lang="en-US"/>
+        </a:p>
+      </dgm:t>
+    </dgm:pt>
+    <dgm:pt modelId="{AA894126-147D-4DB3-A561-C8457351A579}" type="sibTrans" cxnId="{CEAE1E4F-C595-45F0-80A9-91AC0766335C}">
+      <dgm:prSet/>
+      <dgm:spPr/>
+      <dgm:t>
+        <a:bodyPr/>
+        <a:lstStyle/>
+        <a:p>
+          <a:endParaRPr lang="en-US"/>
+        </a:p>
+      </dgm:t>
+    </dgm:pt>
+    <dgm:pt modelId="{FCA66D8C-1700-4FB5-A7F7-49C27C3BE11D}">
+      <dgm:prSet/>
+      <dgm:spPr>
+        <a:solidFill>
+          <a:schemeClr val="accent1">
+            <a:lumMod val="75000"/>
+          </a:schemeClr>
+        </a:solidFill>
+      </dgm:spPr>
+      <dgm:t>
+        <a:bodyPr/>
+        <a:lstStyle/>
+        <a:p>
+          <a:r>
+            <a:rPr lang="en-US"/>
+            <a:t>Jacob Haake – Web Frontend and Security</a:t>
+          </a:r>
+        </a:p>
+      </dgm:t>
+    </dgm:pt>
+    <dgm:pt modelId="{CEA51EDE-3970-4C27-B548-A47BCD93B9EF}" type="parTrans" cxnId="{14AB05D6-1032-481F-A0AF-2C7DD6F778DB}">
+      <dgm:prSet/>
+      <dgm:spPr/>
+      <dgm:t>
+        <a:bodyPr/>
+        <a:lstStyle/>
+        <a:p>
+          <a:endParaRPr lang="en-US"/>
+        </a:p>
+      </dgm:t>
+    </dgm:pt>
+    <dgm:pt modelId="{CA9BFCD1-ABD9-4087-9F2A-21A7D93FB95A}" type="sibTrans" cxnId="{14AB05D6-1032-481F-A0AF-2C7DD6F778DB}">
+      <dgm:prSet/>
+      <dgm:spPr/>
+      <dgm:t>
+        <a:bodyPr/>
+        <a:lstStyle/>
+        <a:p>
+          <a:endParaRPr lang="en-US"/>
+        </a:p>
+      </dgm:t>
+    </dgm:pt>
+    <dgm:pt modelId="{03796FE4-FA26-4EB1-9532-87C5DD02ED60}">
+      <dgm:prSet/>
+      <dgm:spPr>
+        <a:solidFill>
+          <a:schemeClr val="accent1">
+            <a:lumMod val="75000"/>
+          </a:schemeClr>
+        </a:solidFill>
+      </dgm:spPr>
+      <dgm:t>
+        <a:bodyPr/>
+        <a:lstStyle/>
+        <a:p>
+          <a:r>
+            <a:rPr lang="en-US"/>
+            <a:t>Joel Robertson – Mobile</a:t>
+          </a:r>
+        </a:p>
+      </dgm:t>
+    </dgm:pt>
+    <dgm:pt modelId="{4748F675-44CA-473B-BBB5-E037BB3D9DFC}" type="parTrans" cxnId="{35CB3F92-94F7-4EA6-B408-1021EC031868}">
+      <dgm:prSet/>
+      <dgm:spPr/>
+      <dgm:t>
+        <a:bodyPr/>
+        <a:lstStyle/>
+        <a:p>
+          <a:endParaRPr lang="en-US"/>
+        </a:p>
+      </dgm:t>
+    </dgm:pt>
+    <dgm:pt modelId="{95D52E3C-4257-47C8-BCCB-AB8705C8530E}" type="sibTrans" cxnId="{35CB3F92-94F7-4EA6-B408-1021EC031868}">
+      <dgm:prSet/>
+      <dgm:spPr/>
+      <dgm:t>
+        <a:bodyPr/>
+        <a:lstStyle/>
+        <a:p>
+          <a:endParaRPr lang="en-US"/>
+        </a:p>
+      </dgm:t>
+    </dgm:pt>
+    <dgm:pt modelId="{A0513C20-19DF-432E-92CD-7C86E9472394}">
+      <dgm:prSet/>
+      <dgm:spPr>
+        <a:solidFill>
+          <a:schemeClr val="accent1">
+            <a:lumMod val="75000"/>
+          </a:schemeClr>
+        </a:solidFill>
+      </dgm:spPr>
+      <dgm:t>
+        <a:bodyPr/>
+        <a:lstStyle/>
+        <a:p>
+          <a:r>
+            <a:rPr lang="en-US"/>
+            <a:t>Miguel Cordero - Mobile</a:t>
+          </a:r>
+        </a:p>
+      </dgm:t>
+    </dgm:pt>
+    <dgm:pt modelId="{3028CCDF-2663-4685-AC7F-6C58E198E5BB}" type="parTrans" cxnId="{4F8B8C4B-4216-43FE-8BD1-0F2D609E499D}">
+      <dgm:prSet/>
+      <dgm:spPr/>
+      <dgm:t>
+        <a:bodyPr/>
+        <a:lstStyle/>
+        <a:p>
+          <a:endParaRPr lang="en-US"/>
+        </a:p>
+      </dgm:t>
+    </dgm:pt>
+    <dgm:pt modelId="{0CFE3FEF-912F-4E46-BAB9-FA10786B1859}" type="sibTrans" cxnId="{4F8B8C4B-4216-43FE-8BD1-0F2D609E499D}">
+      <dgm:prSet/>
+      <dgm:spPr/>
+      <dgm:t>
+        <a:bodyPr/>
+        <a:lstStyle/>
+        <a:p>
+          <a:endParaRPr lang="en-US"/>
+        </a:p>
+      </dgm:t>
+    </dgm:pt>
+    <dgm:pt modelId="{FDB8B9D7-B3FA-4BAB-B9A2-136CA0A65C58}" type="pres">
+      <dgm:prSet presAssocID="{884158E4-5B3C-4BF2-8DF8-EAB93E02CAC6}" presName="diagram" presStyleCnt="0">
+        <dgm:presLayoutVars>
+          <dgm:dir/>
+          <dgm:resizeHandles val="exact"/>
+        </dgm:presLayoutVars>
+      </dgm:prSet>
+      <dgm:spPr/>
+    </dgm:pt>
+    <dgm:pt modelId="{0047A307-10EC-45A8-AAE6-02590573460C}" type="pres">
+      <dgm:prSet presAssocID="{CB23EDDF-7552-4E7E-B8AB-2CD907074D1E}" presName="node" presStyleLbl="node1" presStyleIdx="0" presStyleCnt="6">
+        <dgm:presLayoutVars>
+          <dgm:bulletEnabled val="1"/>
+        </dgm:presLayoutVars>
+      </dgm:prSet>
+      <dgm:spPr/>
+    </dgm:pt>
+    <dgm:pt modelId="{0A81D65C-D198-4CE8-83A8-77ADB9D1886B}" type="pres">
+      <dgm:prSet presAssocID="{4B36ADF9-C041-4D51-8316-B1D7167B4A7C}" presName="sibTrans" presStyleCnt="0"/>
+      <dgm:spPr/>
+    </dgm:pt>
+    <dgm:pt modelId="{F0419B58-8480-426D-924F-E1C4DF1B7F48}" type="pres">
+      <dgm:prSet presAssocID="{B89121C3-6560-43CB-B06C-C1A29572CE76}" presName="node" presStyleLbl="node1" presStyleIdx="1" presStyleCnt="6">
+        <dgm:presLayoutVars>
+          <dgm:bulletEnabled val="1"/>
+        </dgm:presLayoutVars>
+      </dgm:prSet>
+      <dgm:spPr/>
+    </dgm:pt>
+    <dgm:pt modelId="{5060F052-309B-40E1-93CA-1A302D89DED1}" type="pres">
+      <dgm:prSet presAssocID="{330351BB-7606-4556-9E7D-6CE70A427EE2}" presName="sibTrans" presStyleCnt="0"/>
+      <dgm:spPr/>
+    </dgm:pt>
+    <dgm:pt modelId="{37EF6420-CD79-413F-A915-773CB20BEFD0}" type="pres">
+      <dgm:prSet presAssocID="{229678D1-BD78-47A5-A081-FBD27BA342BC}" presName="node" presStyleLbl="node1" presStyleIdx="2" presStyleCnt="6">
+        <dgm:presLayoutVars>
+          <dgm:bulletEnabled val="1"/>
+        </dgm:presLayoutVars>
+      </dgm:prSet>
+      <dgm:spPr/>
+    </dgm:pt>
+    <dgm:pt modelId="{542B2441-0966-4871-8FDA-C0B8CADD5324}" type="pres">
+      <dgm:prSet presAssocID="{AA894126-147D-4DB3-A561-C8457351A579}" presName="sibTrans" presStyleCnt="0"/>
+      <dgm:spPr/>
+    </dgm:pt>
+    <dgm:pt modelId="{C05BB18C-5E57-4D7F-AB48-B21CEAD8BF5E}" type="pres">
+      <dgm:prSet presAssocID="{FCA66D8C-1700-4FB5-A7F7-49C27C3BE11D}" presName="node" presStyleLbl="node1" presStyleIdx="3" presStyleCnt="6">
+        <dgm:presLayoutVars>
+          <dgm:bulletEnabled val="1"/>
+        </dgm:presLayoutVars>
+      </dgm:prSet>
+      <dgm:spPr/>
+    </dgm:pt>
+    <dgm:pt modelId="{BEDD1462-8FED-48A4-86CA-4B2542A8E71B}" type="pres">
+      <dgm:prSet presAssocID="{CA9BFCD1-ABD9-4087-9F2A-21A7D93FB95A}" presName="sibTrans" presStyleCnt="0"/>
+      <dgm:spPr/>
+    </dgm:pt>
+    <dgm:pt modelId="{E60A9687-B7B3-4ED9-8197-9097C35B2C1B}" type="pres">
+      <dgm:prSet presAssocID="{03796FE4-FA26-4EB1-9532-87C5DD02ED60}" presName="node" presStyleLbl="node1" presStyleIdx="4" presStyleCnt="6">
+        <dgm:presLayoutVars>
+          <dgm:bulletEnabled val="1"/>
+        </dgm:presLayoutVars>
+      </dgm:prSet>
+      <dgm:spPr/>
+    </dgm:pt>
+    <dgm:pt modelId="{D36F6AF6-2B44-4E76-95F4-3CB1312AC777}" type="pres">
+      <dgm:prSet presAssocID="{95D52E3C-4257-47C8-BCCB-AB8705C8530E}" presName="sibTrans" presStyleCnt="0"/>
+      <dgm:spPr/>
+    </dgm:pt>
+    <dgm:pt modelId="{319C1435-2894-4C39-98B2-A93E7207BAC3}" type="pres">
+      <dgm:prSet presAssocID="{A0513C20-19DF-432E-92CD-7C86E9472394}" presName="node" presStyleLbl="node1" presStyleIdx="5" presStyleCnt="6">
+        <dgm:presLayoutVars>
+          <dgm:bulletEnabled val="1"/>
+        </dgm:presLayoutVars>
+      </dgm:prSet>
+      <dgm:spPr/>
+    </dgm:pt>
+  </dgm:ptLst>
+  <dgm:cxnLst>
+    <dgm:cxn modelId="{8463B82D-AB9C-4FBE-8F5D-458F56ECA689}" type="presOf" srcId="{CB23EDDF-7552-4E7E-B8AB-2CD907074D1E}" destId="{0047A307-10EC-45A8-AAE6-02590573460C}" srcOrd="0" destOrd="0" presId="urn:microsoft.com/office/officeart/2005/8/layout/default"/>
+    <dgm:cxn modelId="{B637A963-790C-4D89-95D7-DB3BD2F96896}" type="presOf" srcId="{03796FE4-FA26-4EB1-9532-87C5DD02ED60}" destId="{E60A9687-B7B3-4ED9-8197-9097C35B2C1B}" srcOrd="0" destOrd="0" presId="urn:microsoft.com/office/officeart/2005/8/layout/default"/>
+    <dgm:cxn modelId="{4F8B8C4B-4216-43FE-8BD1-0F2D609E499D}" srcId="{884158E4-5B3C-4BF2-8DF8-EAB93E02CAC6}" destId="{A0513C20-19DF-432E-92CD-7C86E9472394}" srcOrd="5" destOrd="0" parTransId="{3028CCDF-2663-4685-AC7F-6C58E198E5BB}" sibTransId="{0CFE3FEF-912F-4E46-BAB9-FA10786B1859}"/>
+    <dgm:cxn modelId="{324DD34C-7FE6-4BDA-8255-D1B5CCC077EA}" type="presOf" srcId="{FCA66D8C-1700-4FB5-A7F7-49C27C3BE11D}" destId="{C05BB18C-5E57-4D7F-AB48-B21CEAD8BF5E}" srcOrd="0" destOrd="0" presId="urn:microsoft.com/office/officeart/2005/8/layout/default"/>
+    <dgm:cxn modelId="{CEAE1E4F-C595-45F0-80A9-91AC0766335C}" srcId="{884158E4-5B3C-4BF2-8DF8-EAB93E02CAC6}" destId="{229678D1-BD78-47A5-A081-FBD27BA342BC}" srcOrd="2" destOrd="0" parTransId="{8835035D-1582-435C-8BB7-16858E685CDC}" sibTransId="{AA894126-147D-4DB3-A561-C8457351A579}"/>
+    <dgm:cxn modelId="{B0698B8D-D537-48CD-948C-9717FA992A44}" type="presOf" srcId="{B89121C3-6560-43CB-B06C-C1A29572CE76}" destId="{F0419B58-8480-426D-924F-E1C4DF1B7F48}" srcOrd="0" destOrd="0" presId="urn:microsoft.com/office/officeart/2005/8/layout/default"/>
+    <dgm:cxn modelId="{35CB3F92-94F7-4EA6-B408-1021EC031868}" srcId="{884158E4-5B3C-4BF2-8DF8-EAB93E02CAC6}" destId="{03796FE4-FA26-4EB1-9532-87C5DD02ED60}" srcOrd="4" destOrd="0" parTransId="{4748F675-44CA-473B-BBB5-E037BB3D9DFC}" sibTransId="{95D52E3C-4257-47C8-BCCB-AB8705C8530E}"/>
+    <dgm:cxn modelId="{8A33E9A5-B6E0-4236-8238-1F6C7C859F60}" type="presOf" srcId="{229678D1-BD78-47A5-A081-FBD27BA342BC}" destId="{37EF6420-CD79-413F-A915-773CB20BEFD0}" srcOrd="0" destOrd="0" presId="urn:microsoft.com/office/officeart/2005/8/layout/default"/>
+    <dgm:cxn modelId="{AFD34FB5-20F0-4E68-98EE-383E895D1A4C}" type="presOf" srcId="{884158E4-5B3C-4BF2-8DF8-EAB93E02CAC6}" destId="{FDB8B9D7-B3FA-4BAB-B9A2-136CA0A65C58}" srcOrd="0" destOrd="0" presId="urn:microsoft.com/office/officeart/2005/8/layout/default"/>
+    <dgm:cxn modelId="{E52A5FC2-926F-4205-93A3-A5C86FBC4109}" type="presOf" srcId="{A0513C20-19DF-432E-92CD-7C86E9472394}" destId="{319C1435-2894-4C39-98B2-A93E7207BAC3}" srcOrd="0" destOrd="0" presId="urn:microsoft.com/office/officeart/2005/8/layout/default"/>
+    <dgm:cxn modelId="{14AB05D6-1032-481F-A0AF-2C7DD6F778DB}" srcId="{884158E4-5B3C-4BF2-8DF8-EAB93E02CAC6}" destId="{FCA66D8C-1700-4FB5-A7F7-49C27C3BE11D}" srcOrd="3" destOrd="0" parTransId="{CEA51EDE-3970-4C27-B548-A47BCD93B9EF}" sibTransId="{CA9BFCD1-ABD9-4087-9F2A-21A7D93FB95A}"/>
+    <dgm:cxn modelId="{4F9632DF-57CF-498B-B12A-384B7F7BCBBE}" srcId="{884158E4-5B3C-4BF2-8DF8-EAB93E02CAC6}" destId="{CB23EDDF-7552-4E7E-B8AB-2CD907074D1E}" srcOrd="0" destOrd="0" parTransId="{CF5211B2-1E0B-4AB2-9EF4-4A386B763606}" sibTransId="{4B36ADF9-C041-4D51-8316-B1D7167B4A7C}"/>
+    <dgm:cxn modelId="{D57242E2-AC7A-4D78-9EBE-72B3AE0D1F30}" srcId="{884158E4-5B3C-4BF2-8DF8-EAB93E02CAC6}" destId="{B89121C3-6560-43CB-B06C-C1A29572CE76}" srcOrd="1" destOrd="0" parTransId="{EBE48171-EC41-4FD6-9615-11C376A1C4BC}" sibTransId="{330351BB-7606-4556-9E7D-6CE70A427EE2}"/>
+    <dgm:cxn modelId="{FC964EB5-315B-4695-8684-5E6781B99F50}" type="presParOf" srcId="{FDB8B9D7-B3FA-4BAB-B9A2-136CA0A65C58}" destId="{0047A307-10EC-45A8-AAE6-02590573460C}" srcOrd="0" destOrd="0" presId="urn:microsoft.com/office/officeart/2005/8/layout/default"/>
+    <dgm:cxn modelId="{9D71D170-34A3-44F0-84B5-E58894B874EF}" type="presParOf" srcId="{FDB8B9D7-B3FA-4BAB-B9A2-136CA0A65C58}" destId="{0A81D65C-D198-4CE8-83A8-77ADB9D1886B}" srcOrd="1" destOrd="0" presId="urn:microsoft.com/office/officeart/2005/8/layout/default"/>
+    <dgm:cxn modelId="{50EA7CE8-17D4-4CF2-B154-D930FF0A3DB8}" type="presParOf" srcId="{FDB8B9D7-B3FA-4BAB-B9A2-136CA0A65C58}" destId="{F0419B58-8480-426D-924F-E1C4DF1B7F48}" srcOrd="2" destOrd="0" presId="urn:microsoft.com/office/officeart/2005/8/layout/default"/>
+    <dgm:cxn modelId="{81398260-B3F8-461B-9370-ED131AF7BBF8}" type="presParOf" srcId="{FDB8B9D7-B3FA-4BAB-B9A2-136CA0A65C58}" destId="{5060F052-309B-40E1-93CA-1A302D89DED1}" srcOrd="3" destOrd="0" presId="urn:microsoft.com/office/officeart/2005/8/layout/default"/>
+    <dgm:cxn modelId="{04677E46-0769-4607-94BC-4300ADB0FA80}" type="presParOf" srcId="{FDB8B9D7-B3FA-4BAB-B9A2-136CA0A65C58}" destId="{37EF6420-CD79-413F-A915-773CB20BEFD0}" srcOrd="4" destOrd="0" presId="urn:microsoft.com/office/officeart/2005/8/layout/default"/>
+    <dgm:cxn modelId="{ED463FC1-4CD2-46CD-A479-11FDDF0F15F4}" type="presParOf" srcId="{FDB8B9D7-B3FA-4BAB-B9A2-136CA0A65C58}" destId="{542B2441-0966-4871-8FDA-C0B8CADD5324}" srcOrd="5" destOrd="0" presId="urn:microsoft.com/office/officeart/2005/8/layout/default"/>
+    <dgm:cxn modelId="{98A81592-106B-4D64-94FE-0AC3449A0464}" type="presParOf" srcId="{FDB8B9D7-B3FA-4BAB-B9A2-136CA0A65C58}" destId="{C05BB18C-5E57-4D7F-AB48-B21CEAD8BF5E}" srcOrd="6" destOrd="0" presId="urn:microsoft.com/office/officeart/2005/8/layout/default"/>
+    <dgm:cxn modelId="{6756309F-F582-4D09-A0C8-F93B9724BA23}" type="presParOf" srcId="{FDB8B9D7-B3FA-4BAB-B9A2-136CA0A65C58}" destId="{BEDD1462-8FED-48A4-86CA-4B2542A8E71B}" srcOrd="7" destOrd="0" presId="urn:microsoft.com/office/officeart/2005/8/layout/default"/>
+    <dgm:cxn modelId="{5D16A979-9977-49E8-BAC7-844B53466DDB}" type="presParOf" srcId="{FDB8B9D7-B3FA-4BAB-B9A2-136CA0A65C58}" destId="{E60A9687-B7B3-4ED9-8197-9097C35B2C1B}" srcOrd="8" destOrd="0" presId="urn:microsoft.com/office/officeart/2005/8/layout/default"/>
+    <dgm:cxn modelId="{4963125E-E32C-4899-AA0C-90A3CFFB3059}" type="presParOf" srcId="{FDB8B9D7-B3FA-4BAB-B9A2-136CA0A65C58}" destId="{D36F6AF6-2B44-4E76-95F4-3CB1312AC777}" srcOrd="9" destOrd="0" presId="urn:microsoft.com/office/officeart/2005/8/layout/default"/>
+    <dgm:cxn modelId="{C6DE3C9E-CF09-4D43-8E70-5ABEC7995B7A}" type="presParOf" srcId="{FDB8B9D7-B3FA-4BAB-B9A2-136CA0A65C58}" destId="{319C1435-2894-4C39-98B2-A93E7207BAC3}" srcOrd="10" destOrd="0" presId="urn:microsoft.com/office/officeart/2005/8/layout/default"/>
+  </dgm:cxnLst>
+  <dgm:bg/>
+  <dgm:whole/>
+  <dgm:extLst>
+    <a:ext uri="http://schemas.microsoft.com/office/drawing/2008/diagram">
+      <dsp:dataModelExt xmlns:dsp="http://schemas.microsoft.com/office/drawing/2008/diagram" relId="rId6" minVer="http://schemas.openxmlformats.org/drawingml/2006/diagram"/>
+    </a:ext>
+  </dgm:extLst>
+</dgm:dataModel>
+</file>
+
+<file path=ppt/diagrams/drawing1.xml><?xml version="1.0" encoding="utf-8"?>
+<dsp:drawing xmlns:dgm="http://schemas.openxmlformats.org/drawingml/2006/diagram" xmlns:dsp="http://schemas.microsoft.com/office/drawing/2008/diagram" xmlns:a="http://schemas.openxmlformats.org/drawingml/2006/main">
+  <dsp:spTree>
+    <dsp:nvGrpSpPr>
+      <dsp:cNvPr id="0" name=""/>
+      <dsp:cNvGrpSpPr/>
+    </dsp:nvGrpSpPr>
+    <dsp:grpSpPr/>
+    <dsp:sp modelId="{0047A307-10EC-45A8-AAE6-02590573460C}">
+      <dsp:nvSpPr>
+        <dsp:cNvPr id="0" name=""/>
+        <dsp:cNvSpPr/>
+      </dsp:nvSpPr>
+      <dsp:spPr>
+        <a:xfrm>
+          <a:off x="0" y="353758"/>
+          <a:ext cx="2249756" cy="1349853"/>
+        </a:xfrm>
+        <a:prstGeom prst="rect">
+          <a:avLst/>
+        </a:prstGeom>
+        <a:solidFill>
+          <a:schemeClr val="accent1">
+            <a:lumMod val="75000"/>
+          </a:schemeClr>
+        </a:solidFill>
+        <a:ln>
+          <a:noFill/>
+        </a:ln>
+        <a:effectLst>
+          <a:innerShdw blurRad="63500" dist="25400" dir="13500000">
+            <a:srgbClr val="000000">
+              <a:alpha val="75000"/>
+            </a:srgbClr>
+          </a:innerShdw>
+        </a:effectLst>
+      </dsp:spPr>
+      <dsp:style>
+        <a:lnRef idx="0">
+          <a:scrgbClr r="0" g="0" b="0"/>
+        </a:lnRef>
+        <a:fillRef idx="3">
+          <a:scrgbClr r="0" g="0" b="0"/>
+        </a:fillRef>
+        <a:effectRef idx="3">
+          <a:scrgbClr r="0" g="0" b="0"/>
+        </a:effectRef>
+        <a:fontRef idx="minor">
+          <a:schemeClr val="lt1"/>
+        </a:fontRef>
+      </dsp:style>
+      <dsp:txBody>
+        <a:bodyPr spcFirstLastPara="0" vert="horz" wrap="square" lIns="64770" tIns="64770" rIns="64770" bIns="64770" numCol="1" spcCol="1270" anchor="ctr" anchorCtr="0">
+          <a:noAutofit/>
+        </a:bodyPr>
+        <a:lstStyle/>
+        <a:p>
+          <a:pPr marL="0" lvl="0" indent="0" algn="ctr" defTabSz="755650">
+            <a:lnSpc>
+              <a:spcPct val="90000"/>
+            </a:lnSpc>
+            <a:spcBef>
+              <a:spcPct val="0"/>
+            </a:spcBef>
+            <a:spcAft>
+              <a:spcPct val="35000"/>
+            </a:spcAft>
+            <a:buNone/>
+          </a:pPr>
+          <a:r>
+            <a:rPr lang="en-US" sz="1700" kern="1200"/>
+            <a:t>Joseph Hill – Project Manager/Backend</a:t>
+          </a:r>
+        </a:p>
+      </dsp:txBody>
+      <dsp:txXfrm>
+        <a:off x="0" y="353758"/>
+        <a:ext cx="2249756" cy="1349853"/>
+      </dsp:txXfrm>
+    </dsp:sp>
+    <dsp:sp modelId="{F0419B58-8480-426D-924F-E1C4DF1B7F48}">
+      <dsp:nvSpPr>
+        <dsp:cNvPr id="0" name=""/>
+        <dsp:cNvSpPr/>
+      </dsp:nvSpPr>
+      <dsp:spPr>
+        <a:xfrm>
+          <a:off x="2474731" y="353758"/>
+          <a:ext cx="2249756" cy="1349853"/>
+        </a:xfrm>
+        <a:prstGeom prst="rect">
+          <a:avLst/>
+        </a:prstGeom>
+        <a:solidFill>
+          <a:schemeClr val="accent1">
+            <a:lumMod val="75000"/>
+          </a:schemeClr>
+        </a:solidFill>
+        <a:ln>
+          <a:noFill/>
+        </a:ln>
+        <a:effectLst>
+          <a:innerShdw blurRad="63500" dist="25400" dir="13500000">
+            <a:srgbClr val="000000">
+              <a:alpha val="75000"/>
+            </a:srgbClr>
+          </a:innerShdw>
+        </a:effectLst>
+      </dsp:spPr>
+      <dsp:style>
+        <a:lnRef idx="0">
+          <a:scrgbClr r="0" g="0" b="0"/>
+        </a:lnRef>
+        <a:fillRef idx="3">
+          <a:scrgbClr r="0" g="0" b="0"/>
+        </a:fillRef>
+        <a:effectRef idx="3">
+          <a:scrgbClr r="0" g="0" b="0"/>
+        </a:effectRef>
+        <a:fontRef idx="minor">
+          <a:schemeClr val="lt1"/>
+        </a:fontRef>
+      </dsp:style>
+      <dsp:txBody>
+        <a:bodyPr spcFirstLastPara="0" vert="horz" wrap="square" lIns="64770" tIns="64770" rIns="64770" bIns="64770" numCol="1" spcCol="1270" anchor="ctr" anchorCtr="0">
+          <a:noAutofit/>
+        </a:bodyPr>
+        <a:lstStyle/>
+        <a:p>
+          <a:pPr marL="0" lvl="0" indent="0" algn="ctr" defTabSz="755650">
+            <a:lnSpc>
+              <a:spcPct val="90000"/>
+            </a:lnSpc>
+            <a:spcBef>
+              <a:spcPct val="0"/>
+            </a:spcBef>
+            <a:spcAft>
+              <a:spcPct val="35000"/>
+            </a:spcAft>
+            <a:buNone/>
+          </a:pPr>
+          <a:r>
+            <a:rPr lang="en-US" sz="1700" kern="1200"/>
+            <a:t>Robert Law – Backend</a:t>
+          </a:r>
+        </a:p>
+      </dsp:txBody>
+      <dsp:txXfrm>
+        <a:off x="2474731" y="353758"/>
+        <a:ext cx="2249756" cy="1349853"/>
+      </dsp:txXfrm>
+    </dsp:sp>
+    <dsp:sp modelId="{37EF6420-CD79-413F-A915-773CB20BEFD0}">
+      <dsp:nvSpPr>
+        <dsp:cNvPr id="0" name=""/>
+        <dsp:cNvSpPr/>
+      </dsp:nvSpPr>
+      <dsp:spPr>
+        <a:xfrm>
+          <a:off x="4949463" y="353758"/>
+          <a:ext cx="2249756" cy="1349853"/>
+        </a:xfrm>
+        <a:prstGeom prst="rect">
+          <a:avLst/>
+        </a:prstGeom>
+        <a:solidFill>
+          <a:schemeClr val="accent1">
+            <a:lumMod val="75000"/>
+          </a:schemeClr>
+        </a:solidFill>
+        <a:ln>
+          <a:noFill/>
+        </a:ln>
+        <a:effectLst>
+          <a:innerShdw blurRad="63500" dist="25400" dir="13500000">
+            <a:srgbClr val="000000">
+              <a:alpha val="75000"/>
+            </a:srgbClr>
+          </a:innerShdw>
+        </a:effectLst>
+      </dsp:spPr>
+      <dsp:style>
+        <a:lnRef idx="0">
+          <a:scrgbClr r="0" g="0" b="0"/>
+        </a:lnRef>
+        <a:fillRef idx="3">
+          <a:scrgbClr r="0" g="0" b="0"/>
+        </a:fillRef>
+        <a:effectRef idx="3">
+          <a:scrgbClr r="0" g="0" b="0"/>
+        </a:effectRef>
+        <a:fontRef idx="minor">
+          <a:schemeClr val="lt1"/>
+        </a:fontRef>
+      </dsp:style>
+      <dsp:txBody>
+        <a:bodyPr spcFirstLastPara="0" vert="horz" wrap="square" lIns="64770" tIns="64770" rIns="64770" bIns="64770" numCol="1" spcCol="1270" anchor="ctr" anchorCtr="0">
+          <a:noAutofit/>
+        </a:bodyPr>
+        <a:lstStyle/>
+        <a:p>
+          <a:pPr marL="0" lvl="0" indent="0" algn="ctr" defTabSz="755650">
+            <a:lnSpc>
+              <a:spcPct val="90000"/>
+            </a:lnSpc>
+            <a:spcBef>
+              <a:spcPct val="0"/>
+            </a:spcBef>
+            <a:spcAft>
+              <a:spcPct val="35000"/>
+            </a:spcAft>
+            <a:buNone/>
+          </a:pPr>
+          <a:r>
+            <a:rPr lang="en-US" sz="1700" kern="1200"/>
+            <a:t>Barry Latour – Web Frontend</a:t>
+          </a:r>
+        </a:p>
+      </dsp:txBody>
+      <dsp:txXfrm>
+        <a:off x="4949463" y="353758"/>
+        <a:ext cx="2249756" cy="1349853"/>
+      </dsp:txXfrm>
+    </dsp:sp>
+    <dsp:sp modelId="{C05BB18C-5E57-4D7F-AB48-B21CEAD8BF5E}">
+      <dsp:nvSpPr>
+        <dsp:cNvPr id="0" name=""/>
+        <dsp:cNvSpPr/>
+      </dsp:nvSpPr>
+      <dsp:spPr>
+        <a:xfrm>
+          <a:off x="0" y="1928587"/>
+          <a:ext cx="2249756" cy="1349853"/>
+        </a:xfrm>
+        <a:prstGeom prst="rect">
+          <a:avLst/>
+        </a:prstGeom>
+        <a:solidFill>
+          <a:schemeClr val="accent1">
+            <a:lumMod val="75000"/>
+          </a:schemeClr>
+        </a:solidFill>
+        <a:ln>
+          <a:noFill/>
+        </a:ln>
+        <a:effectLst>
+          <a:innerShdw blurRad="63500" dist="25400" dir="13500000">
+            <a:srgbClr val="000000">
+              <a:alpha val="75000"/>
+            </a:srgbClr>
+          </a:innerShdw>
+        </a:effectLst>
+      </dsp:spPr>
+      <dsp:style>
+        <a:lnRef idx="0">
+          <a:scrgbClr r="0" g="0" b="0"/>
+        </a:lnRef>
+        <a:fillRef idx="3">
+          <a:scrgbClr r="0" g="0" b="0"/>
+        </a:fillRef>
+        <a:effectRef idx="3">
+          <a:scrgbClr r="0" g="0" b="0"/>
+        </a:effectRef>
+        <a:fontRef idx="minor">
+          <a:schemeClr val="lt1"/>
+        </a:fontRef>
+      </dsp:style>
+      <dsp:txBody>
+        <a:bodyPr spcFirstLastPara="0" vert="horz" wrap="square" lIns="64770" tIns="64770" rIns="64770" bIns="64770" numCol="1" spcCol="1270" anchor="ctr" anchorCtr="0">
+          <a:noAutofit/>
+        </a:bodyPr>
+        <a:lstStyle/>
+        <a:p>
+          <a:pPr marL="0" lvl="0" indent="0" algn="ctr" defTabSz="755650">
+            <a:lnSpc>
+              <a:spcPct val="90000"/>
+            </a:lnSpc>
+            <a:spcBef>
+              <a:spcPct val="0"/>
+            </a:spcBef>
+            <a:spcAft>
+              <a:spcPct val="35000"/>
+            </a:spcAft>
+            <a:buNone/>
+          </a:pPr>
+          <a:r>
+            <a:rPr lang="en-US" sz="1700" kern="1200"/>
+            <a:t>Jacob Haake – Web Frontend and Security</a:t>
+          </a:r>
+        </a:p>
+      </dsp:txBody>
+      <dsp:txXfrm>
+        <a:off x="0" y="1928587"/>
+        <a:ext cx="2249756" cy="1349853"/>
+      </dsp:txXfrm>
+    </dsp:sp>
+    <dsp:sp modelId="{E60A9687-B7B3-4ED9-8197-9097C35B2C1B}">
+      <dsp:nvSpPr>
+        <dsp:cNvPr id="0" name=""/>
+        <dsp:cNvSpPr/>
+      </dsp:nvSpPr>
+      <dsp:spPr>
+        <a:xfrm>
+          <a:off x="2474731" y="1928587"/>
+          <a:ext cx="2249756" cy="1349853"/>
+        </a:xfrm>
+        <a:prstGeom prst="rect">
+          <a:avLst/>
+        </a:prstGeom>
+        <a:solidFill>
+          <a:schemeClr val="accent1">
+            <a:lumMod val="75000"/>
+          </a:schemeClr>
+        </a:solidFill>
+        <a:ln>
+          <a:noFill/>
+        </a:ln>
+        <a:effectLst>
+          <a:innerShdw blurRad="63500" dist="25400" dir="13500000">
+            <a:srgbClr val="000000">
+              <a:alpha val="75000"/>
+            </a:srgbClr>
+          </a:innerShdw>
+        </a:effectLst>
+      </dsp:spPr>
+      <dsp:style>
+        <a:lnRef idx="0">
+          <a:scrgbClr r="0" g="0" b="0"/>
+        </a:lnRef>
+        <a:fillRef idx="3">
+          <a:scrgbClr r="0" g="0" b="0"/>
+        </a:fillRef>
+        <a:effectRef idx="3">
+          <a:scrgbClr r="0" g="0" b="0"/>
+        </a:effectRef>
+        <a:fontRef idx="minor">
+          <a:schemeClr val="lt1"/>
+        </a:fontRef>
+      </dsp:style>
+      <dsp:txBody>
+        <a:bodyPr spcFirstLastPara="0" vert="horz" wrap="square" lIns="64770" tIns="64770" rIns="64770" bIns="64770" numCol="1" spcCol="1270" anchor="ctr" anchorCtr="0">
+          <a:noAutofit/>
+        </a:bodyPr>
+        <a:lstStyle/>
+        <a:p>
+          <a:pPr marL="0" lvl="0" indent="0" algn="ctr" defTabSz="755650">
+            <a:lnSpc>
+              <a:spcPct val="90000"/>
+            </a:lnSpc>
+            <a:spcBef>
+              <a:spcPct val="0"/>
+            </a:spcBef>
+            <a:spcAft>
+              <a:spcPct val="35000"/>
+            </a:spcAft>
+            <a:buNone/>
+          </a:pPr>
+          <a:r>
+            <a:rPr lang="en-US" sz="1700" kern="1200"/>
+            <a:t>Joel Robertson – Mobile</a:t>
+          </a:r>
+        </a:p>
+      </dsp:txBody>
+      <dsp:txXfrm>
+        <a:off x="2474731" y="1928587"/>
+        <a:ext cx="2249756" cy="1349853"/>
+      </dsp:txXfrm>
+    </dsp:sp>
+    <dsp:sp modelId="{319C1435-2894-4C39-98B2-A93E7207BAC3}">
+      <dsp:nvSpPr>
+        <dsp:cNvPr id="0" name=""/>
+        <dsp:cNvSpPr/>
+      </dsp:nvSpPr>
+      <dsp:spPr>
+        <a:xfrm>
+          <a:off x="4949463" y="1928587"/>
+          <a:ext cx="2249756" cy="1349853"/>
+        </a:xfrm>
+        <a:prstGeom prst="rect">
+          <a:avLst/>
+        </a:prstGeom>
+        <a:solidFill>
+          <a:schemeClr val="accent1">
+            <a:lumMod val="75000"/>
+          </a:schemeClr>
+        </a:solidFill>
+        <a:ln>
+          <a:noFill/>
+        </a:ln>
+        <a:effectLst>
+          <a:innerShdw blurRad="63500" dist="25400" dir="13500000">
+            <a:srgbClr val="000000">
+              <a:alpha val="75000"/>
+            </a:srgbClr>
+          </a:innerShdw>
+        </a:effectLst>
+      </dsp:spPr>
+      <dsp:style>
+        <a:lnRef idx="0">
+          <a:scrgbClr r="0" g="0" b="0"/>
+        </a:lnRef>
+        <a:fillRef idx="3">
+          <a:scrgbClr r="0" g="0" b="0"/>
+        </a:fillRef>
+        <a:effectRef idx="3">
+          <a:scrgbClr r="0" g="0" b="0"/>
+        </a:effectRef>
+        <a:fontRef idx="minor">
+          <a:schemeClr val="lt1"/>
+        </a:fontRef>
+      </dsp:style>
+      <dsp:txBody>
+        <a:bodyPr spcFirstLastPara="0" vert="horz" wrap="square" lIns="64770" tIns="64770" rIns="64770" bIns="64770" numCol="1" spcCol="1270" anchor="ctr" anchorCtr="0">
+          <a:noAutofit/>
+        </a:bodyPr>
+        <a:lstStyle/>
+        <a:p>
+          <a:pPr marL="0" lvl="0" indent="0" algn="ctr" defTabSz="755650">
+            <a:lnSpc>
+              <a:spcPct val="90000"/>
+            </a:lnSpc>
+            <a:spcBef>
+              <a:spcPct val="0"/>
+            </a:spcBef>
+            <a:spcAft>
+              <a:spcPct val="35000"/>
+            </a:spcAft>
+            <a:buNone/>
+          </a:pPr>
+          <a:r>
+            <a:rPr lang="en-US" sz="1700" kern="1200"/>
+            <a:t>Miguel Cordero - Mobile</a:t>
+          </a:r>
+        </a:p>
+      </dsp:txBody>
+      <dsp:txXfrm>
+        <a:off x="4949463" y="1928587"/>
+        <a:ext cx="2249756" cy="1349853"/>
+      </dsp:txXfrm>
+    </dsp:sp>
+  </dsp:spTree>
+</dsp:drawing>
+</file>
+
+<file path=ppt/diagrams/layout1.xml><?xml version="1.0" encoding="utf-8"?>
+<dgm:layoutDef xmlns:dgm="http://schemas.openxmlformats.org/drawingml/2006/diagram" xmlns:a="http://schemas.openxmlformats.org/drawingml/2006/main" uniqueId="urn:microsoft.com/office/officeart/2005/8/layout/default">
+  <dgm:title val=""/>
+  <dgm:desc val=""/>
+  <dgm:catLst>
+    <dgm:cat type="list" pri="400"/>
+  </dgm:catLst>
+  <dgm:sampData>
+    <dgm:dataModel>
+      <dgm:ptLst>
+        <dgm:pt modelId="0" type="doc"/>
+        <dgm:pt modelId="1">
+          <dgm:prSet phldr="1"/>
+        </dgm:pt>
+        <dgm:pt modelId="2">
+          <dgm:prSet phldr="1"/>
+        </dgm:pt>
+        <dgm:pt modelId="3">
+          <dgm:prSet phldr="1"/>
+        </dgm:pt>
+        <dgm:pt modelId="4">
+          <dgm:prSet phldr="1"/>
+        </dgm:pt>
+        <dgm:pt modelId="5">
+          <dgm:prSet phldr="1"/>
+        </dgm:pt>
+      </dgm:ptLst>
+      <dgm:cxnLst>
+        <dgm:cxn modelId="6" srcId="0" destId="1" srcOrd="0" destOrd="0"/>
+        <dgm:cxn modelId="7" srcId="0" destId="2" srcOrd="1" destOrd="0"/>
+        <dgm:cxn modelId="8" srcId="0" destId="3" srcOrd="2" destOrd="0"/>
+        <dgm:cxn modelId="9" srcId="0" destId="4" srcOrd="3" destOrd="0"/>
+        <dgm:cxn modelId="10" srcId="0" destId="5" srcOrd="4" destOrd="0"/>
+      </dgm:cxnLst>
+      <dgm:bg/>
+      <dgm:whole/>
+    </dgm:dataModel>
+  </dgm:sampData>
+  <dgm:styleData>
+    <dgm:dataModel>
+      <dgm:ptLst>
+        <dgm:pt modelId="0" type="doc"/>
+        <dgm:pt modelId="1"/>
+        <dgm:pt modelId="2"/>
+      </dgm:ptLst>
+      <dgm:cxnLst>
+        <dgm:cxn modelId="3" srcId="0" destId="1" srcOrd="0" destOrd="0"/>
+        <dgm:cxn modelId="4" srcId="0" destId="2" srcOrd="1" destOrd="0"/>
+      </dgm:cxnLst>
+      <dgm:bg/>
+      <dgm:whole/>
+    </dgm:dataModel>
+  </dgm:styleData>
+  <dgm:clrData>
+    <dgm:dataModel>
+      <dgm:ptLst>
+        <dgm:pt modelId="0" type="doc"/>
+        <dgm:pt modelId="1"/>
+        <dgm:pt modelId="2"/>
+        <dgm:pt modelId="3"/>
+        <dgm:pt modelId="4"/>
+        <dgm:pt modelId="5"/>
+        <dgm:pt modelId="6"/>
+      </dgm:ptLst>
+      <dgm:cxnLst>
+        <dgm:cxn modelId="7" srcId="0" destId="1" srcOrd="0" destOrd="0"/>
+        <dgm:cxn modelId="8" srcId="0" destId="2" srcOrd="1" destOrd="0"/>
+        <dgm:cxn modelId="9" srcId="0" destId="3" srcOrd="2" destOrd="0"/>
+        <dgm:cxn modelId="10" srcId="0" destId="4" srcOrd="3" destOrd="0"/>
+        <dgm:cxn modelId="11" srcId="0" destId="5" srcOrd="4" destOrd="0"/>
+        <dgm:cxn modelId="12" srcId="0" destId="6" srcOrd="5" destOrd="0"/>
+      </dgm:cxnLst>
+      <dgm:bg/>
+      <dgm:whole/>
+    </dgm:dataModel>
+  </dgm:clrData>
+  <dgm:layoutNode name="diagram">
+    <dgm:varLst>
+      <dgm:dir/>
+      <dgm:resizeHandles val="exact"/>
+    </dgm:varLst>
+    <dgm:choose name="Name0">
+      <dgm:if name="Name1" func="var" arg="dir" op="equ" val="norm">
+        <dgm:alg type="snake">
+          <dgm:param type="grDir" val="tL"/>
+          <dgm:param type="flowDir" val="row"/>
+          <dgm:param type="contDir" val="sameDir"/>
+          <dgm:param type="off" val="ctr"/>
+        </dgm:alg>
+      </dgm:if>
+      <dgm:else name="Name2">
+        <dgm:alg type="snake">
+          <dgm:param type="grDir" val="tR"/>
+          <dgm:param type="flowDir" val="row"/>
+          <dgm:param type="contDir" val="sameDir"/>
+          <dgm:param type="off" val="ctr"/>
+        </dgm:alg>
+      </dgm:else>
+    </dgm:choose>
+    <dgm:shape xmlns:r="http://schemas.openxmlformats.org/officeDocument/2006/relationships" r:blip="">
+      <dgm:adjLst/>
+    </dgm:shape>
+    <dgm:presOf/>
+    <dgm:constrLst>
+      <dgm:constr type="w" for="ch" forName="node" refType="w"/>
+      <dgm:constr type="h" for="ch" forName="node" refType="w" refFor="ch" refForName="node" fact="0.6"/>
+      <dgm:constr type="w" for="ch" forName="sibTrans" refType="w" refFor="ch" refForName="node" fact="0.1"/>
+      <dgm:constr type="sp" refType="w" refFor="ch" refForName="sibTrans"/>
+      <dgm:constr type="primFontSz" for="ch" forName="node" op="equ" val="65"/>
+    </dgm:constrLst>
+    <dgm:ruleLst/>
+    <dgm:forEach name="Name3" axis="ch" ptType="node">
+      <dgm:layoutNode name="node">
+        <dgm:varLst>
+          <dgm:bulletEnabled val="1"/>
+        </dgm:varLst>
+        <dgm:alg type="tx"/>
+        <dgm:shape xmlns:r="http://schemas.openxmlformats.org/officeDocument/2006/relationships" type="rect" r:blip="">
+          <dgm:adjLst/>
+        </dgm:shape>
+        <dgm:presOf axis="desOrSelf" ptType="node"/>
+        <dgm:constrLst>
+          <dgm:constr type="lMarg" refType="primFontSz" fact="0.3"/>
+          <dgm:constr type="rMarg" refType="primFontSz" fact="0.3"/>
+          <dgm:constr type="tMarg" refType="primFontSz" fact="0.3"/>
+          <dgm:constr type="bMarg" refType="primFontSz" fact="0.3"/>
+        </dgm:constrLst>
+        <dgm:ruleLst>
+          <dgm:rule type="primFontSz" val="5" fact="NaN" max="NaN"/>
+        </dgm:ruleLst>
+      </dgm:layoutNode>
+      <dgm:forEach name="Name4" axis="followSib" ptType="sibTrans" cnt="1">
+        <dgm:layoutNode name="sibTrans">
+          <dgm:alg type="sp"/>
+          <dgm:shape xmlns:r="http://schemas.openxmlformats.org/officeDocument/2006/relationships" r:blip="">
+            <dgm:adjLst/>
+          </dgm:shape>
+          <dgm:presOf/>
+          <dgm:constrLst/>
+          <dgm:ruleLst/>
+        </dgm:layoutNode>
+      </dgm:forEach>
+    </dgm:forEach>
+  </dgm:layoutNode>
+</dgm:layoutDef>
+</file>
+
+<file path=ppt/diagrams/quickStyle1.xml><?xml version="1.0" encoding="utf-8"?>
+<dgm:styleDef xmlns:dgm="http://schemas.openxmlformats.org/drawingml/2006/diagram" xmlns:a="http://schemas.openxmlformats.org/drawingml/2006/main" uniqueId="urn:microsoft.com/office/officeart/2005/8/quickstyle/simple5">
+  <dgm:title val=""/>
+  <dgm:desc val=""/>
+  <dgm:catLst>
+    <dgm:cat type="simple" pri="10500"/>
+  </dgm:catLst>
+  <dgm:scene3d>
+    <a:camera prst="orthographicFront"/>
+    <a:lightRig rig="threePt" dir="t"/>
+  </dgm:scene3d>
+  <dgm:styleLbl name="node0">
+    <dgm:scene3d>
+      <a:camera prst="orthographicFront"/>
+      <a:lightRig rig="threePt" dir="t"/>
+    </dgm:scene3d>
+    <dgm:sp3d/>
+    <dgm:txPr/>
+    <dgm:style>
+      <a:lnRef idx="0">
+        <a:scrgbClr r="0" g="0" b="0"/>
+      </a:lnRef>
+      <a:fillRef idx="3">
+        <a:scrgbClr r="0" g="0" b="0"/>
+      </a:fillRef>
+      <a:effectRef idx="3">
+        <a:scrgbClr r="0" g="0" b="0"/>
+      </a:effectRef>
+      <a:fontRef idx="minor">
+        <a:schemeClr val="lt1"/>
+      </a:fontRef>
+    </dgm:style>
+  </dgm:styleLbl>
+  <dgm:styleLbl name="lnNode1">
+    <dgm:scene3d>
+      <a:camera prst="orthographicFront"/>
+      <a:lightRig rig="threePt" dir="t"/>
+    </dgm:scene3d>
+    <dgm:sp3d/>
+    <dgm:txPr/>
+    <dgm:style>
+      <a:lnRef idx="0">
+        <a:scrgbClr r="0" g="0" b="0"/>
+      </a:lnRef>
+      <a:fillRef idx="3">
+        <a:scrgbClr r="0" g="0" b="0"/>
+      </a:fillRef>
+      <a:effectRef idx="3">
+        <a:scrgbClr r="0" g="0" b="0"/>
+      </a:effectRef>
+      <a:fontRef idx="minor">
+        <a:schemeClr val="lt1"/>
+      </a:fontRef>
+    </dgm:style>
+  </dgm:styleLbl>
+  <dgm:styleLbl name="vennNode1">
+    <dgm:scene3d>
+      <a:camera prst="orthographicFront"/>
+      <a:lightRig rig="threePt" dir="t"/>
+    </dgm:scene3d>
+    <dgm:sp3d/>
+    <dgm:txPr/>
+    <dgm:style>
+      <a:lnRef idx="0">
+        <a:scrgbClr r="0" g="0" b="0"/>
+      </a:lnRef>
+      <a:fillRef idx="3">
+        <a:scrgbClr r="0" g="0" b="0"/>
+      </a:fillRef>
+      <a:effectRef idx="3">
+        <a:scrgbClr r="0" g="0" b="0"/>
+      </a:effectRef>
+      <a:fontRef idx="minor">
+        <a:schemeClr val="tx1"/>
+      </a:fontRef>
+    </dgm:style>
+  </dgm:styleLbl>
+  <dgm:styleLbl name="alignNode1">
+    <dgm:scene3d>
+      <a:camera prst="orthographicFront"/>
+      <a:lightRig rig="threePt" dir="t"/>
+    </dgm:scene3d>
+    <dgm:sp3d/>
+    <dgm:txPr/>
+    <dgm:style>
+      <a:lnRef idx="1">
+        <a:scrgbClr r="0" g="0" b="0"/>
+      </a:lnRef>
+      <a:fillRef idx="3">
+        <a:scrgbClr r="0" g="0" b="0"/>
+      </a:fillRef>
+      <a:effectRef idx="3">
+        <a:scrgbClr r="0" g="0" b="0"/>
+      </a:effectRef>
+      <a:fontRef idx="minor">
+        <a:schemeClr val="lt1"/>
+      </a:fontRef>
+    </dgm:style>
+  </dgm:styleLbl>
+  <dgm:styleLbl name="node1">
+    <dgm:scene3d>
+      <a:camera prst="orthographicFront"/>
+      <a:lightRig rig="threePt" dir="t"/>
+    </dgm:scene3d>
+    <dgm:sp3d/>
+    <dgm:txPr/>
+    <dgm:style>
+      <a:lnRef idx="0">
+        <a:scrgbClr r="0" g="0" b="0"/>
+      </a:lnRef>
+      <a:fillRef idx="3">
+        <a:scrgbClr r="0" g="0" b="0"/>
+      </a:fillRef>
+      <a:effectRef idx="3">
+        <a:scrgbClr r="0" g="0" b="0"/>
+      </a:effectRef>
+      <a:fontRef idx="minor">
+        <a:schemeClr val="lt1"/>
+      </a:fontRef>
+    </dgm:style>
+  </dgm:styleLbl>
+  <dgm:styleLbl name="node2">
+    <dgm:scene3d>
+      <a:camera prst="orthographicFront"/>
+      <a:lightRig rig="threePt" dir="t"/>
+    </dgm:scene3d>
+    <dgm:sp3d/>
+    <dgm:txPr/>
+    <dgm:style>
+      <a:lnRef idx="0">
+        <a:scrgbClr r="0" g="0" b="0"/>
+      </a:lnRef>
+      <a:fillRef idx="3">
+        <a:scrgbClr r="0" g="0" b="0"/>
+      </a:fillRef>
+      <a:effectRef idx="3">
+        <a:scrgbClr r="0" g="0" b="0"/>
+      </a:effectRef>
+      <a:fontRef idx="minor">
+        <a:schemeClr val="lt1"/>
+      </a:fontRef>
+    </dgm:style>
+  </dgm:styleLbl>
+  <dgm:styleLbl name="node3">
+    <dgm:scene3d>
+      <a:camera prst="orthographicFront"/>
+      <a:lightRig rig="threePt" dir="t"/>
+    </dgm:scene3d>
+    <dgm:sp3d/>
+    <dgm:txPr/>
+    <dgm:style>
+      <a:lnRef idx="0">
+        <a:scrgbClr r="0" g="0" b="0"/>
+      </a:lnRef>
+      <a:fillRef idx="3">
+        <a:scrgbClr r="0" g="0" b="0"/>
+      </a:fillRef>
+      <a:effectRef idx="3">
+        <a:scrgbClr r="0" g="0" b="0"/>
+      </a:effectRef>
+      <a:fontRef idx="minor">
+        <a:schemeClr val="lt1"/>
+      </a:fontRef>
+    </dgm:style>
+  </dgm:styleLbl>
+  <dgm:styleLbl name="node4">
+    <dgm:scene3d>
+      <a:camera prst="orthographicFront"/>
+      <a:lightRig rig="threePt" dir="t"/>
+    </dgm:scene3d>
+    <dgm:sp3d/>
+    <dgm:txPr/>
+    <dgm:style>
+      <a:lnRef idx="0">
+        <a:scrgbClr r="0" g="0" b="0"/>
+      </a:lnRef>
+      <a:fillRef idx="3">
+        <a:scrgbClr r="0" g="0" b="0"/>
+      </a:fillRef>
+      <a:effectRef idx="3">
+        <a:scrgbClr r="0" g="0" b="0"/>
+      </a:effectRef>
+      <a:fontRef idx="minor">
+        <a:schemeClr val="lt1"/>
+      </a:fontRef>
+    </dgm:style>
+  </dgm:styleLbl>
+  <dgm:styleLbl name="fgImgPlace1">
+    <dgm:scene3d>
+      <a:camera prst="orthographicFront"/>
+      <a:lightRig rig="threePt" dir="t"/>
+    </dgm:scene3d>
+    <dgm:sp3d/>
+    <dgm:txPr/>
+    <dgm:style>
+      <a:lnRef idx="0">
+        <a:scrgbClr r="0" g="0" b="0"/>
+      </a:lnRef>
+      <a:fillRef idx="1">
+        <a:scrgbClr r="0" g="0" b="0"/>
+      </a:fillRef>
+      <a:effectRef idx="3">
+        <a:scrgbClr r="0" g="0" b="0"/>
+      </a:effectRef>
+      <a:fontRef idx="minor"/>
+    </dgm:style>
+  </dgm:styleLbl>
+  <dgm:styleLbl name="alignImgPlace1">
+    <dgm:scene3d>
+      <a:camera prst="orthographicFront"/>
+      <a:lightRig rig="threePt" dir="t"/>
+    </dgm:scene3d>
+    <dgm:sp3d/>
+    <dgm:txPr/>
+    <dgm:style>
+      <a:lnRef idx="0">
+        <a:scrgbClr r="0" g="0" b="0"/>
+      </a:lnRef>
+      <a:fillRef idx="1">
+        <a:scrgbClr r="0" g="0" b="0"/>
+      </a:fillRef>
+      <a:effectRef idx="3">
+        <a:scrgbClr r="0" g="0" b="0"/>
+      </a:effectRef>
+      <a:fontRef idx="minor"/>
+    </dgm:style>
+  </dgm:styleLbl>
+  <dgm:styleLbl name="bgImgPlace1">
+    <dgm:scene3d>
+      <a:camera prst="orthographicFront"/>
+      <a:lightRig rig="threePt" dir="t"/>
+    </dgm:scene3d>
+    <dgm:sp3d/>
+    <dgm:txPr/>
+    <dgm:style>
+      <a:lnRef idx="0">
+        <a:scrgbClr r="0" g="0" b="0"/>
+      </a:lnRef>
+      <a:fillRef idx="1">
+        <a:scrgbClr r="0" g="0" b="0"/>
+      </a:fillRef>
+      <a:effectRef idx="3">
+        <a:scrgbClr r="0" g="0" b="0"/>
+      </a:effectRef>
+      <a:fontRef idx="minor"/>
+    </dgm:style>
+  </dgm:styleLbl>
+  <dgm:styleLbl name="sibTrans2D1">
+    <dgm:scene3d>
+      <a:camera prst="orthographicFront"/>
+      <a:lightRig rig="threePt" dir="t"/>
+    </dgm:scene3d>
+    <dgm:sp3d/>
+    <dgm:txPr/>
+    <dgm:style>
+      <a:lnRef idx="0">
+        <a:scrgbClr r="0" g="0" b="0"/>
+      </a:lnRef>
+      <a:fillRef idx="3">
+        <a:scrgbClr r="0" g="0" b="0"/>
+      </a:fillRef>
+      <a:effectRef idx="3">
+        <a:scrgbClr r="0" g="0" b="0"/>
+      </a:effectRef>
+      <a:fontRef idx="minor">
+        <a:schemeClr val="lt1"/>
+      </a:fontRef>
+    </dgm:style>
+  </dgm:styleLbl>
+  <dgm:styleLbl name="fgSibTrans2D1">
+    <dgm:scene3d>
+      <a:camera prst="orthographicFront"/>
+      <a:lightRig rig="threePt" dir="t"/>
+    </dgm:scene3d>
+    <dgm:sp3d/>
+    <dgm:txPr/>
+    <dgm:style>
+      <a:lnRef idx="0">
+        <a:scrgbClr r="0" g="0" b="0"/>
+      </a:lnRef>
+      <a:fillRef idx="3">
+        <a:scrgbClr r="0" g="0" b="0"/>
+      </a:fillRef>
+      <a:effectRef idx="3">
+        <a:scrgbClr r="0" g="0" b="0"/>
+      </a:effectRef>
+      <a:fontRef idx="minor">
+        <a:schemeClr val="lt1"/>
+      </a:fontRef>
+    </dgm:style>
+  </dgm:styleLbl>
+  <dgm:styleLbl name="bgSibTrans2D1">
+    <dgm:scene3d>
+      <a:camera prst="orthographicFront"/>
+      <a:lightRig rig="threePt" dir="t"/>
+    </dgm:scene3d>
+    <dgm:sp3d/>
+    <dgm:txPr/>
+    <dgm:style>
+      <a:lnRef idx="0">
+        <a:scrgbClr r="0" g="0" b="0"/>
+      </a:lnRef>
+      <a:fillRef idx="3">
+        <a:scrgbClr r="0" g="0" b="0"/>
+      </a:fillRef>
+      <a:effectRef idx="3">
+        <a:scrgbClr r="0" g="0" b="0"/>
+      </a:effectRef>
+      <a:fontRef idx="minor">
+        <a:schemeClr val="lt1"/>
+      </a:fontRef>
+    </dgm:style>
+  </dgm:styleLbl>
+  <dgm:styleLbl name="sibTrans1D1">
+    <dgm:scene3d>
+      <a:camera prst="orthographicFront"/>
+      <a:lightRig rig="threePt" dir="t"/>
+    </dgm:scene3d>
+    <dgm:sp3d/>
+    <dgm:txPr/>
+    <dgm:style>
+      <a:lnRef idx="1">
+        <a:scrgbClr r="0" g="0" b="0"/>
+      </a:lnRef>
+      <a:fillRef idx="0">
+        <a:scrgbClr r="0" g="0" b="0"/>
+      </a:fillRef>
+      <a:effectRef idx="0">
+        <a:scrgbClr r="0" g="0" b="0"/>
+      </a:effectRef>
+      <a:fontRef idx="minor"/>
+    </dgm:style>
+  </dgm:styleLbl>
+  <dgm:styleLbl name="callout">
+    <dgm:scene3d>
+      <a:camera prst="orthographicFront"/>
+      <a:lightRig rig="threePt" dir="t"/>
+    </dgm:scene3d>
+    <dgm:sp3d/>
+    <dgm:txPr/>
+    <dgm:style>
+      <a:lnRef idx="1">
+        <a:scrgbClr r="0" g="0" b="0"/>
+      </a:lnRef>
+      <a:fillRef idx="0">
+        <a:scrgbClr r="0" g="0" b="0"/>
+      </a:fillRef>
+      <a:effectRef idx="1">
+        <a:scrgbClr r="0" g="0" b="0"/>
+      </a:effectRef>
+      <a:fontRef idx="minor"/>
+    </dgm:style>
+  </dgm:styleLbl>
+  <dgm:styleLbl name="asst0">
+    <dgm:scene3d>
+      <a:camera prst="orthographicFront"/>
+      <a:lightRig rig="threePt" dir="t"/>
+    </dgm:scene3d>
+    <dgm:sp3d/>
+    <dgm:txPr/>
+    <dgm:style>
+      <a:lnRef idx="0">
+        <a:scrgbClr r="0" g="0" b="0"/>
+      </a:lnRef>
+      <a:fillRef idx="3">
+        <a:scrgbClr r="0" g="0" b="0"/>
+      </a:fillRef>
+      <a:effectRef idx="3">
+        <a:scrgbClr r="0" g="0" b="0"/>
+      </a:effectRef>
+      <a:fontRef idx="minor">
+        <a:schemeClr val="lt1"/>
+      </a:fontRef>
+    </dgm:style>
+  </dgm:styleLbl>
+  <dgm:styleLbl name="asst1">
+    <dgm:scene3d>
+      <a:camera prst="orthographicFront"/>
+      <a:lightRig rig="threePt" dir="t"/>
+    </dgm:scene3d>
+    <dgm:sp3d/>
+    <dgm:txPr/>
+    <dgm:style>
+      <a:lnRef idx="0">
+        <a:scrgbClr r="0" g="0" b="0"/>
+      </a:lnRef>
+      <a:fillRef idx="3">
+        <a:scrgbClr r="0" g="0" b="0"/>
+      </a:fillRef>
+      <a:effectRef idx="3">
+        <a:scrgbClr r="0" g="0" b="0"/>
+      </a:effectRef>
+      <a:fontRef idx="minor">
+        <a:schemeClr val="lt1"/>
+      </a:fontRef>
+    </dgm:style>
+  </dgm:styleLbl>
+  <dgm:styleLbl name="asst2">
+    <dgm:scene3d>
+      <a:camera prst="orthographicFront"/>
+      <a:lightRig rig="threePt" dir="t"/>
+    </dgm:scene3d>
+    <dgm:sp3d/>
+    <dgm:txPr/>
+    <dgm:style>
+      <a:lnRef idx="0">
+        <a:scrgbClr r="0" g="0" b="0"/>
+      </a:lnRef>
+      <a:fillRef idx="3">
+        <a:scrgbClr r="0" g="0" b="0"/>
+      </a:fillRef>
+      <a:effectRef idx="3">
+        <a:scrgbClr r="0" g="0" b="0"/>
+      </a:effectRef>
+      <a:fontRef idx="minor">
+        <a:schemeClr val="lt1"/>
+      </a:fontRef>
+    </dgm:style>
+  </dgm:styleLbl>
+  <dgm:styleLbl name="asst3">
+    <dgm:scene3d>
+      <a:camera prst="orthographicFront"/>
+      <a:lightRig rig="threePt" dir="t"/>
+    </dgm:scene3d>
+    <dgm:sp3d/>
+    <dgm:txPr/>
+    <dgm:style>
+      <a:lnRef idx="0">
+        <a:scrgbClr r="0" g="0" b="0"/>
+      </a:lnRef>
+      <a:fillRef idx="3">
+        <a:scrgbClr r="0" g="0" b="0"/>
+      </a:fillRef>
+      <a:effectRef idx="3">
+        <a:scrgbClr r="0" g="0" b="0"/>
+      </a:effectRef>
+      <a:fontRef idx="minor">
+        <a:schemeClr val="lt1"/>
+      </a:fontRef>
+    </dgm:style>
+  </dgm:styleLbl>
+  <dgm:styleLbl name="asst4">
+    <dgm:scene3d>
+      <a:camera prst="orthographicFront"/>
+      <a:lightRig rig="threePt" dir="t"/>
+    </dgm:scene3d>
+    <dgm:sp3d/>
+    <dgm:txPr/>
+    <dgm:style>
+      <a:lnRef idx="0">
+        <a:scrgbClr r="0" g="0" b="0"/>
+      </a:lnRef>
+      <a:fillRef idx="3">
+        <a:scrgbClr r="0" g="0" b="0"/>
+      </a:fillRef>
+      <a:effectRef idx="3">
+        <a:scrgbClr r="0" g="0" b="0"/>
+      </a:effectRef>
+      <a:fontRef idx="minor">
+        <a:schemeClr val="lt1"/>
+      </a:fontRef>
+    </dgm:style>
+  </dgm:styleLbl>
+  <dgm:styleLbl name="parChTrans2D1">
+    <dgm:scene3d>
+      <a:camera prst="orthographicFront"/>
+      <a:lightRig rig="threePt" dir="t"/>
+    </dgm:scene3d>
+    <dgm:sp3d/>
+    <dgm:txPr/>
+    <dgm:style>
+      <a:lnRef idx="0">
+        <a:scrgbClr r="0" g="0" b="0"/>
+      </a:lnRef>
+      <a:fillRef idx="3">
+        <a:scrgbClr r="0" g="0" b="0"/>
+      </a:fillRef>
+      <a:effectRef idx="3">
+        <a:scrgbClr r="0" g="0" b="0"/>
+      </a:effectRef>
+      <a:fontRef idx="minor">
+        <a:schemeClr val="lt1"/>
+      </a:fontRef>
+    </dgm:style>
+  </dgm:styleLbl>
+  <dgm:styleLbl name="parChTrans2D2">
+    <dgm:scene3d>
+      <a:camera prst="orthographicFront"/>
+      <a:lightRig rig="threePt" dir="t"/>
+    </dgm:scene3d>
+    <dgm:sp3d/>
+    <dgm:txPr/>
+    <dgm:style>
+      <a:lnRef idx="0">
+        <a:scrgbClr r="0" g="0" b="0"/>
+      </a:lnRef>
+      <a:fillRef idx="3">
+        <a:scrgbClr r="0" g="0" b="0"/>
+      </a:fillRef>
+      <a:effectRef idx="3">
+        <a:scrgbClr r="0" g="0" b="0"/>
+      </a:effectRef>
+      <a:fontRef idx="minor">
+        <a:schemeClr val="lt1"/>
+      </a:fontRef>
+    </dgm:style>
+  </dgm:styleLbl>
+  <dgm:styleLbl name="parChTrans2D3">
+    <dgm:scene3d>
+      <a:camera prst="orthographicFront"/>
+      <a:lightRig rig="threePt" dir="t"/>
+    </dgm:scene3d>
+    <dgm:sp3d/>
+    <dgm:txPr/>
+    <dgm:style>
+      <a:lnRef idx="0">
+        <a:scrgbClr r="0" g="0" b="0"/>
+      </a:lnRef>
+      <a:fillRef idx="3">
+        <a:scrgbClr r="0" g="0" b="0"/>
+      </a:fillRef>
+      <a:effectRef idx="3">
+        <a:scrgbClr r="0" g="0" b="0"/>
+      </a:effectRef>
+      <a:fontRef idx="minor">
+        <a:schemeClr val="lt1"/>
+      </a:fontRef>
+    </dgm:style>
+  </dgm:styleLbl>
+  <dgm:styleLbl name="parChTrans2D4">
+    <dgm:scene3d>
+      <a:camera prst="orthographicFront"/>
+      <a:lightRig rig="threePt" dir="t"/>
+    </dgm:scene3d>
+    <dgm:sp3d/>
+    <dgm:txPr/>
+    <dgm:style>
+      <a:lnRef idx="0">
+        <a:scrgbClr r="0" g="0" b="0"/>
+      </a:lnRef>
+      <a:fillRef idx="3">
+        <a:scrgbClr r="0" g="0" b="0"/>
+      </a:fillRef>
+      <a:effectRef idx="3">
+        <a:scrgbClr r="0" g="0" b="0"/>
+      </a:effectRef>
+      <a:fontRef idx="minor">
+        <a:schemeClr val="lt1"/>
+      </a:fontRef>
+    </dgm:style>
+  </dgm:styleLbl>
+  <dgm:styleLbl name="parChTrans1D1">
+    <dgm:scene3d>
+      <a:camera prst="orthographicFront"/>
+      <a:lightRig rig="threePt" dir="t"/>
+    </dgm:scene3d>
+    <dgm:sp3d/>
+    <dgm:txPr/>
+    <dgm:style>
+      <a:lnRef idx="2">
+        <a:scrgbClr r="0" g="0" b="0"/>
+      </a:lnRef>
+      <a:fillRef idx="0">
+        <a:scrgbClr r="0" g="0" b="0"/>
+      </a:fillRef>
+      <a:effectRef idx="0">
+        <a:scrgbClr r="0" g="0" b="0"/>
+      </a:effectRef>
+      <a:fontRef idx="minor"/>
+    </dgm:style>
+  </dgm:styleLbl>
+  <dgm:styleLbl name="parChTrans1D2">
+    <dgm:scene3d>
+      <a:camera prst="orthographicFront"/>
+      <a:lightRig rig="threePt" dir="t"/>
+    </dgm:scene3d>
+    <dgm:sp3d/>
+    <dgm:txPr/>
+    <dgm:style>
+      <a:lnRef idx="2">
+        <a:scrgbClr r="0" g="0" b="0"/>
+      </a:lnRef>
+      <a:fillRef idx="0">
+        <a:scrgbClr r="0" g="0" b="0"/>
+      </a:fillRef>
+      <a:effectRef idx="0">
+        <a:scrgbClr r="0" g="0" b="0"/>
+      </a:effectRef>
+      <a:fontRef idx="minor"/>
+    </dgm:style>
+  </dgm:styleLbl>
+  <dgm:styleLbl name="parChTrans1D3">
+    <dgm:scene3d>
+      <a:camera prst="orthographicFront"/>
+      <a:lightRig rig="threePt" dir="t"/>
+    </dgm:scene3d>
+    <dgm:sp3d/>
+    <dgm:txPr/>
+    <dgm:style>
+      <a:lnRef idx="2">
+        <a:scrgbClr r="0" g="0" b="0"/>
+      </a:lnRef>
+      <a:fillRef idx="0">
+        <a:scrgbClr r="0" g="0" b="0"/>
+      </a:fillRef>
+      <a:effectRef idx="0">
+        <a:scrgbClr r="0" g="0" b="0"/>
+      </a:effectRef>
+      <a:fontRef idx="minor"/>
+    </dgm:style>
+  </dgm:styleLbl>
+  <dgm:styleLbl name="parChTrans1D4">
+    <dgm:scene3d>
+      <a:camera prst="orthographicFront"/>
+      <a:lightRig rig="threePt" dir="t"/>
+    </dgm:scene3d>
+    <dgm:sp3d/>
+    <dgm:txPr/>
+    <dgm:style>
+      <a:lnRef idx="2">
+        <a:scrgbClr r="0" g="0" b="0"/>
+      </a:lnRef>
+      <a:fillRef idx="0">
+        <a:scrgbClr r="0" g="0" b="0"/>
+      </a:fillRef>
+      <a:effectRef idx="0">
+        <a:scrgbClr r="0" g="0" b="0"/>
+      </a:effectRef>
+      <a:fontRef idx="minor"/>
+    </dgm:style>
+  </dgm:styleLbl>
+  <dgm:styleLbl name="fgAcc1">
+    <dgm:scene3d>
+      <a:camera prst="orthographicFront"/>
+      <a:lightRig rig="threePt" dir="t"/>
+    </dgm:scene3d>
+    <dgm:sp3d/>
+    <dgm:txPr/>
+    <dgm:style>
+      <a:lnRef idx="1">
+        <a:scrgbClr r="0" g="0" b="0"/>
+      </a:lnRef>
+      <a:fillRef idx="1">
+        <a:scrgbClr r="0" g="0" b="0"/>
+      </a:fillRef>
+      <a:effectRef idx="2">
+        <a:scrgbClr r="0" g="0" b="0"/>
+      </a:effectRef>
+      <a:fontRef idx="minor"/>
+    </dgm:style>
+  </dgm:styleLbl>
+  <dgm:styleLbl name="conFgAcc1">
+    <dgm:scene3d>
+      <a:camera prst="orthographicFront"/>
+      <a:lightRig rig="threePt" dir="t"/>
+    </dgm:scene3d>
+    <dgm:sp3d/>
+    <dgm:txPr/>
+    <dgm:style>
+      <a:lnRef idx="1">
+        <a:scrgbClr r="0" g="0" b="0"/>
+      </a:lnRef>
+      <a:fillRef idx="1">
+        <a:scrgbClr r="0" g="0" b="0"/>
+      </a:fillRef>
+      <a:effectRef idx="2">
+        <a:scrgbClr r="0" g="0" b="0"/>
+      </a:effectRef>
+      <a:fontRef idx="minor"/>
+    </dgm:style>
+  </dgm:styleLbl>
+  <dgm:styleLbl name="alignAcc1">
+    <dgm:scene3d>
+      <a:camera prst="orthographicFront"/>
+      <a:lightRig rig="threePt" dir="t"/>
+    </dgm:scene3d>
+    <dgm:sp3d/>
+    <dgm:txPr/>
+    <dgm:style>
+      <a:lnRef idx="1">
+        <a:scrgbClr r="0" g="0" b="0"/>
+      </a:lnRef>
+      <a:fillRef idx="1">
+        <a:scrgbClr r="0" g="0" b="0"/>
+      </a:fillRef>
+      <a:effectRef idx="2">
+        <a:scrgbClr r="0" g="0" b="0"/>
+      </a:effectRef>
+      <a:fontRef idx="minor"/>
+    </dgm:style>
+  </dgm:styleLbl>
+  <dgm:styleLbl name="trAlignAcc1">
+    <dgm:scene3d>
+      <a:camera prst="orthographicFront"/>
+      <a:lightRig rig="threePt" dir="t"/>
+    </dgm:scene3d>
+    <dgm:sp3d/>
+    <dgm:txPr/>
+    <dgm:style>
+      <a:lnRef idx="1">
+        <a:scrgbClr r="0" g="0" b="0"/>
+      </a:lnRef>
+      <a:fillRef idx="1">
+        <a:scrgbClr r="0" g="0" b="0"/>
+      </a:fillRef>
+      <a:effectRef idx="0">
+        <a:scrgbClr r="0" g="0" b="0"/>
+      </a:effectRef>
+      <a:fontRef idx="minor"/>
+    </dgm:style>
+  </dgm:styleLbl>
+  <dgm:styleLbl name="bgAcc1">
+    <dgm:scene3d>
+      <a:camera prst="orthographicFront"/>
+      <a:lightRig rig="threePt" dir="t"/>
+    </dgm:scene3d>
+    <dgm:sp3d/>
+    <dgm:txPr/>
+    <dgm:style>
+      <a:lnRef idx="1">
+        <a:scrgbClr r="0" g="0" b="0"/>
+      </a:lnRef>
+      <a:fillRef idx="1">
+        <a:scrgbClr r="0" g="0" b="0"/>
+      </a:fillRef>
+      <a:effectRef idx="2">
+        <a:scrgbClr r="0" g="0" b="0"/>
+      </a:effectRef>
+      <a:fontRef idx="minor"/>
+    </dgm:style>
+  </dgm:styleLbl>
+  <dgm:styleLbl name="solidFgAcc1">
+    <dgm:scene3d>
+      <a:camera prst="orthographicFront"/>
+      <a:lightRig rig="threePt" dir="t"/>
+    </dgm:scene3d>
+    <dgm:sp3d/>
+    <dgm:txPr/>
+    <dgm:style>
+      <a:lnRef idx="1">
+        <a:scrgbClr r="0" g="0" b="0"/>
+      </a:lnRef>
+      <a:fillRef idx="1">
+        <a:scrgbClr r="0" g="0" b="0"/>
+      </a:fillRef>
+      <a:effectRef idx="2">
+        <a:scrgbClr r="0" g="0" b="0"/>
+      </a:effectRef>
+      <a:fontRef idx="minor"/>
+    </dgm:style>
+  </dgm:styleLbl>
+  <dgm:styleLbl name="solidAlignAcc1">
+    <dgm:scene3d>
+      <a:camera prst="orthographicFront"/>
+      <a:lightRig rig="threePt" dir="t"/>
+    </dgm:scene3d>
+    <dgm:sp3d/>
+    <dgm:txPr/>
+    <dgm:style>
+      <a:lnRef idx="1">
+        <a:scrgbClr r="0" g="0" b="0"/>
+      </a:lnRef>
+      <a:fillRef idx="1">
+        <a:scrgbClr r="0" g="0" b="0"/>
+      </a:fillRef>
+      <a:effectRef idx="3">
+        <a:scrgbClr r="0" g="0" b="0"/>
+      </a:effectRef>
+      <a:fontRef idx="minor"/>
+    </dgm:style>
+  </dgm:styleLbl>
+  <dgm:styleLbl name="solidBgAcc1">
+    <dgm:scene3d>
+      <a:camera prst="orthographicFront"/>
+      <a:lightRig rig="threePt" dir="t"/>
+    </dgm:scene3d>
+    <dgm:sp3d/>
+    <dgm:txPr/>
+    <dgm:style>
+      <a:lnRef idx="1">
+        <a:scrgbClr r="0" g="0" b="0"/>
+      </a:lnRef>
+      <a:fillRef idx="1">
+        <a:scrgbClr r="0" g="0" b="0"/>
+      </a:fillRef>
+      <a:effectRef idx="3">
+        <a:scrgbClr r="0" g="0" b="0"/>
+      </a:effectRef>
+      <a:fontRef idx="minor"/>
+    </dgm:style>
+  </dgm:styleLbl>
+  <dgm:styleLbl name="fgAccFollowNode1">
+    <dgm:scene3d>
+      <a:camera prst="orthographicFront"/>
+      <a:lightRig rig="threePt" dir="t"/>
+    </dgm:scene3d>
+    <dgm:sp3d/>
+    <dgm:txPr/>
+    <dgm:style>
+      <a:lnRef idx="1">
+        <a:scrgbClr r="0" g="0" b="0"/>
+      </a:lnRef>
+      <a:fillRef idx="1">
+        <a:scrgbClr r="0" g="0" b="0"/>
+      </a:fillRef>
+      <a:effectRef idx="2">
+        <a:scrgbClr r="0" g="0" b="0"/>
+      </a:effectRef>
+      <a:fontRef idx="minor"/>
+    </dgm:style>
+  </dgm:styleLbl>
+  <dgm:styleLbl name="alignAccFollowNode1">
+    <dgm:scene3d>
+      <a:camera prst="orthographicFront"/>
+      <a:lightRig rig="threePt" dir="t"/>
+    </dgm:scene3d>
+    <dgm:sp3d/>
+    <dgm:txPr/>
+    <dgm:style>
+      <a:lnRef idx="1">
+        <a:scrgbClr r="0" g="0" b="0"/>
+      </a:lnRef>
+      <a:fillRef idx="1">
+        <a:scrgbClr r="0" g="0" b="0"/>
+      </a:fillRef>
+      <a:effectRef idx="2">
+        <a:scrgbClr r="0" g="0" b="0"/>
+      </a:effectRef>
+      <a:fontRef idx="minor"/>
+    </dgm:style>
+  </dgm:styleLbl>
+  <dgm:styleLbl name="bgAccFollowNode1">
+    <dgm:scene3d>
+      <a:camera prst="orthographicFront"/>
+      <a:lightRig rig="threePt" dir="t"/>
+    </dgm:scene3d>
+    <dgm:sp3d/>
+    <dgm:txPr/>
+    <dgm:style>
+      <a:lnRef idx="1">
+        <a:scrgbClr r="0" g="0" b="0"/>
+      </a:lnRef>
+      <a:fillRef idx="1">
+        <a:scrgbClr r="0" g="0" b="0"/>
+      </a:fillRef>
+      <a:effectRef idx="2">
+        <a:scrgbClr r="0" g="0" b="0"/>
+      </a:effectRef>
+      <a:fontRef idx="minor"/>
+    </dgm:style>
+  </dgm:styleLbl>
+  <dgm:styleLbl name="fgAcc0">
+    <dgm:scene3d>
+      <a:camera prst="orthographicFront"/>
+      <a:lightRig rig="threePt" dir="t"/>
+    </dgm:scene3d>
+    <dgm:sp3d/>
+    <dgm:txPr/>
+    <dgm:style>
+      <a:lnRef idx="1">
+        <a:scrgbClr r="0" g="0" b="0"/>
+      </a:lnRef>
+      <a:fillRef idx="1">
+        <a:scrgbClr r="0" g="0" b="0"/>
+      </a:fillRef>
+      <a:effectRef idx="2">
+        <a:scrgbClr r="0" g="0" b="0"/>
+      </a:effectRef>
+      <a:fontRef idx="minor"/>
+    </dgm:style>
+  </dgm:styleLbl>
+  <dgm:styleLbl name="fgAcc2">
+    <dgm:scene3d>
+      <a:camera prst="orthographicFront"/>
+      <a:lightRig rig="threePt" dir="t"/>
+    </dgm:scene3d>
+    <dgm:sp3d/>
+    <dgm:txPr/>
+    <dgm:style>
+      <a:lnRef idx="1">
+        <a:scrgbClr r="0" g="0" b="0"/>
+      </a:lnRef>
+      <a:fillRef idx="1">
+        <a:scrgbClr r="0" g="0" b="0"/>
+      </a:fillRef>
+      <a:effectRef idx="2">
+        <a:scrgbClr r="0" g="0" b="0"/>
+      </a:effectRef>
+      <a:fontRef idx="minor"/>
+    </dgm:style>
+  </dgm:styleLbl>
+  <dgm:styleLbl name="fgAcc3">
+    <dgm:scene3d>
+      <a:camera prst="orthographicFront"/>
+      <a:lightRig rig="threePt" dir="t"/>
+    </dgm:scene3d>
+    <dgm:sp3d/>
+    <dgm:txPr/>
+    <dgm:style>
+      <a:lnRef idx="1">
+        <a:scrgbClr r="0" g="0" b="0"/>
+      </a:lnRef>
+      <a:fillRef idx="1">
+        <a:scrgbClr r="0" g="0" b="0"/>
+      </a:fillRef>
+      <a:effectRef idx="2">
+        <a:scrgbClr r="0" g="0" b="0"/>
+      </a:effectRef>
+      <a:fontRef idx="minor"/>
+    </dgm:style>
+  </dgm:styleLbl>
+  <dgm:styleLbl name="fgAcc4">
+    <dgm:scene3d>
+      <a:camera prst="orthographicFront"/>
+      <a:lightRig rig="threePt" dir="t"/>
+    </dgm:scene3d>
+    <dgm:sp3d/>
+    <dgm:txPr/>
+    <dgm:style>
+      <a:lnRef idx="1">
+        <a:scrgbClr r="0" g="0" b="0"/>
+      </a:lnRef>
+      <a:fillRef idx="1">
+        <a:scrgbClr r="0" g="0" b="0"/>
+      </a:fillRef>
+      <a:effectRef idx="2">
+        <a:scrgbClr r="0" g="0" b="0"/>
+      </a:effectRef>
+      <a:fontRef idx="minor"/>
+    </dgm:style>
+  </dgm:styleLbl>
+  <dgm:styleLbl name="bgShp">
+    <dgm:scene3d>
+      <a:camera prst="orthographicFront"/>
+      <a:lightRig rig="threePt" dir="t"/>
+    </dgm:scene3d>
+    <dgm:sp3d/>
+    <dgm:txPr/>
+    <dgm:style>
+      <a:lnRef idx="0">
+        <a:scrgbClr r="0" g="0" b="0"/>
+      </a:lnRef>
+      <a:fillRef idx="1">
+        <a:scrgbClr r="0" g="0" b="0"/>
+      </a:fillRef>
+      <a:effectRef idx="2">
+        <a:scrgbClr r="0" g="0" b="0"/>
+      </a:effectRef>
+      <a:fontRef idx="minor"/>
+    </dgm:style>
+  </dgm:styleLbl>
+  <dgm:styleLbl name="dkBgShp">
+    <dgm:scene3d>
+      <a:camera prst="orthographicFront"/>
+      <a:lightRig rig="threePt" dir="t"/>
+    </dgm:scene3d>
+    <dgm:sp3d/>
+    <dgm:txPr/>
+    <dgm:style>
+      <a:lnRef idx="0">
+        <a:scrgbClr r="0" g="0" b="0"/>
+      </a:lnRef>
+      <a:fillRef idx="1">
+        <a:scrgbClr r="0" g="0" b="0"/>
+      </a:fillRef>
+      <a:effectRef idx="3">
+        <a:scrgbClr r="0" g="0" b="0"/>
+      </a:effectRef>
+      <a:fontRef idx="minor"/>
+    </dgm:style>
+  </dgm:styleLbl>
+  <dgm:styleLbl name="trBgShp">
+    <dgm:scene3d>
+      <a:camera prst="orthographicFront"/>
+      <a:lightRig rig="threePt" dir="t"/>
+    </dgm:scene3d>
+    <dgm:sp3d/>
+    <dgm:txPr/>
+    <dgm:style>
+      <a:lnRef idx="0">
+        <a:scrgbClr r="0" g="0" b="0"/>
+      </a:lnRef>
+      <a:fillRef idx="1">
+        <a:scrgbClr r="0" g="0" b="0"/>
+      </a:fillRef>
+      <a:effectRef idx="0">
+        <a:scrgbClr r="0" g="0" b="0"/>
+      </a:effectRef>
+      <a:fontRef idx="minor"/>
+    </dgm:style>
+  </dgm:styleLbl>
+  <dgm:styleLbl name="fgShp">
+    <dgm:scene3d>
+      <a:camera prst="orthographicFront"/>
+      <a:lightRig rig="threePt" dir="t"/>
+    </dgm:scene3d>
+    <dgm:sp3d/>
+    <dgm:txPr/>
+    <dgm:style>
+      <a:lnRef idx="0">
+        <a:scrgbClr r="0" g="0" b="0"/>
+      </a:lnRef>
+      <a:fillRef idx="3">
+        <a:scrgbClr r="0" g="0" b="0"/>
+      </a:fillRef>
+      <a:effectRef idx="3">
+        <a:scrgbClr r="0" g="0" b="0"/>
+      </a:effectRef>
+      <a:fontRef idx="minor"/>
+    </dgm:style>
+  </dgm:styleLbl>
+  <dgm:styleLbl name="revTx">
+    <dgm:scene3d>
+      <a:camera prst="orthographicFront"/>
+      <a:lightRig rig="threePt" dir="t"/>
+    </dgm:scene3d>
+    <dgm:sp3d/>
+    <dgm:txPr/>
+    <dgm:style>
+      <a:lnRef idx="0">
+        <a:scrgbClr r="0" g="0" b="0"/>
+      </a:lnRef>
+      <a:fillRef idx="0">
+        <a:scrgbClr r="0" g="0" b="0"/>
+      </a:fillRef>
+      <a:effectRef idx="0">
+        <a:scrgbClr r="0" g="0" b="0"/>
+      </a:effectRef>
+      <a:fontRef idx="minor"/>
+    </dgm:style>
+  </dgm:styleLbl>
+</dgm:styleDef>
 </file>
 
 <file path=ppt/slideLayouts/slideLayout1.xml><?xml version="1.0" encoding="utf-8"?>
@@ -1068,7 +4199,7 @@
           <a:effectLst/>
           <a:extLst>
             <a:ext uri="{91240B29-F687-4f45-9708-019B960494DF}">
-              <a14:hiddenLine xmlns:a14="http://schemas.microsoft.com/office/drawing/2010/main" xmlns="" w="9525">
+              <a14:hiddenLine xmlns="" xmlns:a14="http://schemas.microsoft.com/office/drawing/2010/main" w="9525">
                 <a:solidFill>
                   <a:srgbClr val="000000"/>
                 </a:solidFill>
@@ -2590,7 +5721,7 @@
           <a:ln/>
           <a:extLst>
             <a:ext uri="{91240B29-F687-4f45-9708-019B960494DF}">
-              <a14:hiddenLine xmlns:a14="http://schemas.microsoft.com/office/drawing/2010/main" xmlns="" w="9525">
+              <a14:hiddenLine xmlns="" xmlns:a14="http://schemas.microsoft.com/office/drawing/2010/main" w="9525">
                 <a:solidFill>
                   <a:srgbClr val="000000"/>
                 </a:solidFill>
@@ -2865,7 +5996,7 @@
           <a:ln/>
           <a:extLst>
             <a:ext uri="{91240B29-F687-4f45-9708-019B960494DF}">
-              <a14:hiddenLine xmlns:a14="http://schemas.microsoft.com/office/drawing/2010/main" xmlns="" w="9525">
+              <a14:hiddenLine xmlns="" xmlns:a14="http://schemas.microsoft.com/office/drawing/2010/main" w="9525">
                 <a:solidFill>
                   <a:srgbClr val="000000"/>
                 </a:solidFill>
@@ -3148,7 +6279,7 @@
           <a:ln/>
           <a:extLst>
             <a:ext uri="{91240B29-F687-4f45-9708-019B960494DF}">
-              <a14:hiddenLine xmlns:a14="http://schemas.microsoft.com/office/drawing/2010/main" xmlns="" w="9525">
+              <a14:hiddenLine xmlns="" xmlns:a14="http://schemas.microsoft.com/office/drawing/2010/main" w="9525">
                 <a:solidFill>
                   <a:srgbClr val="000000"/>
                 </a:solidFill>
@@ -3774,7 +6905,7 @@
           <a:ln/>
           <a:extLst>
             <a:ext uri="{91240B29-F687-4f45-9708-019B960494DF}">
-              <a14:hiddenLine xmlns:a14="http://schemas.microsoft.com/office/drawing/2010/main" xmlns="" w="9525">
+              <a14:hiddenLine xmlns="" xmlns:a14="http://schemas.microsoft.com/office/drawing/2010/main" w="9525">
                 <a:solidFill>
                   <a:srgbClr val="000000"/>
                 </a:solidFill>
@@ -4113,7 +7244,7 @@
           <a:ln/>
           <a:extLst>
             <a:ext uri="{91240B29-F687-4f45-9708-019B960494DF}">
-              <a14:hiddenLine xmlns:a14="http://schemas.microsoft.com/office/drawing/2010/main" xmlns="" w="9525">
+              <a14:hiddenLine xmlns="" xmlns:a14="http://schemas.microsoft.com/office/drawing/2010/main" w="9525">
                 <a:solidFill>
                   <a:srgbClr val="000000"/>
                 </a:solidFill>
@@ -4590,7 +7721,7 @@
           <a:ln/>
           <a:extLst>
             <a:ext uri="{91240B29-F687-4f45-9708-019B960494DF}">
-              <a14:hiddenLine xmlns:a14="http://schemas.microsoft.com/office/drawing/2010/main" xmlns="" w="9525">
+              <a14:hiddenLine xmlns="" xmlns:a14="http://schemas.microsoft.com/office/drawing/2010/main" w="9525">
                 <a:solidFill>
                   <a:srgbClr val="000000"/>
                 </a:solidFill>
@@ -5019,7 +8150,7 @@
           <a:ln/>
           <a:extLst>
             <a:ext uri="{91240B29-F687-4f45-9708-019B960494DF}">
-              <a14:hiddenLine xmlns:a14="http://schemas.microsoft.com/office/drawing/2010/main" xmlns="" w="9525">
+              <a14:hiddenLine xmlns="" xmlns:a14="http://schemas.microsoft.com/office/drawing/2010/main" w="9525">
                 <a:solidFill>
                   <a:srgbClr val="000000"/>
                 </a:solidFill>
@@ -6596,7 +9727,7 @@
           <a:effectLst/>
           <a:extLst>
             <a:ext uri="{91240B29-F687-4f45-9708-019B960494DF}">
-              <a14:hiddenLine xmlns="" xmlns:a14="http://schemas.microsoft.com/office/drawing/2010/main" xmlns:p14="http://schemas.microsoft.com/office/powerpoint/2010/main" xmlns:a16="http://schemas.microsoft.com/office/drawing/2014/main" w="9525">
+              <a14:hiddenLine xmlns:a16="http://schemas.microsoft.com/office/drawing/2014/main" xmlns:p14="http://schemas.microsoft.com/office/powerpoint/2010/main" xmlns:a14="http://schemas.microsoft.com/office/drawing/2010/main" xmlns="" w="9525">
                 <a:solidFill>
                   <a:srgbClr val="000000"/>
                 </a:solidFill>
@@ -6718,9 +9849,6 @@
             </a:r>
           </a:p>
           <a:p>
-            <a:endParaRPr lang="en-US" dirty="0"/>
-          </a:p>
-          <a:p>
             <a:r>
               <a:rPr lang="en-US" dirty="0"/>
               <a:t>Target Mobile OS - Android</a:t>
@@ -6733,10 +9861,10 @@
       </p:sp>
       <p:pic>
         <p:nvPicPr>
-          <p:cNvPr id="6" name="Picture 5">
+          <p:cNvPr id="7" name="Picture 6">
             <a:extLst>
               <a:ext uri="{FF2B5EF4-FFF2-40B4-BE49-F238E27FC236}">
-                <a16:creationId xmlns:a16="http://schemas.microsoft.com/office/drawing/2014/main" id="{7F9F282B-3F5F-46C9-8D6C-364678ECA48B}"/>
+                <a16:creationId xmlns:a16="http://schemas.microsoft.com/office/drawing/2014/main" id="{1F9F1C95-6AF9-4E60-BB9F-0B1B595AFD19}"/>
               </a:ext>
             </a:extLst>
           </p:cNvPr>
@@ -6759,8 +9887,8 @@
         </p:blipFill>
         <p:spPr>
           <a:xfrm>
-            <a:off x="7243443" y="2412682"/>
-            <a:ext cx="2032635" cy="1016318"/>
+            <a:off x="6870569" y="2158241"/>
+            <a:ext cx="2084659" cy="1042329"/>
           </a:xfrm>
           <a:prstGeom prst="rect">
             <a:avLst/>
@@ -6769,10 +9897,10 @@
       </p:pic>
       <p:pic>
         <p:nvPicPr>
-          <p:cNvPr id="8" name="Picture 7">
+          <p:cNvPr id="12" name="Picture 11">
             <a:extLst>
               <a:ext uri="{FF2B5EF4-FFF2-40B4-BE49-F238E27FC236}">
-                <a16:creationId xmlns:a16="http://schemas.microsoft.com/office/drawing/2014/main" id="{56D505A8-55CA-4640-90EF-FF60FAB71D15}"/>
+                <a16:creationId xmlns:a16="http://schemas.microsoft.com/office/drawing/2014/main" id="{48F3492E-CFCB-4E56-96E2-EC9C2431D75D}"/>
               </a:ext>
             </a:extLst>
           </p:cNvPr>
@@ -6795,8 +9923,8 @@
         </p:blipFill>
         <p:spPr>
           <a:xfrm>
-            <a:off x="7243443" y="4090736"/>
-            <a:ext cx="2032635" cy="919480"/>
+            <a:off x="6870569" y="3429000"/>
+            <a:ext cx="1287911" cy="1513211"/>
           </a:xfrm>
           <a:prstGeom prst="rect">
             <a:avLst/>
@@ -7024,13 +10152,8 @@
           <a:p>
             <a:r>
               <a:rPr lang="en-US" dirty="0"/>
-              <a:t>Booking service, </a:t>
+              <a:t>Booking service</a:t>
             </a:r>
-            <a:r>
-              <a:rPr lang="en-US"/>
-              <a:t>event insurance</a:t>
-            </a:r>
-            <a:endParaRPr lang="en-US" dirty="0"/>
           </a:p>
           <a:p>
             <a:endParaRPr lang="en-US" dirty="0"/>
@@ -7173,7 +10296,7 @@
           <a:effectLst/>
           <a:extLst>
             <a:ext uri="{91240B29-F687-4f45-9708-019B960494DF}">
-              <a14:hiddenLine xmlns:a14="http://schemas.microsoft.com/office/drawing/2010/main" xmlns:p14="http://schemas.microsoft.com/office/powerpoint/2010/main" xmlns:a16="http://schemas.microsoft.com/office/drawing/2014/main" xmlns="" w="9525">
+              <a14:hiddenLine xmlns="" xmlns:a16="http://schemas.microsoft.com/office/drawing/2014/main" xmlns:p14="http://schemas.microsoft.com/office/powerpoint/2010/main" xmlns:a14="http://schemas.microsoft.com/office/drawing/2010/main" w="9525">
                 <a:solidFill>
                   <a:srgbClr val="000000"/>
                 </a:solidFill>
@@ -7589,305 +10712,6 @@
           <a:chExt cx="0" cy="0"/>
         </a:xfrm>
       </p:grpSpPr>
-      <p:sp useBgFill="1">
-        <p:nvSpPr>
-          <p:cNvPr id="8" name="Rectangle 7">
-            <a:extLst>
-              <a:ext uri="{FF2B5EF4-FFF2-40B4-BE49-F238E27FC236}">
-                <a16:creationId xmlns:a16="http://schemas.microsoft.com/office/drawing/2014/main" id="{089A69AF-D57B-49B4-886C-D4A5DC194421}"/>
-              </a:ext>
-              <a:ext uri="{C183D7F6-B498-43B3-948B-1728B52AA6E4}">
-                <adec:decorative xmlns:adec="http://schemas.microsoft.com/office/drawing/2017/decorative" val="1"/>
-              </a:ext>
-            </a:extLst>
-          </p:cNvPr>
-          <p:cNvSpPr>
-            <a:spLocks noGrp="1" noRot="1" noChangeAspect="1" noMove="1" noResize="1" noEditPoints="1" noAdjustHandles="1" noChangeArrowheads="1" noChangeShapeType="1" noTextEdit="1"/>
-          </p:cNvSpPr>
-          <p:nvPr>
-            <p:extLst>
-              <p:ext uri="{386F3935-93C4-4BCD-93E2-E3B085C9AB24}">
-                <p16:designElem xmlns:p16="http://schemas.microsoft.com/office/powerpoint/2015/main" val="1"/>
-              </p:ext>
-            </p:extLst>
-          </p:nvPr>
-        </p:nvSpPr>
-        <p:spPr>
-          <a:xfrm>
-            <a:off x="0" y="0"/>
-            <a:ext cx="12192000" cy="6858000"/>
-          </a:xfrm>
-          <a:prstGeom prst="rect">
-            <a:avLst/>
-          </a:prstGeom>
-          <a:ln>
-            <a:noFill/>
-          </a:ln>
-        </p:spPr>
-        <p:style>
-          <a:lnRef idx="2">
-            <a:schemeClr val="accent1">
-              <a:shade val="50000"/>
-            </a:schemeClr>
-          </a:lnRef>
-          <a:fillRef idx="1">
-            <a:schemeClr val="accent1"/>
-          </a:fillRef>
-          <a:effectRef idx="0">
-            <a:schemeClr val="accent1"/>
-          </a:effectRef>
-          <a:fontRef idx="minor">
-            <a:schemeClr val="lt1"/>
-          </a:fontRef>
-        </p:style>
-        <p:txBody>
-          <a:bodyPr rtlCol="0" anchor="ctr"/>
-          <a:lstStyle/>
-          <a:p>
-            <a:pPr algn="ctr"/>
-            <a:endParaRPr lang="en-US"/>
-          </a:p>
-        </p:txBody>
-      </p:sp>
-      <p:sp>
-        <p:nvSpPr>
-          <p:cNvPr id="10" name="Freeform: Shape 9">
-            <a:extLst>
-              <a:ext uri="{FF2B5EF4-FFF2-40B4-BE49-F238E27FC236}">
-                <a16:creationId xmlns:a16="http://schemas.microsoft.com/office/drawing/2014/main" id="{CABDC08D-6093-4397-92D4-54D00E2BB1C2}"/>
-              </a:ext>
-              <a:ext uri="{C183D7F6-B498-43B3-948B-1728B52AA6E4}">
-                <adec:decorative xmlns:adec="http://schemas.microsoft.com/office/drawing/2017/decorative" val="1"/>
-              </a:ext>
-            </a:extLst>
-          </p:cNvPr>
-          <p:cNvSpPr>
-            <a:spLocks noGrp="1" noRot="1" noChangeAspect="1" noMove="1" noResize="1" noEditPoints="1" noAdjustHandles="1" noChangeArrowheads="1" noChangeShapeType="1" noTextEdit="1"/>
-          </p:cNvSpPr>
-          <p:nvPr>
-            <p:extLst>
-              <p:ext uri="{386F3935-93C4-4BCD-93E2-E3B085C9AB24}">
-                <p16:designElem xmlns:p16="http://schemas.microsoft.com/office/powerpoint/2015/main" val="1"/>
-              </p:ext>
-            </p:extLst>
-          </p:nvPr>
-        </p:nvSpPr>
-        <p:spPr bwMode="auto">
-          <a:xfrm rot="16200000">
-            <a:off x="-650724" y="650724"/>
-            <a:ext cx="6858000" cy="5556552"/>
-          </a:xfrm>
-          <a:custGeom>
-            <a:avLst/>
-            <a:gdLst>
-              <a:gd name="connsiteX0" fmla="*/ 6858000 w 6858000"/>
-              <a:gd name="connsiteY0" fmla="*/ 3445704 h 5556552"/>
-              <a:gd name="connsiteX1" fmla="*/ 3829242 w 6858000"/>
-              <a:gd name="connsiteY1" fmla="*/ 5433322 h 5556552"/>
-              <a:gd name="connsiteX2" fmla="*/ 3827369 w 6858000"/>
-              <a:gd name="connsiteY2" fmla="*/ 5434867 h 5556552"/>
-              <a:gd name="connsiteX3" fmla="*/ 3824583 w 6858000"/>
-              <a:gd name="connsiteY3" fmla="*/ 5436378 h 5556552"/>
-              <a:gd name="connsiteX4" fmla="*/ 3798693 w 6858000"/>
-              <a:gd name="connsiteY4" fmla="*/ 5453370 h 5556552"/>
-              <a:gd name="connsiteX5" fmla="*/ 3785011 w 6858000"/>
-              <a:gd name="connsiteY5" fmla="*/ 5457858 h 5556552"/>
-              <a:gd name="connsiteX6" fmla="*/ 3706339 w 6858000"/>
-              <a:gd name="connsiteY6" fmla="*/ 5500559 h 5556552"/>
-              <a:gd name="connsiteX7" fmla="*/ 3428998 w 6858000"/>
-              <a:gd name="connsiteY7" fmla="*/ 5556552 h 5556552"/>
-              <a:gd name="connsiteX8" fmla="*/ 3151658 w 6858000"/>
-              <a:gd name="connsiteY8" fmla="*/ 5500559 h 5556552"/>
-              <a:gd name="connsiteX9" fmla="*/ 3072996 w 6858000"/>
-              <a:gd name="connsiteY9" fmla="*/ 5457863 h 5556552"/>
-              <a:gd name="connsiteX10" fmla="*/ 3059298 w 6858000"/>
-              <a:gd name="connsiteY10" fmla="*/ 5453370 h 5556552"/>
-              <a:gd name="connsiteX11" fmla="*/ 3033383 w 6858000"/>
-              <a:gd name="connsiteY11" fmla="*/ 5436362 h 5556552"/>
-              <a:gd name="connsiteX12" fmla="*/ 3030627 w 6858000"/>
-              <a:gd name="connsiteY12" fmla="*/ 5434867 h 5556552"/>
-              <a:gd name="connsiteX13" fmla="*/ 3028775 w 6858000"/>
-              <a:gd name="connsiteY13" fmla="*/ 5433338 h 5556552"/>
-              <a:gd name="connsiteX14" fmla="*/ 0 w 6858000"/>
-              <a:gd name="connsiteY14" fmla="*/ 3445704 h 5556552"/>
-              <a:gd name="connsiteX15" fmla="*/ 6858000 w 6858000"/>
-              <a:gd name="connsiteY15" fmla="*/ 0 h 5556552"/>
-              <a:gd name="connsiteX16" fmla="*/ 6858000 w 6858000"/>
-              <a:gd name="connsiteY16" fmla="*/ 349336 h 5556552"/>
-              <a:gd name="connsiteX17" fmla="*/ 6858000 w 6858000"/>
-              <a:gd name="connsiteY17" fmla="*/ 3445703 h 5556552"/>
-              <a:gd name="connsiteX18" fmla="*/ 0 w 6858000"/>
-              <a:gd name="connsiteY18" fmla="*/ 3445703 h 5556552"/>
-              <a:gd name="connsiteX19" fmla="*/ 0 w 6858000"/>
-              <a:gd name="connsiteY19" fmla="*/ 0 h 5556552"/>
-            </a:gdLst>
-            <a:ahLst/>
-            <a:cxnLst>
-              <a:cxn ang="0">
-                <a:pos x="connsiteX0" y="connsiteY0"/>
-              </a:cxn>
-              <a:cxn ang="0">
-                <a:pos x="connsiteX1" y="connsiteY1"/>
-              </a:cxn>
-              <a:cxn ang="0">
-                <a:pos x="connsiteX2" y="connsiteY2"/>
-              </a:cxn>
-              <a:cxn ang="0">
-                <a:pos x="connsiteX3" y="connsiteY3"/>
-              </a:cxn>
-              <a:cxn ang="0">
-                <a:pos x="connsiteX4" y="connsiteY4"/>
-              </a:cxn>
-              <a:cxn ang="0">
-                <a:pos x="connsiteX5" y="connsiteY5"/>
-              </a:cxn>
-              <a:cxn ang="0">
-                <a:pos x="connsiteX6" y="connsiteY6"/>
-              </a:cxn>
-              <a:cxn ang="0">
-                <a:pos x="connsiteX7" y="connsiteY7"/>
-              </a:cxn>
-              <a:cxn ang="0">
-                <a:pos x="connsiteX8" y="connsiteY8"/>
-              </a:cxn>
-              <a:cxn ang="0">
-                <a:pos x="connsiteX9" y="connsiteY9"/>
-              </a:cxn>
-              <a:cxn ang="0">
-                <a:pos x="connsiteX10" y="connsiteY10"/>
-              </a:cxn>
-              <a:cxn ang="0">
-                <a:pos x="connsiteX11" y="connsiteY11"/>
-              </a:cxn>
-              <a:cxn ang="0">
-                <a:pos x="connsiteX12" y="connsiteY12"/>
-              </a:cxn>
-              <a:cxn ang="0">
-                <a:pos x="connsiteX13" y="connsiteY13"/>
-              </a:cxn>
-              <a:cxn ang="0">
-                <a:pos x="connsiteX14" y="connsiteY14"/>
-              </a:cxn>
-              <a:cxn ang="0">
-                <a:pos x="connsiteX15" y="connsiteY15"/>
-              </a:cxn>
-              <a:cxn ang="0">
-                <a:pos x="connsiteX16" y="connsiteY16"/>
-              </a:cxn>
-              <a:cxn ang="0">
-                <a:pos x="connsiteX17" y="connsiteY17"/>
-              </a:cxn>
-              <a:cxn ang="0">
-                <a:pos x="connsiteX18" y="connsiteY18"/>
-              </a:cxn>
-              <a:cxn ang="0">
-                <a:pos x="connsiteX19" y="connsiteY19"/>
-              </a:cxn>
-            </a:cxnLst>
-            <a:rect l="l" t="t" r="r" b="b"/>
-            <a:pathLst>
-              <a:path w="6858000" h="5556552">
-                <a:moveTo>
-                  <a:pt x="6858000" y="3445704"/>
-                </a:moveTo>
-                <a:lnTo>
-                  <a:pt x="3829242" y="5433322"/>
-                </a:lnTo>
-                <a:lnTo>
-                  <a:pt x="3827369" y="5434867"/>
-                </a:lnTo>
-                <a:lnTo>
-                  <a:pt x="3824583" y="5436378"/>
-                </a:lnTo>
-                <a:lnTo>
-                  <a:pt x="3798693" y="5453370"/>
-                </a:lnTo>
-                <a:lnTo>
-                  <a:pt x="3785011" y="5457858"/>
-                </a:lnTo>
-                <a:lnTo>
-                  <a:pt x="3706339" y="5500559"/>
-                </a:lnTo>
-                <a:cubicBezTo>
-                  <a:pt x="3621096" y="5536614"/>
-                  <a:pt x="3527375" y="5556552"/>
-                  <a:pt x="3428998" y="5556552"/>
-                </a:cubicBezTo>
-                <a:cubicBezTo>
-                  <a:pt x="3330621" y="5556552"/>
-                  <a:pt x="3236901" y="5536614"/>
-                  <a:pt x="3151658" y="5500559"/>
-                </a:cubicBezTo>
-                <a:lnTo>
-                  <a:pt x="3072996" y="5457863"/>
-                </a:lnTo>
-                <a:lnTo>
-                  <a:pt x="3059298" y="5453370"/>
-                </a:lnTo>
-                <a:lnTo>
-                  <a:pt x="3033383" y="5436362"/>
-                </a:lnTo>
-                <a:lnTo>
-                  <a:pt x="3030627" y="5434867"/>
-                </a:lnTo>
-                <a:lnTo>
-                  <a:pt x="3028775" y="5433338"/>
-                </a:lnTo>
-                <a:lnTo>
-                  <a:pt x="0" y="3445704"/>
-                </a:lnTo>
-                <a:close/>
-                <a:moveTo>
-                  <a:pt x="6858000" y="0"/>
-                </a:moveTo>
-                <a:lnTo>
-                  <a:pt x="6858000" y="349336"/>
-                </a:lnTo>
-                <a:lnTo>
-                  <a:pt x="6858000" y="3445703"/>
-                </a:lnTo>
-                <a:lnTo>
-                  <a:pt x="0" y="3445703"/>
-                </a:lnTo>
-                <a:lnTo>
-                  <a:pt x="0" y="0"/>
-                </a:lnTo>
-                <a:close/>
-              </a:path>
-            </a:pathLst>
-          </a:custGeom>
-          <a:ln>
-            <a:noFill/>
-          </a:ln>
-          <a:effectLst/>
-          <a:extLst>
-            <a:ext uri="{91240B29-F687-4f45-9708-019B960494DF}">
-              <a14:hiddenLine xmlns="" xmlns:a14="http://schemas.microsoft.com/office/drawing/2010/main" xmlns:p14="http://schemas.microsoft.com/office/powerpoint/2010/main" xmlns:a16="http://schemas.microsoft.com/office/drawing/2014/main" w="9525">
-                <a:solidFill>
-                  <a:srgbClr val="000000"/>
-                </a:solidFill>
-                <a:round/>
-                <a:headEnd/>
-                <a:tailEnd/>
-              </a14:hiddenLine>
-            </a:ext>
-          </a:extLst>
-        </p:spPr>
-        <p:style>
-          <a:lnRef idx="1">
-            <a:schemeClr val="accent1"/>
-          </a:lnRef>
-          <a:fillRef idx="3">
-            <a:schemeClr val="accent1"/>
-          </a:fillRef>
-          <a:effectRef idx="2">
-            <a:schemeClr val="accent1"/>
-          </a:effectRef>
-          <a:fontRef idx="minor">
-            <a:schemeClr val="lt1"/>
-          </a:fontRef>
-        </p:style>
-      </p:sp>
       <p:sp>
         <p:nvSpPr>
           <p:cNvPr id="2" name="Title 1">
@@ -7906,45 +10730,9 @@
         </p:nvSpPr>
         <p:spPr>
           <a:xfrm>
-            <a:off x="451515" y="1734857"/>
-            <a:ext cx="3765483" cy="3388287"/>
+            <a:off x="810000" y="447188"/>
+            <a:ext cx="10571998" cy="970450"/>
           </a:xfrm>
-        </p:spPr>
-        <p:txBody>
-          <a:bodyPr anchor="ctr">
-            <a:normAutofit/>
-          </a:bodyPr>
-          <a:lstStyle/>
-          <a:p>
-            <a:r>
-              <a:rPr lang="en-US" dirty="0"/>
-              <a:t>Team Roles</a:t>
-            </a:r>
-          </a:p>
-        </p:txBody>
-      </p:sp>
-      <p:sp>
-        <p:nvSpPr>
-          <p:cNvPr id="3" name="Content Placeholder 2">
-            <a:extLst>
-              <a:ext uri="{FF2B5EF4-FFF2-40B4-BE49-F238E27FC236}">
-                <a16:creationId xmlns:a16="http://schemas.microsoft.com/office/drawing/2014/main" id="{7172BEFF-EA94-4F9F-BB61-6E18EAF5F890}"/>
-              </a:ext>
-            </a:extLst>
-          </p:cNvPr>
-          <p:cNvSpPr>
-            <a:spLocks noGrp="1"/>
-          </p:cNvSpPr>
-          <p:nvPr>
-            <p:ph idx="1"/>
-          </p:nvPr>
-        </p:nvSpPr>
-        <p:spPr>
-          <a:xfrm>
-            <a:off x="6008068" y="978993"/>
-            <a:ext cx="5365218" cy="4900014"/>
-          </a:xfrm>
-          <a:effectLst/>
         </p:spPr>
         <p:txBody>
           <a:bodyPr>
@@ -7952,69 +10740,45 @@
           </a:bodyPr>
           <a:lstStyle/>
           <a:p>
-            <a:pPr marL="0" indent="0">
-              <a:buNone/>
-            </a:pPr>
             <a:r>
-              <a:rPr lang="en-US" dirty="0"/>
-              <a:t> Joseph Hill – Project Manager/Backend</a:t>
+              <a:rPr lang="en-US"/>
+              <a:t>Team Roles</a:t>
             </a:r>
-          </a:p>
-          <a:p>
-            <a:pPr marL="0" indent="0">
-              <a:buNone/>
-            </a:pPr>
-            <a:r>
-              <a:rPr lang="en-US" dirty="0"/>
-              <a:t> Robert Law – Backend</a:t>
-            </a:r>
-          </a:p>
-          <a:p>
-            <a:pPr marL="0" indent="0">
-              <a:buNone/>
-            </a:pPr>
-            <a:r>
-              <a:rPr lang="en-US" dirty="0"/>
-              <a:t> Barry Latour – Web Frontend</a:t>
-            </a:r>
-          </a:p>
-          <a:p>
-            <a:pPr marL="0" indent="0">
-              <a:buNone/>
-            </a:pPr>
-            <a:r>
-              <a:rPr lang="en-US" dirty="0"/>
-              <a:t> Jacob </a:t>
-            </a:r>
-            <a:r>
-              <a:rPr lang="en-US" dirty="0" err="1"/>
-              <a:t>Haake</a:t>
-            </a:r>
-            <a:r>
-              <a:rPr lang="en-US" dirty="0"/>
-              <a:t> – Web Frontend and Security</a:t>
-            </a:r>
-          </a:p>
-          <a:p>
-            <a:pPr marL="0" indent="0">
-              <a:buNone/>
-            </a:pPr>
-            <a:r>
-              <a:rPr lang="en-US" dirty="0"/>
-              <a:t> Joel Robertson – Mobile</a:t>
-            </a:r>
-          </a:p>
-          <a:p>
-            <a:pPr marL="0" indent="0">
-              <a:buNone/>
-            </a:pPr>
-            <a:r>
-              <a:rPr lang="en-US" dirty="0"/>
-              <a:t> Miguel Cordero - Mobile</a:t>
-            </a:r>
+            <a:endParaRPr lang="en-US" dirty="0"/>
           </a:p>
         </p:txBody>
       </p:sp>
+      <p:graphicFrame>
+        <p:nvGraphicFramePr>
+          <p:cNvPr id="40" name="Content Placeholder 2">
+            <a:extLst>
+              <a:ext uri="{FF2B5EF4-FFF2-40B4-BE49-F238E27FC236}">
+                <a16:creationId xmlns:a16="http://schemas.microsoft.com/office/drawing/2014/main" id="{A9F8A1E4-80EB-4A3A-8F38-2DCD52F2805B}"/>
+              </a:ext>
+            </a:extLst>
+          </p:cNvPr>
+          <p:cNvGraphicFramePr>
+            <a:graphicFrameLocks noGrp="1"/>
+          </p:cNvGraphicFramePr>
+          <p:nvPr>
+            <p:ph idx="1"/>
+            <p:extLst>
+              <p:ext uri="{D42A27DB-BD31-4B8C-83A1-F6EECF244321}">
+                <p14:modId xmlns:p14="http://schemas.microsoft.com/office/powerpoint/2010/main" val="3890571316"/>
+              </p:ext>
+            </p:extLst>
+          </p:nvPr>
+        </p:nvGraphicFramePr>
+        <p:xfrm>
+          <a:off x="818713" y="2413000"/>
+          <a:ext cx="7199220" cy="3632200"/>
+        </p:xfrm>
+        <a:graphic>
+          <a:graphicData uri="http://schemas.openxmlformats.org/drawingml/2006/diagram">
+            <dgm:relIds xmlns:dgm="http://schemas.openxmlformats.org/drawingml/2006/diagram" xmlns:r="http://schemas.openxmlformats.org/officeDocument/2006/relationships" r:dm="rId2" r:lo="rId3" r:qs="rId4" r:cs="rId5"/>
+          </a:graphicData>
+        </a:graphic>
+      </p:graphicFrame>
     </p:spTree>
     <p:extLst>
       <p:ext uri="{BB962C8B-B14F-4D97-AF65-F5344CB8AC3E}">
@@ -8114,6 +10878,12 @@
             <a:r>
               <a:rPr lang="en-US" dirty="0"/>
               <a:t>Add friends and invite them to groups</a:t>
+            </a:r>
+          </a:p>
+          <a:p>
+            <a:r>
+              <a:rPr lang="en-US" dirty="0"/>
+              <a:t>Groups are collection of people and associated events</a:t>
             </a:r>
           </a:p>
           <a:p>
@@ -8365,7 +11135,7 @@
           <a:effectLst/>
           <a:extLst>
             <a:ext uri="{91240B29-F687-4f45-9708-019B960494DF}">
-              <a14:hiddenLine xmlns="" xmlns:a16="http://schemas.microsoft.com/office/drawing/2014/main" xmlns:p14="http://schemas.microsoft.com/office/powerpoint/2010/main" xmlns:a14="http://schemas.microsoft.com/office/drawing/2010/main" w="9525">
+              <a14:hiddenLine xmlns:a14="http://schemas.microsoft.com/office/drawing/2010/main" xmlns:p14="http://schemas.microsoft.com/office/powerpoint/2010/main" xmlns:a16="http://schemas.microsoft.com/office/drawing/2014/main" xmlns="" w="9525">
                 <a:solidFill>
                   <a:srgbClr val="000000"/>
                 </a:solidFill>
@@ -9069,7 +11839,7 @@
           <a:effectLst/>
           <a:extLst>
             <a:ext uri="{91240B29-F687-4f45-9708-019B960494DF}">
-              <a14:hiddenLine xmlns="" xmlns:a16="http://schemas.microsoft.com/office/drawing/2014/main" xmlns:p14="http://schemas.microsoft.com/office/powerpoint/2010/main" xmlns:a14="http://schemas.microsoft.com/office/drawing/2010/main" w="9525">
+              <a14:hiddenLine xmlns:a14="http://schemas.microsoft.com/office/drawing/2010/main" xmlns:p14="http://schemas.microsoft.com/office/powerpoint/2010/main" xmlns:a16="http://schemas.microsoft.com/office/drawing/2014/main" xmlns="" w="9525">
                 <a:solidFill>
                   <a:srgbClr val="000000"/>
                 </a:solidFill>
@@ -9708,7 +12478,7 @@
           <a:effectLst/>
           <a:extLst>
             <a:ext uri="{91240B29-F687-4f45-9708-019B960494DF}">
-              <a14:hiddenLine xmlns="" xmlns:a16="http://schemas.microsoft.com/office/drawing/2014/main" xmlns:p14="http://schemas.microsoft.com/office/powerpoint/2010/main" xmlns:a14="http://schemas.microsoft.com/office/drawing/2010/main" w="9525">
+              <a14:hiddenLine xmlns:a14="http://schemas.microsoft.com/office/drawing/2010/main" xmlns:p14="http://schemas.microsoft.com/office/powerpoint/2010/main" xmlns:a16="http://schemas.microsoft.com/office/drawing/2014/main" xmlns="" w="9525">
                 <a:solidFill>
                   <a:srgbClr val="000000"/>
                 </a:solidFill>
@@ -10158,7 +12928,7 @@
         </p:blipFill>
         <p:spPr>
           <a:xfrm>
-            <a:off x="1709700" y="233680"/>
+            <a:off x="6606465" y="328338"/>
             <a:ext cx="3762648" cy="4009136"/>
           </a:xfrm>
           <a:prstGeom prst="roundRect">
@@ -10202,7 +12972,7 @@
         </p:blipFill>
         <p:spPr>
           <a:xfrm>
-            <a:off x="6617616" y="233680"/>
+            <a:off x="1055802" y="328338"/>
             <a:ext cx="4127443" cy="4009136"/>
           </a:xfrm>
           <a:prstGeom prst="roundRect">
